--- a/Project_Presentation.pptx
+++ b/Project_Presentation.pptx
@@ -7,35 +7,37 @@
   <p:sldIdLst>
     <p:sldId id="256" r:id="rId2"/>
     <p:sldId id="257" r:id="rId3"/>
-    <p:sldId id="260" r:id="rId4"/>
-    <p:sldId id="270" r:id="rId5"/>
-    <p:sldId id="287" r:id="rId6"/>
-    <p:sldId id="258" r:id="rId7"/>
-    <p:sldId id="259" r:id="rId8"/>
-    <p:sldId id="262" r:id="rId9"/>
-    <p:sldId id="265" r:id="rId10"/>
-    <p:sldId id="281" r:id="rId11"/>
-    <p:sldId id="289" r:id="rId12"/>
-    <p:sldId id="266" r:id="rId13"/>
-    <p:sldId id="261" r:id="rId14"/>
-    <p:sldId id="267" r:id="rId15"/>
-    <p:sldId id="274" r:id="rId16"/>
-    <p:sldId id="275" r:id="rId17"/>
-    <p:sldId id="277" r:id="rId18"/>
-    <p:sldId id="278" r:id="rId19"/>
-    <p:sldId id="284" r:id="rId20"/>
-    <p:sldId id="290" r:id="rId21"/>
-    <p:sldId id="279" r:id="rId22"/>
-    <p:sldId id="280" r:id="rId23"/>
-    <p:sldId id="285" r:id="rId24"/>
-    <p:sldId id="268" r:id="rId25"/>
-    <p:sldId id="269" r:id="rId26"/>
-    <p:sldId id="271" r:id="rId27"/>
-    <p:sldId id="282" r:id="rId28"/>
-    <p:sldId id="283" r:id="rId29"/>
-    <p:sldId id="286" r:id="rId30"/>
-    <p:sldId id="288" r:id="rId31"/>
-    <p:sldId id="291" r:id="rId32"/>
+    <p:sldId id="293" r:id="rId4"/>
+    <p:sldId id="260" r:id="rId5"/>
+    <p:sldId id="270" r:id="rId6"/>
+    <p:sldId id="287" r:id="rId7"/>
+    <p:sldId id="292" r:id="rId8"/>
+    <p:sldId id="259" r:id="rId9"/>
+    <p:sldId id="258" r:id="rId10"/>
+    <p:sldId id="262" r:id="rId11"/>
+    <p:sldId id="265" r:id="rId12"/>
+    <p:sldId id="281" r:id="rId13"/>
+    <p:sldId id="289" r:id="rId14"/>
+    <p:sldId id="266" r:id="rId15"/>
+    <p:sldId id="267" r:id="rId16"/>
+    <p:sldId id="261" r:id="rId17"/>
+    <p:sldId id="274" r:id="rId18"/>
+    <p:sldId id="275" r:id="rId19"/>
+    <p:sldId id="277" r:id="rId20"/>
+    <p:sldId id="278" r:id="rId21"/>
+    <p:sldId id="284" r:id="rId22"/>
+    <p:sldId id="290" r:id="rId23"/>
+    <p:sldId id="279" r:id="rId24"/>
+    <p:sldId id="280" r:id="rId25"/>
+    <p:sldId id="285" r:id="rId26"/>
+    <p:sldId id="268" r:id="rId27"/>
+    <p:sldId id="269" r:id="rId28"/>
+    <p:sldId id="271" r:id="rId29"/>
+    <p:sldId id="282" r:id="rId30"/>
+    <p:sldId id="283" r:id="rId31"/>
+    <p:sldId id="286" r:id="rId32"/>
+    <p:sldId id="288" r:id="rId33"/>
+    <p:sldId id="291" r:id="rId34"/>
   </p:sldIdLst>
   <p:sldSz cx="12192000" cy="6858000"/>
   <p:notesSz cx="6858000" cy="9144000"/>
@@ -311,7 +313,7 @@
           <a:p>
             <a:fld id="{6AD6EE87-EBD5-4F12-A48A-63ACA297AC8F}" type="datetimeFigureOut">
               <a:rPr lang="en-US" smtClean="0"/>
-              <a:t>4/2/2019</a:t>
+              <a:t>4/3/2019</a:t>
             </a:fld>
             <a:endParaRPr lang="en-US" dirty="0"/>
           </a:p>
@@ -641,7 +643,7 @@
           <a:p>
             <a:fld id="{4CD73815-2707-4475-8F1A-B873CB631BB4}" type="datetimeFigureOut">
               <a:rPr lang="en-US" smtClean="0"/>
-              <a:t>4/2/2019</a:t>
+              <a:t>4/3/2019</a:t>
             </a:fld>
             <a:endParaRPr lang="en-US" dirty="0"/>
           </a:p>
@@ -821,7 +823,7 @@
           <a:p>
             <a:fld id="{2A4AFB99-0EAB-4182-AFF8-E214C82A68F6}" type="datetimeFigureOut">
               <a:rPr lang="en-US" smtClean="0"/>
-              <a:t>4/2/2019</a:t>
+              <a:t>4/3/2019</a:t>
             </a:fld>
             <a:endParaRPr lang="en-US" dirty="0"/>
           </a:p>
@@ -991,7 +993,7 @@
           <a:p>
             <a:fld id="{A5D3794B-289A-4A80-97D7-111025398D45}" type="datetimeFigureOut">
               <a:rPr lang="en-US" smtClean="0"/>
-              <a:t>4/2/2019</a:t>
+              <a:t>4/3/2019</a:t>
             </a:fld>
             <a:endParaRPr lang="en-US" dirty="0"/>
           </a:p>
@@ -1268,7 +1270,7 @@
           <a:p>
             <a:fld id="{5A61015F-7CC6-4D0A-9D87-873EA4C304CC}" type="datetimeFigureOut">
               <a:rPr lang="en-US" smtClean="0"/>
-              <a:t>4/2/2019</a:t>
+              <a:t>4/3/2019</a:t>
             </a:fld>
             <a:endParaRPr lang="en-US" dirty="0"/>
           </a:p>
@@ -1662,7 +1664,7 @@
           <a:p>
             <a:fld id="{93C6A301-0538-44EC-B09D-202E1042A48B}" type="datetimeFigureOut">
               <a:rPr lang="en-US" smtClean="0"/>
-              <a:t>4/2/2019</a:t>
+              <a:t>4/3/2019</a:t>
             </a:fld>
             <a:endParaRPr lang="en-US" dirty="0"/>
           </a:p>
@@ -2139,7 +2141,7 @@
           <a:p>
             <a:fld id="{D789574A-8875-45EF-8EA2-3CAA0F7ABC4C}" type="datetimeFigureOut">
               <a:rPr lang="en-US" smtClean="0"/>
-              <a:t>4/2/2019</a:t>
+              <a:t>4/3/2019</a:t>
             </a:fld>
             <a:endParaRPr lang="en-US" dirty="0"/>
           </a:p>
@@ -2257,7 +2259,7 @@
           <a:p>
             <a:fld id="{67EF4D4C-5367-4C26-9E2B-D8088D7FCA81}" type="datetimeFigureOut">
               <a:rPr lang="en-US" smtClean="0"/>
-              <a:t>4/2/2019</a:t>
+              <a:t>4/3/2019</a:t>
             </a:fld>
             <a:endParaRPr lang="en-US" dirty="0"/>
           </a:p>
@@ -2352,7 +2354,7 @@
           <a:p>
             <a:fld id="{56E91E96-98B0-4413-9547-46F3504108EF}" type="datetimeFigureOut">
               <a:rPr lang="en-US" smtClean="0"/>
-              <a:t>4/2/2019</a:t>
+              <a:t>4/3/2019</a:t>
             </a:fld>
             <a:endParaRPr lang="en-US" dirty="0"/>
           </a:p>
@@ -2698,7 +2700,7 @@
           <a:p>
             <a:fld id="{05C68B11-C5A8-448C-8CE9-B1A273C79CFC}" type="datetimeFigureOut">
               <a:rPr lang="en-US" smtClean="0"/>
-              <a:t>4/2/2019</a:t>
+              <a:t>4/3/2019</a:t>
             </a:fld>
             <a:endParaRPr lang="en-US" dirty="0"/>
           </a:p>
@@ -3086,7 +3088,7 @@
           <a:p>
             <a:fld id="{C7616CA0-919D-4A49-9C8A-62FDFB3A5183}" type="datetimeFigureOut">
               <a:rPr lang="en-US" smtClean="0"/>
-              <a:t>4/2/2019</a:t>
+              <a:t>4/3/2019</a:t>
             </a:fld>
             <a:endParaRPr lang="en-US" dirty="0"/>
           </a:p>
@@ -3365,7 +3367,7 @@
             <a:fld id="{90298CD5-6C1E-4009-B41F-6DF62E31D3BE}" type="datetimeFigureOut">
               <a:rPr lang="en-US" smtClean="0"/>
               <a:pPr/>
-              <a:t>4/2/2019</a:t>
+              <a:t>4/3/2019</a:t>
             </a:fld>
             <a:endParaRPr lang="en-US" dirty="0"/>
           </a:p>
@@ -3906,7 +3908,7 @@
           <a:p>
             <a:r>
               <a:rPr lang="en-US" sz="5400" dirty="0"/>
-              <a:t>Too many fast food Restaurants around you?</a:t>
+              <a:t>Too many fast food Restaurants around us?</a:t>
             </a:r>
           </a:p>
         </p:txBody>
@@ -3956,6 +3958,2143 @@
 </file>
 
 <file path=ppt/slides/slide10.xml><?xml version="1.0" encoding="utf-8"?>
+<p:sld xmlns:a="http://schemas.openxmlformats.org/drawingml/2006/main" xmlns:r="http://schemas.openxmlformats.org/officeDocument/2006/relationships" xmlns:p="http://schemas.openxmlformats.org/presentationml/2006/main">
+  <p:cSld>
+    <p:spTree>
+      <p:nvGrpSpPr>
+        <p:cNvPr id="1" name=""/>
+        <p:cNvGrpSpPr/>
+        <p:nvPr/>
+      </p:nvGrpSpPr>
+      <p:grpSpPr>
+        <a:xfrm>
+          <a:off x="0" y="0"/>
+          <a:ext cx="0" cy="0"/>
+          <a:chOff x="0" y="0"/>
+          <a:chExt cx="0" cy="0"/>
+        </a:xfrm>
+      </p:grpSpPr>
+      <p:sp>
+        <p:nvSpPr>
+          <p:cNvPr id="12" name="TextBox 11">
+            <a:extLst>
+              <a:ext uri="{FF2B5EF4-FFF2-40B4-BE49-F238E27FC236}">
+                <a16:creationId xmlns:a16="http://schemas.microsoft.com/office/drawing/2014/main" id="{12FF12D5-C8E7-41AA-ACB1-8AF04EC60C0B}"/>
+              </a:ext>
+            </a:extLst>
+          </p:cNvPr>
+          <p:cNvSpPr txBox="1"/>
+          <p:nvPr/>
+        </p:nvSpPr>
+        <p:spPr>
+          <a:xfrm>
+            <a:off x="1371597" y="927656"/>
+            <a:ext cx="10639427" cy="5355312"/>
+          </a:xfrm>
+          <a:prstGeom prst="rect">
+            <a:avLst/>
+          </a:prstGeom>
+          <a:noFill/>
+        </p:spPr>
+        <p:txBody>
+          <a:bodyPr wrap="square" rtlCol="0">
+            <a:spAutoFit/>
+          </a:bodyPr>
+          <a:lstStyle/>
+          <a:p>
+            <a:r>
+              <a:rPr lang="en-US" dirty="0"/>
+              <a:t>Diabetes Prevalence:</a:t>
+            </a:r>
+          </a:p>
+          <a:p>
+            <a:endParaRPr lang="en-US" dirty="0"/>
+          </a:p>
+          <a:p>
+            <a:endParaRPr lang="en-US" dirty="0"/>
+          </a:p>
+          <a:p>
+            <a:endParaRPr lang="en-US" dirty="0"/>
+          </a:p>
+          <a:p>
+            <a:endParaRPr lang="en-US" dirty="0"/>
+          </a:p>
+          <a:p>
+            <a:r>
+              <a:rPr lang="en-US" dirty="0"/>
+              <a:t>Obesity Prevalence:</a:t>
+            </a:r>
+          </a:p>
+          <a:p>
+            <a:endParaRPr lang="en-US" dirty="0"/>
+          </a:p>
+          <a:p>
+            <a:endParaRPr lang="en-US" dirty="0"/>
+          </a:p>
+          <a:p>
+            <a:endParaRPr lang="en-US" dirty="0"/>
+          </a:p>
+          <a:p>
+            <a:endParaRPr lang="en-US" dirty="0"/>
+          </a:p>
+          <a:p>
+            <a:r>
+              <a:rPr lang="en-US" dirty="0"/>
+              <a:t>Census County Population:</a:t>
+            </a:r>
+          </a:p>
+          <a:p>
+            <a:endParaRPr lang="en-US" dirty="0"/>
+          </a:p>
+          <a:p>
+            <a:endParaRPr lang="en-US" dirty="0"/>
+          </a:p>
+          <a:p>
+            <a:endParaRPr lang="en-US" dirty="0"/>
+          </a:p>
+          <a:p>
+            <a:endParaRPr lang="en-US" dirty="0"/>
+          </a:p>
+          <a:p>
+            <a:endParaRPr lang="en-US" dirty="0"/>
+          </a:p>
+          <a:p>
+            <a:r>
+              <a:rPr lang="en-US" dirty="0"/>
+              <a:t>City Location Data:</a:t>
+            </a:r>
+          </a:p>
+          <a:p>
+            <a:endParaRPr lang="en-US" dirty="0"/>
+          </a:p>
+          <a:p>
+            <a:endParaRPr lang="en-US" dirty="0"/>
+          </a:p>
+        </p:txBody>
+      </p:sp>
+      <p:sp>
+        <p:nvSpPr>
+          <p:cNvPr id="2" name="Title 1">
+            <a:extLst>
+              <a:ext uri="{FF2B5EF4-FFF2-40B4-BE49-F238E27FC236}">
+                <a16:creationId xmlns:a16="http://schemas.microsoft.com/office/drawing/2014/main" id="{A5BBC320-A836-4713-9101-516FBDF9E197}"/>
+              </a:ext>
+            </a:extLst>
+          </p:cNvPr>
+          <p:cNvSpPr>
+            <a:spLocks noGrp="1"/>
+          </p:cNvSpPr>
+          <p:nvPr>
+            <p:ph type="title"/>
+          </p:nvPr>
+        </p:nvSpPr>
+        <p:spPr>
+          <a:xfrm>
+            <a:off x="1371598" y="216338"/>
+            <a:ext cx="9601200" cy="743538"/>
+          </a:xfrm>
+        </p:spPr>
+        <p:txBody>
+          <a:bodyPr/>
+          <a:lstStyle/>
+          <a:p>
+            <a:r>
+              <a:rPr lang="en-US" dirty="0"/>
+              <a:t>Data:  (Year = 2013) </a:t>
+            </a:r>
+          </a:p>
+        </p:txBody>
+      </p:sp>
+      <p:pic>
+        <p:nvPicPr>
+          <p:cNvPr id="13" name="Picture 12">
+            <a:extLst>
+              <a:ext uri="{FF2B5EF4-FFF2-40B4-BE49-F238E27FC236}">
+                <a16:creationId xmlns:a16="http://schemas.microsoft.com/office/drawing/2014/main" id="{91ECE685-0235-4B6B-9BFA-5FEF614D02BD}"/>
+              </a:ext>
+            </a:extLst>
+          </p:cNvPr>
+          <p:cNvPicPr>
+            <a:picLocks noChangeAspect="1"/>
+          </p:cNvPicPr>
+          <p:nvPr/>
+        </p:nvPicPr>
+        <p:blipFill>
+          <a:blip r:embed="rId2"/>
+          <a:stretch>
+            <a:fillRect/>
+          </a:stretch>
+        </p:blipFill>
+        <p:spPr>
+          <a:xfrm>
+            <a:off x="1371598" y="4058963"/>
+            <a:ext cx="10488969" cy="1133817"/>
+          </a:xfrm>
+          <a:prstGeom prst="rect">
+            <a:avLst/>
+          </a:prstGeom>
+        </p:spPr>
+      </p:pic>
+      <p:pic>
+        <p:nvPicPr>
+          <p:cNvPr id="14" name="Picture 13">
+            <a:extLst>
+              <a:ext uri="{FF2B5EF4-FFF2-40B4-BE49-F238E27FC236}">
+                <a16:creationId xmlns:a16="http://schemas.microsoft.com/office/drawing/2014/main" id="{DA8B8B79-6B71-4B6B-9A61-8C21F89AE29E}"/>
+              </a:ext>
+            </a:extLst>
+          </p:cNvPr>
+          <p:cNvPicPr>
+            <a:picLocks noChangeAspect="1"/>
+          </p:cNvPicPr>
+          <p:nvPr/>
+        </p:nvPicPr>
+        <p:blipFill>
+          <a:blip r:embed="rId3"/>
+          <a:stretch>
+            <a:fillRect/>
+          </a:stretch>
+        </p:blipFill>
+        <p:spPr>
+          <a:xfrm>
+            <a:off x="1371598" y="1289147"/>
+            <a:ext cx="7887812" cy="900143"/>
+          </a:xfrm>
+          <a:prstGeom prst="rect">
+            <a:avLst/>
+          </a:prstGeom>
+        </p:spPr>
+      </p:pic>
+      <p:pic>
+        <p:nvPicPr>
+          <p:cNvPr id="15" name="Picture 14">
+            <a:extLst>
+              <a:ext uri="{FF2B5EF4-FFF2-40B4-BE49-F238E27FC236}">
+                <a16:creationId xmlns:a16="http://schemas.microsoft.com/office/drawing/2014/main" id="{BCD3A5FF-7736-4025-8231-FC186ABBE6DE}"/>
+              </a:ext>
+            </a:extLst>
+          </p:cNvPr>
+          <p:cNvPicPr>
+            <a:picLocks noChangeAspect="1"/>
+          </p:cNvPicPr>
+          <p:nvPr/>
+        </p:nvPicPr>
+        <p:blipFill>
+          <a:blip r:embed="rId4"/>
+          <a:stretch>
+            <a:fillRect/>
+          </a:stretch>
+        </p:blipFill>
+        <p:spPr>
+          <a:xfrm>
+            <a:off x="1371598" y="2684331"/>
+            <a:ext cx="7887812" cy="879592"/>
+          </a:xfrm>
+          <a:prstGeom prst="rect">
+            <a:avLst/>
+          </a:prstGeom>
+        </p:spPr>
+      </p:pic>
+      <p:pic>
+        <p:nvPicPr>
+          <p:cNvPr id="16" name="Picture 15">
+            <a:extLst>
+              <a:ext uri="{FF2B5EF4-FFF2-40B4-BE49-F238E27FC236}">
+                <a16:creationId xmlns:a16="http://schemas.microsoft.com/office/drawing/2014/main" id="{475E21F7-F4A8-42AF-B9A9-B51B066F4F31}"/>
+              </a:ext>
+            </a:extLst>
+          </p:cNvPr>
+          <p:cNvPicPr>
+            <a:picLocks noChangeAspect="1"/>
+          </p:cNvPicPr>
+          <p:nvPr/>
+        </p:nvPicPr>
+        <p:blipFill>
+          <a:blip r:embed="rId5"/>
+          <a:stretch>
+            <a:fillRect/>
+          </a:stretch>
+        </p:blipFill>
+        <p:spPr>
+          <a:xfrm>
+            <a:off x="1371598" y="5681522"/>
+            <a:ext cx="9547106" cy="1013708"/>
+          </a:xfrm>
+          <a:prstGeom prst="rect">
+            <a:avLst/>
+          </a:prstGeom>
+        </p:spPr>
+      </p:pic>
+      <p:sp>
+        <p:nvSpPr>
+          <p:cNvPr id="17" name="Rectangle 16">
+            <a:extLst>
+              <a:ext uri="{FF2B5EF4-FFF2-40B4-BE49-F238E27FC236}">
+                <a16:creationId xmlns:a16="http://schemas.microsoft.com/office/drawing/2014/main" id="{C88007D4-F474-40B9-B441-BE25B959C19B}"/>
+              </a:ext>
+            </a:extLst>
+          </p:cNvPr>
+          <p:cNvSpPr/>
+          <p:nvPr/>
+        </p:nvSpPr>
+        <p:spPr>
+          <a:xfrm>
+            <a:off x="2104008" y="1289147"/>
+            <a:ext cx="828582" cy="900143"/>
+          </a:xfrm>
+          <a:prstGeom prst="rect">
+            <a:avLst/>
+          </a:prstGeom>
+          <a:solidFill>
+            <a:schemeClr val="accent2">
+              <a:alpha val="30000"/>
+            </a:schemeClr>
+          </a:solidFill>
+        </p:spPr>
+        <p:style>
+          <a:lnRef idx="2">
+            <a:schemeClr val="accent2">
+              <a:shade val="50000"/>
+            </a:schemeClr>
+          </a:lnRef>
+          <a:fillRef idx="1">
+            <a:schemeClr val="accent2"/>
+          </a:fillRef>
+          <a:effectRef idx="0">
+            <a:schemeClr val="accent2"/>
+          </a:effectRef>
+          <a:fontRef idx="minor">
+            <a:schemeClr val="lt1"/>
+          </a:fontRef>
+        </p:style>
+        <p:txBody>
+          <a:bodyPr rtlCol="0" anchor="ctr"/>
+          <a:lstStyle/>
+          <a:p>
+            <a:pPr algn="ctr"/>
+            <a:endParaRPr lang="en-US"/>
+          </a:p>
+        </p:txBody>
+      </p:sp>
+      <p:sp>
+        <p:nvSpPr>
+          <p:cNvPr id="18" name="Rectangle 17">
+            <a:extLst>
+              <a:ext uri="{FF2B5EF4-FFF2-40B4-BE49-F238E27FC236}">
+                <a16:creationId xmlns:a16="http://schemas.microsoft.com/office/drawing/2014/main" id="{2756D0BE-409C-49F7-9750-A98D92666EC5}"/>
+              </a:ext>
+            </a:extLst>
+          </p:cNvPr>
+          <p:cNvSpPr/>
+          <p:nvPr/>
+        </p:nvSpPr>
+        <p:spPr>
+          <a:xfrm>
+            <a:off x="2104008" y="2663780"/>
+            <a:ext cx="828582" cy="900143"/>
+          </a:xfrm>
+          <a:prstGeom prst="rect">
+            <a:avLst/>
+          </a:prstGeom>
+          <a:solidFill>
+            <a:schemeClr val="accent2">
+              <a:alpha val="30000"/>
+            </a:schemeClr>
+          </a:solidFill>
+        </p:spPr>
+        <p:style>
+          <a:lnRef idx="2">
+            <a:schemeClr val="accent2">
+              <a:shade val="50000"/>
+            </a:schemeClr>
+          </a:lnRef>
+          <a:fillRef idx="1">
+            <a:schemeClr val="accent2"/>
+          </a:fillRef>
+          <a:effectRef idx="0">
+            <a:schemeClr val="accent2"/>
+          </a:effectRef>
+          <a:fontRef idx="minor">
+            <a:schemeClr val="lt1"/>
+          </a:fontRef>
+        </p:style>
+        <p:txBody>
+          <a:bodyPr rtlCol="0" anchor="ctr"/>
+          <a:lstStyle/>
+          <a:p>
+            <a:pPr algn="ctr"/>
+            <a:endParaRPr lang="en-US"/>
+          </a:p>
+        </p:txBody>
+      </p:sp>
+      <p:sp>
+        <p:nvSpPr>
+          <p:cNvPr id="19" name="Rectangle 18">
+            <a:extLst>
+              <a:ext uri="{FF2B5EF4-FFF2-40B4-BE49-F238E27FC236}">
+                <a16:creationId xmlns:a16="http://schemas.microsoft.com/office/drawing/2014/main" id="{5BFB4582-3324-444A-B331-630D7C9D1851}"/>
+              </a:ext>
+            </a:extLst>
+          </p:cNvPr>
+          <p:cNvSpPr/>
+          <p:nvPr/>
+        </p:nvSpPr>
+        <p:spPr>
+          <a:xfrm>
+            <a:off x="3342258" y="4086937"/>
+            <a:ext cx="1248792" cy="1105843"/>
+          </a:xfrm>
+          <a:prstGeom prst="rect">
+            <a:avLst/>
+          </a:prstGeom>
+          <a:solidFill>
+            <a:schemeClr val="accent2">
+              <a:alpha val="30000"/>
+            </a:schemeClr>
+          </a:solidFill>
+        </p:spPr>
+        <p:style>
+          <a:lnRef idx="2">
+            <a:schemeClr val="accent2">
+              <a:shade val="50000"/>
+            </a:schemeClr>
+          </a:lnRef>
+          <a:fillRef idx="1">
+            <a:schemeClr val="accent2"/>
+          </a:fillRef>
+          <a:effectRef idx="0">
+            <a:schemeClr val="accent2"/>
+          </a:effectRef>
+          <a:fontRef idx="minor">
+            <a:schemeClr val="lt1"/>
+          </a:fontRef>
+        </p:style>
+        <p:txBody>
+          <a:bodyPr rtlCol="0" anchor="ctr"/>
+          <a:lstStyle/>
+          <a:p>
+            <a:pPr algn="ctr"/>
+            <a:endParaRPr lang="en-US"/>
+          </a:p>
+        </p:txBody>
+      </p:sp>
+      <p:sp>
+        <p:nvSpPr>
+          <p:cNvPr id="20" name="Rectangle 19">
+            <a:extLst>
+              <a:ext uri="{FF2B5EF4-FFF2-40B4-BE49-F238E27FC236}">
+                <a16:creationId xmlns:a16="http://schemas.microsoft.com/office/drawing/2014/main" id="{5E06DACD-5F3F-4B8E-9568-36F26EF1AEDF}"/>
+              </a:ext>
+            </a:extLst>
+          </p:cNvPr>
+          <p:cNvSpPr/>
+          <p:nvPr/>
+        </p:nvSpPr>
+        <p:spPr>
+          <a:xfrm>
+            <a:off x="4933950" y="5681522"/>
+            <a:ext cx="1028700" cy="985755"/>
+          </a:xfrm>
+          <a:prstGeom prst="rect">
+            <a:avLst/>
+          </a:prstGeom>
+          <a:solidFill>
+            <a:schemeClr val="accent2">
+              <a:alpha val="30000"/>
+            </a:schemeClr>
+          </a:solidFill>
+        </p:spPr>
+        <p:style>
+          <a:lnRef idx="2">
+            <a:schemeClr val="accent2">
+              <a:shade val="50000"/>
+            </a:schemeClr>
+          </a:lnRef>
+          <a:fillRef idx="1">
+            <a:schemeClr val="accent2"/>
+          </a:fillRef>
+          <a:effectRef idx="0">
+            <a:schemeClr val="accent2"/>
+          </a:effectRef>
+          <a:fontRef idx="minor">
+            <a:schemeClr val="lt1"/>
+          </a:fontRef>
+        </p:style>
+        <p:txBody>
+          <a:bodyPr rtlCol="0" anchor="ctr"/>
+          <a:lstStyle/>
+          <a:p>
+            <a:pPr algn="ctr"/>
+            <a:endParaRPr lang="en-US"/>
+          </a:p>
+        </p:txBody>
+      </p:sp>
+    </p:spTree>
+    <p:extLst>
+      <p:ext uri="{BB962C8B-B14F-4D97-AF65-F5344CB8AC3E}">
+        <p14:creationId xmlns:p14="http://schemas.microsoft.com/office/powerpoint/2010/main" val="2802458639"/>
+      </p:ext>
+    </p:extLst>
+  </p:cSld>
+  <p:clrMapOvr>
+    <a:masterClrMapping/>
+  </p:clrMapOvr>
+  <p:timing>
+    <p:tnLst>
+      <p:par>
+        <p:cTn id="1" dur="indefinite" restart="never" nodeType="tmRoot">
+          <p:childTnLst>
+            <p:seq concurrent="1" nextAc="seek">
+              <p:cTn id="2" dur="indefinite" nodeType="mainSeq">
+                <p:childTnLst>
+                  <p:par>
+                    <p:cTn id="3" fill="hold">
+                      <p:stCondLst>
+                        <p:cond delay="indefinite"/>
+                      </p:stCondLst>
+                      <p:childTnLst>
+                        <p:par>
+                          <p:cTn id="4" fill="hold">
+                            <p:stCondLst>
+                              <p:cond delay="0"/>
+                            </p:stCondLst>
+                            <p:childTnLst>
+                              <p:par>
+                                <p:cTn id="5" presetID="42" presetClass="entr" presetSubtype="0" fill="hold" grpId="0" nodeType="clickEffect">
+                                  <p:stCondLst>
+                                    <p:cond delay="0"/>
+                                  </p:stCondLst>
+                                  <p:childTnLst>
+                                    <p:set>
+                                      <p:cBhvr>
+                                        <p:cTn id="6" dur="1" fill="hold">
+                                          <p:stCondLst>
+                                            <p:cond delay="0"/>
+                                          </p:stCondLst>
+                                        </p:cTn>
+                                        <p:tgtEl>
+                                          <p:spTgt spid="17"/>
+                                        </p:tgtEl>
+                                        <p:attrNameLst>
+                                          <p:attrName>style.visibility</p:attrName>
+                                        </p:attrNameLst>
+                                      </p:cBhvr>
+                                      <p:to>
+                                        <p:strVal val="visible"/>
+                                      </p:to>
+                                    </p:set>
+                                    <p:animEffect transition="in" filter="fade">
+                                      <p:cBhvr>
+                                        <p:cTn id="7" dur="1000"/>
+                                        <p:tgtEl>
+                                          <p:spTgt spid="17"/>
+                                        </p:tgtEl>
+                                      </p:cBhvr>
+                                    </p:animEffect>
+                                    <p:anim calcmode="lin" valueType="num">
+                                      <p:cBhvr>
+                                        <p:cTn id="8" dur="1000" fill="hold"/>
+                                        <p:tgtEl>
+                                          <p:spTgt spid="17"/>
+                                        </p:tgtEl>
+                                        <p:attrNameLst>
+                                          <p:attrName>ppt_x</p:attrName>
+                                        </p:attrNameLst>
+                                      </p:cBhvr>
+                                      <p:tavLst>
+                                        <p:tav tm="0">
+                                          <p:val>
+                                            <p:strVal val="#ppt_x"/>
+                                          </p:val>
+                                        </p:tav>
+                                        <p:tav tm="100000">
+                                          <p:val>
+                                            <p:strVal val="#ppt_x"/>
+                                          </p:val>
+                                        </p:tav>
+                                      </p:tavLst>
+                                    </p:anim>
+                                    <p:anim calcmode="lin" valueType="num">
+                                      <p:cBhvr>
+                                        <p:cTn id="9" dur="1000" fill="hold"/>
+                                        <p:tgtEl>
+                                          <p:spTgt spid="17"/>
+                                        </p:tgtEl>
+                                        <p:attrNameLst>
+                                          <p:attrName>ppt_y</p:attrName>
+                                        </p:attrNameLst>
+                                      </p:cBhvr>
+                                      <p:tavLst>
+                                        <p:tav tm="0">
+                                          <p:val>
+                                            <p:strVal val="#ppt_y+.1"/>
+                                          </p:val>
+                                        </p:tav>
+                                        <p:tav tm="100000">
+                                          <p:val>
+                                            <p:strVal val="#ppt_y"/>
+                                          </p:val>
+                                        </p:tav>
+                                      </p:tavLst>
+                                    </p:anim>
+                                  </p:childTnLst>
+                                </p:cTn>
+                              </p:par>
+                              <p:par>
+                                <p:cTn id="10" presetID="42" presetClass="entr" presetSubtype="0" fill="hold" grpId="0" nodeType="withEffect">
+                                  <p:stCondLst>
+                                    <p:cond delay="0"/>
+                                  </p:stCondLst>
+                                  <p:childTnLst>
+                                    <p:set>
+                                      <p:cBhvr>
+                                        <p:cTn id="11" dur="1" fill="hold">
+                                          <p:stCondLst>
+                                            <p:cond delay="0"/>
+                                          </p:stCondLst>
+                                        </p:cTn>
+                                        <p:tgtEl>
+                                          <p:spTgt spid="18"/>
+                                        </p:tgtEl>
+                                        <p:attrNameLst>
+                                          <p:attrName>style.visibility</p:attrName>
+                                        </p:attrNameLst>
+                                      </p:cBhvr>
+                                      <p:to>
+                                        <p:strVal val="visible"/>
+                                      </p:to>
+                                    </p:set>
+                                    <p:animEffect transition="in" filter="fade">
+                                      <p:cBhvr>
+                                        <p:cTn id="12" dur="1000"/>
+                                        <p:tgtEl>
+                                          <p:spTgt spid="18"/>
+                                        </p:tgtEl>
+                                      </p:cBhvr>
+                                    </p:animEffect>
+                                    <p:anim calcmode="lin" valueType="num">
+                                      <p:cBhvr>
+                                        <p:cTn id="13" dur="1000" fill="hold"/>
+                                        <p:tgtEl>
+                                          <p:spTgt spid="18"/>
+                                        </p:tgtEl>
+                                        <p:attrNameLst>
+                                          <p:attrName>ppt_x</p:attrName>
+                                        </p:attrNameLst>
+                                      </p:cBhvr>
+                                      <p:tavLst>
+                                        <p:tav tm="0">
+                                          <p:val>
+                                            <p:strVal val="#ppt_x"/>
+                                          </p:val>
+                                        </p:tav>
+                                        <p:tav tm="100000">
+                                          <p:val>
+                                            <p:strVal val="#ppt_x"/>
+                                          </p:val>
+                                        </p:tav>
+                                      </p:tavLst>
+                                    </p:anim>
+                                    <p:anim calcmode="lin" valueType="num">
+                                      <p:cBhvr>
+                                        <p:cTn id="14" dur="1000" fill="hold"/>
+                                        <p:tgtEl>
+                                          <p:spTgt spid="18"/>
+                                        </p:tgtEl>
+                                        <p:attrNameLst>
+                                          <p:attrName>ppt_y</p:attrName>
+                                        </p:attrNameLst>
+                                      </p:cBhvr>
+                                      <p:tavLst>
+                                        <p:tav tm="0">
+                                          <p:val>
+                                            <p:strVal val="#ppt_y+.1"/>
+                                          </p:val>
+                                        </p:tav>
+                                        <p:tav tm="100000">
+                                          <p:val>
+                                            <p:strVal val="#ppt_y"/>
+                                          </p:val>
+                                        </p:tav>
+                                      </p:tavLst>
+                                    </p:anim>
+                                  </p:childTnLst>
+                                </p:cTn>
+                              </p:par>
+                              <p:par>
+                                <p:cTn id="15" presetID="42" presetClass="entr" presetSubtype="0" fill="hold" grpId="0" nodeType="withEffect">
+                                  <p:stCondLst>
+                                    <p:cond delay="0"/>
+                                  </p:stCondLst>
+                                  <p:childTnLst>
+                                    <p:set>
+                                      <p:cBhvr>
+                                        <p:cTn id="16" dur="1" fill="hold">
+                                          <p:stCondLst>
+                                            <p:cond delay="0"/>
+                                          </p:stCondLst>
+                                        </p:cTn>
+                                        <p:tgtEl>
+                                          <p:spTgt spid="19"/>
+                                        </p:tgtEl>
+                                        <p:attrNameLst>
+                                          <p:attrName>style.visibility</p:attrName>
+                                        </p:attrNameLst>
+                                      </p:cBhvr>
+                                      <p:to>
+                                        <p:strVal val="visible"/>
+                                      </p:to>
+                                    </p:set>
+                                    <p:animEffect transition="in" filter="fade">
+                                      <p:cBhvr>
+                                        <p:cTn id="17" dur="1000"/>
+                                        <p:tgtEl>
+                                          <p:spTgt spid="19"/>
+                                        </p:tgtEl>
+                                      </p:cBhvr>
+                                    </p:animEffect>
+                                    <p:anim calcmode="lin" valueType="num">
+                                      <p:cBhvr>
+                                        <p:cTn id="18" dur="1000" fill="hold"/>
+                                        <p:tgtEl>
+                                          <p:spTgt spid="19"/>
+                                        </p:tgtEl>
+                                        <p:attrNameLst>
+                                          <p:attrName>ppt_x</p:attrName>
+                                        </p:attrNameLst>
+                                      </p:cBhvr>
+                                      <p:tavLst>
+                                        <p:tav tm="0">
+                                          <p:val>
+                                            <p:strVal val="#ppt_x"/>
+                                          </p:val>
+                                        </p:tav>
+                                        <p:tav tm="100000">
+                                          <p:val>
+                                            <p:strVal val="#ppt_x"/>
+                                          </p:val>
+                                        </p:tav>
+                                      </p:tavLst>
+                                    </p:anim>
+                                    <p:anim calcmode="lin" valueType="num">
+                                      <p:cBhvr>
+                                        <p:cTn id="19" dur="1000" fill="hold"/>
+                                        <p:tgtEl>
+                                          <p:spTgt spid="19"/>
+                                        </p:tgtEl>
+                                        <p:attrNameLst>
+                                          <p:attrName>ppt_y</p:attrName>
+                                        </p:attrNameLst>
+                                      </p:cBhvr>
+                                      <p:tavLst>
+                                        <p:tav tm="0">
+                                          <p:val>
+                                            <p:strVal val="#ppt_y+.1"/>
+                                          </p:val>
+                                        </p:tav>
+                                        <p:tav tm="100000">
+                                          <p:val>
+                                            <p:strVal val="#ppt_y"/>
+                                          </p:val>
+                                        </p:tav>
+                                      </p:tavLst>
+                                    </p:anim>
+                                  </p:childTnLst>
+                                </p:cTn>
+                              </p:par>
+                              <p:par>
+                                <p:cTn id="20" presetID="42" presetClass="entr" presetSubtype="0" fill="hold" grpId="0" nodeType="withEffect">
+                                  <p:stCondLst>
+                                    <p:cond delay="0"/>
+                                  </p:stCondLst>
+                                  <p:childTnLst>
+                                    <p:set>
+                                      <p:cBhvr>
+                                        <p:cTn id="21" dur="1" fill="hold">
+                                          <p:stCondLst>
+                                            <p:cond delay="0"/>
+                                          </p:stCondLst>
+                                        </p:cTn>
+                                        <p:tgtEl>
+                                          <p:spTgt spid="20"/>
+                                        </p:tgtEl>
+                                        <p:attrNameLst>
+                                          <p:attrName>style.visibility</p:attrName>
+                                        </p:attrNameLst>
+                                      </p:cBhvr>
+                                      <p:to>
+                                        <p:strVal val="visible"/>
+                                      </p:to>
+                                    </p:set>
+                                    <p:animEffect transition="in" filter="fade">
+                                      <p:cBhvr>
+                                        <p:cTn id="22" dur="1000"/>
+                                        <p:tgtEl>
+                                          <p:spTgt spid="20"/>
+                                        </p:tgtEl>
+                                      </p:cBhvr>
+                                    </p:animEffect>
+                                    <p:anim calcmode="lin" valueType="num">
+                                      <p:cBhvr>
+                                        <p:cTn id="23" dur="1000" fill="hold"/>
+                                        <p:tgtEl>
+                                          <p:spTgt spid="20"/>
+                                        </p:tgtEl>
+                                        <p:attrNameLst>
+                                          <p:attrName>ppt_x</p:attrName>
+                                        </p:attrNameLst>
+                                      </p:cBhvr>
+                                      <p:tavLst>
+                                        <p:tav tm="0">
+                                          <p:val>
+                                            <p:strVal val="#ppt_x"/>
+                                          </p:val>
+                                        </p:tav>
+                                        <p:tav tm="100000">
+                                          <p:val>
+                                            <p:strVal val="#ppt_x"/>
+                                          </p:val>
+                                        </p:tav>
+                                      </p:tavLst>
+                                    </p:anim>
+                                    <p:anim calcmode="lin" valueType="num">
+                                      <p:cBhvr>
+                                        <p:cTn id="24" dur="1000" fill="hold"/>
+                                        <p:tgtEl>
+                                          <p:spTgt spid="20"/>
+                                        </p:tgtEl>
+                                        <p:attrNameLst>
+                                          <p:attrName>ppt_y</p:attrName>
+                                        </p:attrNameLst>
+                                      </p:cBhvr>
+                                      <p:tavLst>
+                                        <p:tav tm="0">
+                                          <p:val>
+                                            <p:strVal val="#ppt_y+.1"/>
+                                          </p:val>
+                                        </p:tav>
+                                        <p:tav tm="100000">
+                                          <p:val>
+                                            <p:strVal val="#ppt_y"/>
+                                          </p:val>
+                                        </p:tav>
+                                      </p:tavLst>
+                                    </p:anim>
+                                  </p:childTnLst>
+                                </p:cTn>
+                              </p:par>
+                            </p:childTnLst>
+                          </p:cTn>
+                        </p:par>
+                      </p:childTnLst>
+                    </p:cTn>
+                  </p:par>
+                </p:childTnLst>
+              </p:cTn>
+              <p:prevCondLst>
+                <p:cond evt="onPrev" delay="0">
+                  <p:tgtEl>
+                    <p:sldTgt/>
+                  </p:tgtEl>
+                </p:cond>
+              </p:prevCondLst>
+              <p:nextCondLst>
+                <p:cond evt="onNext" delay="0">
+                  <p:tgtEl>
+                    <p:sldTgt/>
+                  </p:tgtEl>
+                </p:cond>
+              </p:nextCondLst>
+            </p:seq>
+          </p:childTnLst>
+        </p:cTn>
+      </p:par>
+    </p:tnLst>
+    <p:bldLst>
+      <p:bldP spid="17" grpId="0" animBg="1"/>
+      <p:bldP spid="18" grpId="0" animBg="1"/>
+      <p:bldP spid="19" grpId="0" animBg="1"/>
+      <p:bldP spid="20" grpId="0" animBg="1"/>
+    </p:bldLst>
+  </p:timing>
+</p:sld>
+</file>
+
+<file path=ppt/slides/slide11.xml><?xml version="1.0" encoding="utf-8"?>
+<p:sld xmlns:a="http://schemas.openxmlformats.org/drawingml/2006/main" xmlns:r="http://schemas.openxmlformats.org/officeDocument/2006/relationships" xmlns:p="http://schemas.openxmlformats.org/presentationml/2006/main">
+  <p:cSld>
+    <p:spTree>
+      <p:nvGrpSpPr>
+        <p:cNvPr id="1" name=""/>
+        <p:cNvGrpSpPr/>
+        <p:nvPr/>
+      </p:nvGrpSpPr>
+      <p:grpSpPr>
+        <a:xfrm>
+          <a:off x="0" y="0"/>
+          <a:ext cx="0" cy="0"/>
+          <a:chOff x="0" y="0"/>
+          <a:chExt cx="0" cy="0"/>
+        </a:xfrm>
+      </p:grpSpPr>
+      <p:sp>
+        <p:nvSpPr>
+          <p:cNvPr id="2" name="Title 1">
+            <a:extLst>
+              <a:ext uri="{FF2B5EF4-FFF2-40B4-BE49-F238E27FC236}">
+                <a16:creationId xmlns:a16="http://schemas.microsoft.com/office/drawing/2014/main" id="{989A08A7-D626-4AD3-96C6-A53C0231A6F9}"/>
+              </a:ext>
+            </a:extLst>
+          </p:cNvPr>
+          <p:cNvSpPr>
+            <a:spLocks noGrp="1"/>
+          </p:cNvSpPr>
+          <p:nvPr>
+            <p:ph type="title"/>
+          </p:nvPr>
+        </p:nvSpPr>
+        <p:spPr>
+          <a:xfrm>
+            <a:off x="1371600" y="401714"/>
+            <a:ext cx="9601200" cy="876670"/>
+          </a:xfrm>
+        </p:spPr>
+        <p:txBody>
+          <a:bodyPr/>
+          <a:lstStyle/>
+          <a:p>
+            <a:r>
+              <a:rPr lang="en-US" dirty="0"/>
+              <a:t>Data Issues:</a:t>
+            </a:r>
+          </a:p>
+        </p:txBody>
+      </p:sp>
+      <p:sp>
+        <p:nvSpPr>
+          <p:cNvPr id="4" name="TextBox 3">
+            <a:extLst>
+              <a:ext uri="{FF2B5EF4-FFF2-40B4-BE49-F238E27FC236}">
+                <a16:creationId xmlns:a16="http://schemas.microsoft.com/office/drawing/2014/main" id="{BF51663C-56BE-448D-ADEC-56B02E9C2B4C}"/>
+              </a:ext>
+            </a:extLst>
+          </p:cNvPr>
+          <p:cNvSpPr txBox="1"/>
+          <p:nvPr/>
+        </p:nvSpPr>
+        <p:spPr>
+          <a:xfrm>
+            <a:off x="1371600" y="1278384"/>
+            <a:ext cx="10451432" cy="5262979"/>
+          </a:xfrm>
+          <a:prstGeom prst="rect">
+            <a:avLst/>
+          </a:prstGeom>
+          <a:noFill/>
+        </p:spPr>
+        <p:txBody>
+          <a:bodyPr wrap="square" rtlCol="0">
+            <a:spAutoFit/>
+          </a:bodyPr>
+          <a:lstStyle/>
+          <a:p>
+            <a:pPr marL="342900" indent="-342900">
+              <a:buAutoNum type="arabicPeriod"/>
+            </a:pPr>
+            <a:r>
+              <a:rPr lang="en-US" sz="2800" dirty="0"/>
+              <a:t>Duplicated county names in the data. </a:t>
+            </a:r>
+          </a:p>
+          <a:p>
+            <a:r>
+              <a:rPr lang="en-US" sz="2800" dirty="0"/>
+              <a:t>Solution: merge data sets by FIPS codes (unique)</a:t>
+            </a:r>
+          </a:p>
+          <a:p>
+            <a:endParaRPr lang="en-US" sz="2800" dirty="0"/>
+          </a:p>
+          <a:p>
+            <a:endParaRPr lang="en-US" sz="2800" dirty="0"/>
+          </a:p>
+          <a:p>
+            <a:endParaRPr lang="en-US" sz="2800" dirty="0"/>
+          </a:p>
+          <a:p>
+            <a:r>
+              <a:rPr lang="en-US" sz="2800" dirty="0"/>
+              <a:t>2. Some of the counties do not have the obesity or diabetes data. Solution: those counties need to be dropped (total 85 counties)</a:t>
+            </a:r>
+          </a:p>
+          <a:p>
+            <a:endParaRPr lang="en-US" sz="2800" dirty="0"/>
+          </a:p>
+          <a:p>
+            <a:endParaRPr lang="en-US" sz="2800" dirty="0"/>
+          </a:p>
+          <a:p>
+            <a:endParaRPr lang="en-US" sz="2800" dirty="0"/>
+          </a:p>
+          <a:p>
+            <a:r>
+              <a:rPr lang="en-US" sz="2800" dirty="0"/>
+              <a:t>3. The FIPS codes is not defined as integer. </a:t>
+            </a:r>
+          </a:p>
+          <a:p>
+            <a:r>
+              <a:rPr lang="en-US" sz="2800" dirty="0"/>
+              <a:t>Solution: needs to convert all FIPS codes to integer before merging</a:t>
+            </a:r>
+          </a:p>
+        </p:txBody>
+      </p:sp>
+      <p:pic>
+        <p:nvPicPr>
+          <p:cNvPr id="3" name="Picture 2">
+            <a:extLst>
+              <a:ext uri="{FF2B5EF4-FFF2-40B4-BE49-F238E27FC236}">
+                <a16:creationId xmlns:a16="http://schemas.microsoft.com/office/drawing/2014/main" id="{1CDE487A-D2B2-4541-BF73-607394500C19}"/>
+              </a:ext>
+            </a:extLst>
+          </p:cNvPr>
+          <p:cNvPicPr>
+            <a:picLocks noChangeAspect="1"/>
+          </p:cNvPicPr>
+          <p:nvPr/>
+        </p:nvPicPr>
+        <p:blipFill>
+          <a:blip r:embed="rId2"/>
+          <a:stretch>
+            <a:fillRect/>
+          </a:stretch>
+        </p:blipFill>
+        <p:spPr>
+          <a:xfrm>
+            <a:off x="1371600" y="2243190"/>
+            <a:ext cx="4185821" cy="1111122"/>
+          </a:xfrm>
+          <a:prstGeom prst="rect">
+            <a:avLst/>
+          </a:prstGeom>
+        </p:spPr>
+      </p:pic>
+      <p:pic>
+        <p:nvPicPr>
+          <p:cNvPr id="6" name="Picture 5">
+            <a:extLst>
+              <a:ext uri="{FF2B5EF4-FFF2-40B4-BE49-F238E27FC236}">
+                <a16:creationId xmlns:a16="http://schemas.microsoft.com/office/drawing/2014/main" id="{218A0EE4-4ECE-477C-805E-75A3FBF1C8CE}"/>
+              </a:ext>
+            </a:extLst>
+          </p:cNvPr>
+          <p:cNvPicPr>
+            <a:picLocks noChangeAspect="1"/>
+          </p:cNvPicPr>
+          <p:nvPr/>
+        </p:nvPicPr>
+        <p:blipFill>
+          <a:blip r:embed="rId3"/>
+          <a:stretch>
+            <a:fillRect/>
+          </a:stretch>
+        </p:blipFill>
+        <p:spPr>
+          <a:xfrm>
+            <a:off x="1371600" y="4370937"/>
+            <a:ext cx="7711920" cy="1111122"/>
+          </a:xfrm>
+          <a:prstGeom prst="rect">
+            <a:avLst/>
+          </a:prstGeom>
+        </p:spPr>
+      </p:pic>
+      <p:sp>
+        <p:nvSpPr>
+          <p:cNvPr id="7" name="Rectangle 6">
+            <a:extLst>
+              <a:ext uri="{FF2B5EF4-FFF2-40B4-BE49-F238E27FC236}">
+                <a16:creationId xmlns:a16="http://schemas.microsoft.com/office/drawing/2014/main" id="{D2FCC6EB-32DB-485F-AFE2-7835B655B535}"/>
+              </a:ext>
+            </a:extLst>
+          </p:cNvPr>
+          <p:cNvSpPr/>
+          <p:nvPr/>
+        </p:nvSpPr>
+        <p:spPr>
+          <a:xfrm>
+            <a:off x="4150125" y="2487063"/>
+            <a:ext cx="1407295" cy="941937"/>
+          </a:xfrm>
+          <a:prstGeom prst="rect">
+            <a:avLst/>
+          </a:prstGeom>
+          <a:solidFill>
+            <a:schemeClr val="accent2">
+              <a:alpha val="30000"/>
+            </a:schemeClr>
+          </a:solidFill>
+        </p:spPr>
+        <p:style>
+          <a:lnRef idx="2">
+            <a:schemeClr val="accent2">
+              <a:shade val="50000"/>
+            </a:schemeClr>
+          </a:lnRef>
+          <a:fillRef idx="1">
+            <a:schemeClr val="accent2"/>
+          </a:fillRef>
+          <a:effectRef idx="0">
+            <a:schemeClr val="accent2"/>
+          </a:effectRef>
+          <a:fontRef idx="minor">
+            <a:schemeClr val="lt1"/>
+          </a:fontRef>
+        </p:style>
+        <p:txBody>
+          <a:bodyPr rtlCol="0" anchor="ctr"/>
+          <a:lstStyle/>
+          <a:p>
+            <a:pPr algn="ctr"/>
+            <a:endParaRPr lang="en-US"/>
+          </a:p>
+        </p:txBody>
+      </p:sp>
+      <p:sp>
+        <p:nvSpPr>
+          <p:cNvPr id="8" name="Rectangle 7">
+            <a:extLst>
+              <a:ext uri="{FF2B5EF4-FFF2-40B4-BE49-F238E27FC236}">
+                <a16:creationId xmlns:a16="http://schemas.microsoft.com/office/drawing/2014/main" id="{CCD71F28-CFDB-4114-A986-2750F9588E3B}"/>
+              </a:ext>
+            </a:extLst>
+          </p:cNvPr>
+          <p:cNvSpPr/>
+          <p:nvPr/>
+        </p:nvSpPr>
+        <p:spPr>
+          <a:xfrm>
+            <a:off x="7223279" y="4637680"/>
+            <a:ext cx="1860241" cy="844380"/>
+          </a:xfrm>
+          <a:prstGeom prst="rect">
+            <a:avLst/>
+          </a:prstGeom>
+          <a:solidFill>
+            <a:schemeClr val="accent2">
+              <a:alpha val="30000"/>
+            </a:schemeClr>
+          </a:solidFill>
+        </p:spPr>
+        <p:style>
+          <a:lnRef idx="2">
+            <a:schemeClr val="accent2">
+              <a:shade val="50000"/>
+            </a:schemeClr>
+          </a:lnRef>
+          <a:fillRef idx="1">
+            <a:schemeClr val="accent2"/>
+          </a:fillRef>
+          <a:effectRef idx="0">
+            <a:schemeClr val="accent2"/>
+          </a:effectRef>
+          <a:fontRef idx="minor">
+            <a:schemeClr val="lt1"/>
+          </a:fontRef>
+        </p:style>
+        <p:txBody>
+          <a:bodyPr rtlCol="0" anchor="ctr"/>
+          <a:lstStyle/>
+          <a:p>
+            <a:pPr algn="ctr"/>
+            <a:endParaRPr lang="en-US"/>
+          </a:p>
+        </p:txBody>
+      </p:sp>
+    </p:spTree>
+    <p:extLst>
+      <p:ext uri="{BB962C8B-B14F-4D97-AF65-F5344CB8AC3E}">
+        <p14:creationId xmlns:p14="http://schemas.microsoft.com/office/powerpoint/2010/main" val="2232436208"/>
+      </p:ext>
+    </p:extLst>
+  </p:cSld>
+  <p:clrMapOvr>
+    <a:masterClrMapping/>
+  </p:clrMapOvr>
+  <p:timing>
+    <p:tnLst>
+      <p:par>
+        <p:cTn id="1" dur="indefinite" restart="never" nodeType="tmRoot">
+          <p:childTnLst>
+            <p:seq concurrent="1" nextAc="seek">
+              <p:cTn id="2" dur="indefinite" nodeType="mainSeq">
+                <p:childTnLst>
+                  <p:par>
+                    <p:cTn id="3" fill="hold">
+                      <p:stCondLst>
+                        <p:cond delay="indefinite"/>
+                      </p:stCondLst>
+                      <p:childTnLst>
+                        <p:par>
+                          <p:cTn id="4" fill="hold">
+                            <p:stCondLst>
+                              <p:cond delay="0"/>
+                            </p:stCondLst>
+                            <p:childTnLst>
+                              <p:par>
+                                <p:cTn id="5" presetID="42" presetClass="entr" presetSubtype="0" fill="hold" nodeType="clickEffect">
+                                  <p:stCondLst>
+                                    <p:cond delay="0"/>
+                                  </p:stCondLst>
+                                  <p:childTnLst>
+                                    <p:set>
+                                      <p:cBhvr>
+                                        <p:cTn id="6" dur="1" fill="hold">
+                                          <p:stCondLst>
+                                            <p:cond delay="0"/>
+                                          </p:stCondLst>
+                                        </p:cTn>
+                                        <p:tgtEl>
+                                          <p:spTgt spid="4">
+                                            <p:txEl>
+                                              <p:pRg st="0" end="0"/>
+                                            </p:txEl>
+                                          </p:spTgt>
+                                        </p:tgtEl>
+                                        <p:attrNameLst>
+                                          <p:attrName>style.visibility</p:attrName>
+                                        </p:attrNameLst>
+                                      </p:cBhvr>
+                                      <p:to>
+                                        <p:strVal val="visible"/>
+                                      </p:to>
+                                    </p:set>
+                                    <p:animEffect transition="in" filter="fade">
+                                      <p:cBhvr>
+                                        <p:cTn id="7" dur="1000"/>
+                                        <p:tgtEl>
+                                          <p:spTgt spid="4">
+                                            <p:txEl>
+                                              <p:pRg st="0" end="0"/>
+                                            </p:txEl>
+                                          </p:spTgt>
+                                        </p:tgtEl>
+                                      </p:cBhvr>
+                                    </p:animEffect>
+                                    <p:anim calcmode="lin" valueType="num">
+                                      <p:cBhvr>
+                                        <p:cTn id="8" dur="1000" fill="hold"/>
+                                        <p:tgtEl>
+                                          <p:spTgt spid="4">
+                                            <p:txEl>
+                                              <p:pRg st="0" end="0"/>
+                                            </p:txEl>
+                                          </p:spTgt>
+                                        </p:tgtEl>
+                                        <p:attrNameLst>
+                                          <p:attrName>ppt_x</p:attrName>
+                                        </p:attrNameLst>
+                                      </p:cBhvr>
+                                      <p:tavLst>
+                                        <p:tav tm="0">
+                                          <p:val>
+                                            <p:strVal val="#ppt_x"/>
+                                          </p:val>
+                                        </p:tav>
+                                        <p:tav tm="100000">
+                                          <p:val>
+                                            <p:strVal val="#ppt_x"/>
+                                          </p:val>
+                                        </p:tav>
+                                      </p:tavLst>
+                                    </p:anim>
+                                    <p:anim calcmode="lin" valueType="num">
+                                      <p:cBhvr>
+                                        <p:cTn id="9" dur="1000" fill="hold"/>
+                                        <p:tgtEl>
+                                          <p:spTgt spid="4">
+                                            <p:txEl>
+                                              <p:pRg st="0" end="0"/>
+                                            </p:txEl>
+                                          </p:spTgt>
+                                        </p:tgtEl>
+                                        <p:attrNameLst>
+                                          <p:attrName>ppt_y</p:attrName>
+                                        </p:attrNameLst>
+                                      </p:cBhvr>
+                                      <p:tavLst>
+                                        <p:tav tm="0">
+                                          <p:val>
+                                            <p:strVal val="#ppt_y+.1"/>
+                                          </p:val>
+                                        </p:tav>
+                                        <p:tav tm="100000">
+                                          <p:val>
+                                            <p:strVal val="#ppt_y"/>
+                                          </p:val>
+                                        </p:tav>
+                                      </p:tavLst>
+                                    </p:anim>
+                                  </p:childTnLst>
+                                </p:cTn>
+                              </p:par>
+                              <p:par>
+                                <p:cTn id="10" presetID="42" presetClass="entr" presetSubtype="0" fill="hold" nodeType="withEffect">
+                                  <p:stCondLst>
+                                    <p:cond delay="0"/>
+                                  </p:stCondLst>
+                                  <p:childTnLst>
+                                    <p:set>
+                                      <p:cBhvr>
+                                        <p:cTn id="11" dur="1" fill="hold">
+                                          <p:stCondLst>
+                                            <p:cond delay="0"/>
+                                          </p:stCondLst>
+                                        </p:cTn>
+                                        <p:tgtEl>
+                                          <p:spTgt spid="4">
+                                            <p:txEl>
+                                              <p:pRg st="1" end="1"/>
+                                            </p:txEl>
+                                          </p:spTgt>
+                                        </p:tgtEl>
+                                        <p:attrNameLst>
+                                          <p:attrName>style.visibility</p:attrName>
+                                        </p:attrNameLst>
+                                      </p:cBhvr>
+                                      <p:to>
+                                        <p:strVal val="visible"/>
+                                      </p:to>
+                                    </p:set>
+                                    <p:animEffect transition="in" filter="fade">
+                                      <p:cBhvr>
+                                        <p:cTn id="12" dur="1000"/>
+                                        <p:tgtEl>
+                                          <p:spTgt spid="4">
+                                            <p:txEl>
+                                              <p:pRg st="1" end="1"/>
+                                            </p:txEl>
+                                          </p:spTgt>
+                                        </p:tgtEl>
+                                      </p:cBhvr>
+                                    </p:animEffect>
+                                    <p:anim calcmode="lin" valueType="num">
+                                      <p:cBhvr>
+                                        <p:cTn id="13" dur="1000" fill="hold"/>
+                                        <p:tgtEl>
+                                          <p:spTgt spid="4">
+                                            <p:txEl>
+                                              <p:pRg st="1" end="1"/>
+                                            </p:txEl>
+                                          </p:spTgt>
+                                        </p:tgtEl>
+                                        <p:attrNameLst>
+                                          <p:attrName>ppt_x</p:attrName>
+                                        </p:attrNameLst>
+                                      </p:cBhvr>
+                                      <p:tavLst>
+                                        <p:tav tm="0">
+                                          <p:val>
+                                            <p:strVal val="#ppt_x"/>
+                                          </p:val>
+                                        </p:tav>
+                                        <p:tav tm="100000">
+                                          <p:val>
+                                            <p:strVal val="#ppt_x"/>
+                                          </p:val>
+                                        </p:tav>
+                                      </p:tavLst>
+                                    </p:anim>
+                                    <p:anim calcmode="lin" valueType="num">
+                                      <p:cBhvr>
+                                        <p:cTn id="14" dur="1000" fill="hold"/>
+                                        <p:tgtEl>
+                                          <p:spTgt spid="4">
+                                            <p:txEl>
+                                              <p:pRg st="1" end="1"/>
+                                            </p:txEl>
+                                          </p:spTgt>
+                                        </p:tgtEl>
+                                        <p:attrNameLst>
+                                          <p:attrName>ppt_y</p:attrName>
+                                        </p:attrNameLst>
+                                      </p:cBhvr>
+                                      <p:tavLst>
+                                        <p:tav tm="0">
+                                          <p:val>
+                                            <p:strVal val="#ppt_y+.1"/>
+                                          </p:val>
+                                        </p:tav>
+                                        <p:tav tm="100000">
+                                          <p:val>
+                                            <p:strVal val="#ppt_y"/>
+                                          </p:val>
+                                        </p:tav>
+                                      </p:tavLst>
+                                    </p:anim>
+                                  </p:childTnLst>
+                                </p:cTn>
+                              </p:par>
+                            </p:childTnLst>
+                          </p:cTn>
+                        </p:par>
+                      </p:childTnLst>
+                    </p:cTn>
+                  </p:par>
+                  <p:par>
+                    <p:cTn id="15" fill="hold">
+                      <p:stCondLst>
+                        <p:cond delay="indefinite"/>
+                      </p:stCondLst>
+                      <p:childTnLst>
+                        <p:par>
+                          <p:cTn id="16" fill="hold">
+                            <p:stCondLst>
+                              <p:cond delay="0"/>
+                            </p:stCondLst>
+                            <p:childTnLst>
+                              <p:par>
+                                <p:cTn id="17" presetID="42" presetClass="entr" presetSubtype="0" fill="hold" nodeType="clickEffect">
+                                  <p:stCondLst>
+                                    <p:cond delay="0"/>
+                                  </p:stCondLst>
+                                  <p:childTnLst>
+                                    <p:set>
+                                      <p:cBhvr>
+                                        <p:cTn id="18" dur="1" fill="hold">
+                                          <p:stCondLst>
+                                            <p:cond delay="0"/>
+                                          </p:stCondLst>
+                                        </p:cTn>
+                                        <p:tgtEl>
+                                          <p:spTgt spid="3"/>
+                                        </p:tgtEl>
+                                        <p:attrNameLst>
+                                          <p:attrName>style.visibility</p:attrName>
+                                        </p:attrNameLst>
+                                      </p:cBhvr>
+                                      <p:to>
+                                        <p:strVal val="visible"/>
+                                      </p:to>
+                                    </p:set>
+                                    <p:animEffect transition="in" filter="fade">
+                                      <p:cBhvr>
+                                        <p:cTn id="19" dur="1000"/>
+                                        <p:tgtEl>
+                                          <p:spTgt spid="3"/>
+                                        </p:tgtEl>
+                                      </p:cBhvr>
+                                    </p:animEffect>
+                                    <p:anim calcmode="lin" valueType="num">
+                                      <p:cBhvr>
+                                        <p:cTn id="20" dur="1000" fill="hold"/>
+                                        <p:tgtEl>
+                                          <p:spTgt spid="3"/>
+                                        </p:tgtEl>
+                                        <p:attrNameLst>
+                                          <p:attrName>ppt_x</p:attrName>
+                                        </p:attrNameLst>
+                                      </p:cBhvr>
+                                      <p:tavLst>
+                                        <p:tav tm="0">
+                                          <p:val>
+                                            <p:strVal val="#ppt_x"/>
+                                          </p:val>
+                                        </p:tav>
+                                        <p:tav tm="100000">
+                                          <p:val>
+                                            <p:strVal val="#ppt_x"/>
+                                          </p:val>
+                                        </p:tav>
+                                      </p:tavLst>
+                                    </p:anim>
+                                    <p:anim calcmode="lin" valueType="num">
+                                      <p:cBhvr>
+                                        <p:cTn id="21" dur="1000" fill="hold"/>
+                                        <p:tgtEl>
+                                          <p:spTgt spid="3"/>
+                                        </p:tgtEl>
+                                        <p:attrNameLst>
+                                          <p:attrName>ppt_y</p:attrName>
+                                        </p:attrNameLst>
+                                      </p:cBhvr>
+                                      <p:tavLst>
+                                        <p:tav tm="0">
+                                          <p:val>
+                                            <p:strVal val="#ppt_y+.1"/>
+                                          </p:val>
+                                        </p:tav>
+                                        <p:tav tm="100000">
+                                          <p:val>
+                                            <p:strVal val="#ppt_y"/>
+                                          </p:val>
+                                        </p:tav>
+                                      </p:tavLst>
+                                    </p:anim>
+                                  </p:childTnLst>
+                                </p:cTn>
+                              </p:par>
+                            </p:childTnLst>
+                          </p:cTn>
+                        </p:par>
+                      </p:childTnLst>
+                    </p:cTn>
+                  </p:par>
+                  <p:par>
+                    <p:cTn id="22" fill="hold">
+                      <p:stCondLst>
+                        <p:cond delay="indefinite"/>
+                      </p:stCondLst>
+                      <p:childTnLst>
+                        <p:par>
+                          <p:cTn id="23" fill="hold">
+                            <p:stCondLst>
+                              <p:cond delay="0"/>
+                            </p:stCondLst>
+                            <p:childTnLst>
+                              <p:par>
+                                <p:cTn id="24" presetID="42" presetClass="entr" presetSubtype="0" fill="hold" grpId="0" nodeType="clickEffect">
+                                  <p:stCondLst>
+                                    <p:cond delay="0"/>
+                                  </p:stCondLst>
+                                  <p:childTnLst>
+                                    <p:set>
+                                      <p:cBhvr>
+                                        <p:cTn id="25" dur="1" fill="hold">
+                                          <p:stCondLst>
+                                            <p:cond delay="0"/>
+                                          </p:stCondLst>
+                                        </p:cTn>
+                                        <p:tgtEl>
+                                          <p:spTgt spid="7"/>
+                                        </p:tgtEl>
+                                        <p:attrNameLst>
+                                          <p:attrName>style.visibility</p:attrName>
+                                        </p:attrNameLst>
+                                      </p:cBhvr>
+                                      <p:to>
+                                        <p:strVal val="visible"/>
+                                      </p:to>
+                                    </p:set>
+                                    <p:animEffect transition="in" filter="fade">
+                                      <p:cBhvr>
+                                        <p:cTn id="26" dur="1000"/>
+                                        <p:tgtEl>
+                                          <p:spTgt spid="7"/>
+                                        </p:tgtEl>
+                                      </p:cBhvr>
+                                    </p:animEffect>
+                                    <p:anim calcmode="lin" valueType="num">
+                                      <p:cBhvr>
+                                        <p:cTn id="27" dur="1000" fill="hold"/>
+                                        <p:tgtEl>
+                                          <p:spTgt spid="7"/>
+                                        </p:tgtEl>
+                                        <p:attrNameLst>
+                                          <p:attrName>ppt_x</p:attrName>
+                                        </p:attrNameLst>
+                                      </p:cBhvr>
+                                      <p:tavLst>
+                                        <p:tav tm="0">
+                                          <p:val>
+                                            <p:strVal val="#ppt_x"/>
+                                          </p:val>
+                                        </p:tav>
+                                        <p:tav tm="100000">
+                                          <p:val>
+                                            <p:strVal val="#ppt_x"/>
+                                          </p:val>
+                                        </p:tav>
+                                      </p:tavLst>
+                                    </p:anim>
+                                    <p:anim calcmode="lin" valueType="num">
+                                      <p:cBhvr>
+                                        <p:cTn id="28" dur="1000" fill="hold"/>
+                                        <p:tgtEl>
+                                          <p:spTgt spid="7"/>
+                                        </p:tgtEl>
+                                        <p:attrNameLst>
+                                          <p:attrName>ppt_y</p:attrName>
+                                        </p:attrNameLst>
+                                      </p:cBhvr>
+                                      <p:tavLst>
+                                        <p:tav tm="0">
+                                          <p:val>
+                                            <p:strVal val="#ppt_y+.1"/>
+                                          </p:val>
+                                        </p:tav>
+                                        <p:tav tm="100000">
+                                          <p:val>
+                                            <p:strVal val="#ppt_y"/>
+                                          </p:val>
+                                        </p:tav>
+                                      </p:tavLst>
+                                    </p:anim>
+                                  </p:childTnLst>
+                                </p:cTn>
+                              </p:par>
+                            </p:childTnLst>
+                          </p:cTn>
+                        </p:par>
+                      </p:childTnLst>
+                    </p:cTn>
+                  </p:par>
+                  <p:par>
+                    <p:cTn id="29" fill="hold">
+                      <p:stCondLst>
+                        <p:cond delay="indefinite"/>
+                      </p:stCondLst>
+                      <p:childTnLst>
+                        <p:par>
+                          <p:cTn id="30" fill="hold">
+                            <p:stCondLst>
+                              <p:cond delay="0"/>
+                            </p:stCondLst>
+                            <p:childTnLst>
+                              <p:par>
+                                <p:cTn id="31" presetID="42" presetClass="entr" presetSubtype="0" fill="hold" nodeType="clickEffect">
+                                  <p:stCondLst>
+                                    <p:cond delay="0"/>
+                                  </p:stCondLst>
+                                  <p:childTnLst>
+                                    <p:set>
+                                      <p:cBhvr>
+                                        <p:cTn id="32" dur="1" fill="hold">
+                                          <p:stCondLst>
+                                            <p:cond delay="0"/>
+                                          </p:stCondLst>
+                                        </p:cTn>
+                                        <p:tgtEl>
+                                          <p:spTgt spid="4">
+                                            <p:txEl>
+                                              <p:pRg st="5" end="5"/>
+                                            </p:txEl>
+                                          </p:spTgt>
+                                        </p:tgtEl>
+                                        <p:attrNameLst>
+                                          <p:attrName>style.visibility</p:attrName>
+                                        </p:attrNameLst>
+                                      </p:cBhvr>
+                                      <p:to>
+                                        <p:strVal val="visible"/>
+                                      </p:to>
+                                    </p:set>
+                                    <p:animEffect transition="in" filter="fade">
+                                      <p:cBhvr>
+                                        <p:cTn id="33" dur="1000"/>
+                                        <p:tgtEl>
+                                          <p:spTgt spid="4">
+                                            <p:txEl>
+                                              <p:pRg st="5" end="5"/>
+                                            </p:txEl>
+                                          </p:spTgt>
+                                        </p:tgtEl>
+                                      </p:cBhvr>
+                                    </p:animEffect>
+                                    <p:anim calcmode="lin" valueType="num">
+                                      <p:cBhvr>
+                                        <p:cTn id="34" dur="1000" fill="hold"/>
+                                        <p:tgtEl>
+                                          <p:spTgt spid="4">
+                                            <p:txEl>
+                                              <p:pRg st="5" end="5"/>
+                                            </p:txEl>
+                                          </p:spTgt>
+                                        </p:tgtEl>
+                                        <p:attrNameLst>
+                                          <p:attrName>ppt_x</p:attrName>
+                                        </p:attrNameLst>
+                                      </p:cBhvr>
+                                      <p:tavLst>
+                                        <p:tav tm="0">
+                                          <p:val>
+                                            <p:strVal val="#ppt_x"/>
+                                          </p:val>
+                                        </p:tav>
+                                        <p:tav tm="100000">
+                                          <p:val>
+                                            <p:strVal val="#ppt_x"/>
+                                          </p:val>
+                                        </p:tav>
+                                      </p:tavLst>
+                                    </p:anim>
+                                    <p:anim calcmode="lin" valueType="num">
+                                      <p:cBhvr>
+                                        <p:cTn id="35" dur="1000" fill="hold"/>
+                                        <p:tgtEl>
+                                          <p:spTgt spid="4">
+                                            <p:txEl>
+                                              <p:pRg st="5" end="5"/>
+                                            </p:txEl>
+                                          </p:spTgt>
+                                        </p:tgtEl>
+                                        <p:attrNameLst>
+                                          <p:attrName>ppt_y</p:attrName>
+                                        </p:attrNameLst>
+                                      </p:cBhvr>
+                                      <p:tavLst>
+                                        <p:tav tm="0">
+                                          <p:val>
+                                            <p:strVal val="#ppt_y+.1"/>
+                                          </p:val>
+                                        </p:tav>
+                                        <p:tav tm="100000">
+                                          <p:val>
+                                            <p:strVal val="#ppt_y"/>
+                                          </p:val>
+                                        </p:tav>
+                                      </p:tavLst>
+                                    </p:anim>
+                                  </p:childTnLst>
+                                </p:cTn>
+                              </p:par>
+                            </p:childTnLst>
+                          </p:cTn>
+                        </p:par>
+                      </p:childTnLst>
+                    </p:cTn>
+                  </p:par>
+                  <p:par>
+                    <p:cTn id="36" fill="hold">
+                      <p:stCondLst>
+                        <p:cond delay="indefinite"/>
+                      </p:stCondLst>
+                      <p:childTnLst>
+                        <p:par>
+                          <p:cTn id="37" fill="hold">
+                            <p:stCondLst>
+                              <p:cond delay="0"/>
+                            </p:stCondLst>
+                            <p:childTnLst>
+                              <p:par>
+                                <p:cTn id="38" presetID="42" presetClass="entr" presetSubtype="0" fill="hold" nodeType="clickEffect">
+                                  <p:stCondLst>
+                                    <p:cond delay="0"/>
+                                  </p:stCondLst>
+                                  <p:childTnLst>
+                                    <p:set>
+                                      <p:cBhvr>
+                                        <p:cTn id="39" dur="1" fill="hold">
+                                          <p:stCondLst>
+                                            <p:cond delay="0"/>
+                                          </p:stCondLst>
+                                        </p:cTn>
+                                        <p:tgtEl>
+                                          <p:spTgt spid="6"/>
+                                        </p:tgtEl>
+                                        <p:attrNameLst>
+                                          <p:attrName>style.visibility</p:attrName>
+                                        </p:attrNameLst>
+                                      </p:cBhvr>
+                                      <p:to>
+                                        <p:strVal val="visible"/>
+                                      </p:to>
+                                    </p:set>
+                                    <p:animEffect transition="in" filter="fade">
+                                      <p:cBhvr>
+                                        <p:cTn id="40" dur="1000"/>
+                                        <p:tgtEl>
+                                          <p:spTgt spid="6"/>
+                                        </p:tgtEl>
+                                      </p:cBhvr>
+                                    </p:animEffect>
+                                    <p:anim calcmode="lin" valueType="num">
+                                      <p:cBhvr>
+                                        <p:cTn id="41" dur="1000" fill="hold"/>
+                                        <p:tgtEl>
+                                          <p:spTgt spid="6"/>
+                                        </p:tgtEl>
+                                        <p:attrNameLst>
+                                          <p:attrName>ppt_x</p:attrName>
+                                        </p:attrNameLst>
+                                      </p:cBhvr>
+                                      <p:tavLst>
+                                        <p:tav tm="0">
+                                          <p:val>
+                                            <p:strVal val="#ppt_x"/>
+                                          </p:val>
+                                        </p:tav>
+                                        <p:tav tm="100000">
+                                          <p:val>
+                                            <p:strVal val="#ppt_x"/>
+                                          </p:val>
+                                        </p:tav>
+                                      </p:tavLst>
+                                    </p:anim>
+                                    <p:anim calcmode="lin" valueType="num">
+                                      <p:cBhvr>
+                                        <p:cTn id="42" dur="1000" fill="hold"/>
+                                        <p:tgtEl>
+                                          <p:spTgt spid="6"/>
+                                        </p:tgtEl>
+                                        <p:attrNameLst>
+                                          <p:attrName>ppt_y</p:attrName>
+                                        </p:attrNameLst>
+                                      </p:cBhvr>
+                                      <p:tavLst>
+                                        <p:tav tm="0">
+                                          <p:val>
+                                            <p:strVal val="#ppt_y+.1"/>
+                                          </p:val>
+                                        </p:tav>
+                                        <p:tav tm="100000">
+                                          <p:val>
+                                            <p:strVal val="#ppt_y"/>
+                                          </p:val>
+                                        </p:tav>
+                                      </p:tavLst>
+                                    </p:anim>
+                                  </p:childTnLst>
+                                </p:cTn>
+                              </p:par>
+                            </p:childTnLst>
+                          </p:cTn>
+                        </p:par>
+                      </p:childTnLst>
+                    </p:cTn>
+                  </p:par>
+                  <p:par>
+                    <p:cTn id="43" fill="hold">
+                      <p:stCondLst>
+                        <p:cond delay="indefinite"/>
+                      </p:stCondLst>
+                      <p:childTnLst>
+                        <p:par>
+                          <p:cTn id="44" fill="hold">
+                            <p:stCondLst>
+                              <p:cond delay="0"/>
+                            </p:stCondLst>
+                            <p:childTnLst>
+                              <p:par>
+                                <p:cTn id="45" presetID="42" presetClass="entr" presetSubtype="0" fill="hold" grpId="0" nodeType="clickEffect">
+                                  <p:stCondLst>
+                                    <p:cond delay="0"/>
+                                  </p:stCondLst>
+                                  <p:childTnLst>
+                                    <p:set>
+                                      <p:cBhvr>
+                                        <p:cTn id="46" dur="1" fill="hold">
+                                          <p:stCondLst>
+                                            <p:cond delay="0"/>
+                                          </p:stCondLst>
+                                        </p:cTn>
+                                        <p:tgtEl>
+                                          <p:spTgt spid="8"/>
+                                        </p:tgtEl>
+                                        <p:attrNameLst>
+                                          <p:attrName>style.visibility</p:attrName>
+                                        </p:attrNameLst>
+                                      </p:cBhvr>
+                                      <p:to>
+                                        <p:strVal val="visible"/>
+                                      </p:to>
+                                    </p:set>
+                                    <p:animEffect transition="in" filter="fade">
+                                      <p:cBhvr>
+                                        <p:cTn id="47" dur="1000"/>
+                                        <p:tgtEl>
+                                          <p:spTgt spid="8"/>
+                                        </p:tgtEl>
+                                      </p:cBhvr>
+                                    </p:animEffect>
+                                    <p:anim calcmode="lin" valueType="num">
+                                      <p:cBhvr>
+                                        <p:cTn id="48" dur="1000" fill="hold"/>
+                                        <p:tgtEl>
+                                          <p:spTgt spid="8"/>
+                                        </p:tgtEl>
+                                        <p:attrNameLst>
+                                          <p:attrName>ppt_x</p:attrName>
+                                        </p:attrNameLst>
+                                      </p:cBhvr>
+                                      <p:tavLst>
+                                        <p:tav tm="0">
+                                          <p:val>
+                                            <p:strVal val="#ppt_x"/>
+                                          </p:val>
+                                        </p:tav>
+                                        <p:tav tm="100000">
+                                          <p:val>
+                                            <p:strVal val="#ppt_x"/>
+                                          </p:val>
+                                        </p:tav>
+                                      </p:tavLst>
+                                    </p:anim>
+                                    <p:anim calcmode="lin" valueType="num">
+                                      <p:cBhvr>
+                                        <p:cTn id="49" dur="1000" fill="hold"/>
+                                        <p:tgtEl>
+                                          <p:spTgt spid="8"/>
+                                        </p:tgtEl>
+                                        <p:attrNameLst>
+                                          <p:attrName>ppt_y</p:attrName>
+                                        </p:attrNameLst>
+                                      </p:cBhvr>
+                                      <p:tavLst>
+                                        <p:tav tm="0">
+                                          <p:val>
+                                            <p:strVal val="#ppt_y+.1"/>
+                                          </p:val>
+                                        </p:tav>
+                                        <p:tav tm="100000">
+                                          <p:val>
+                                            <p:strVal val="#ppt_y"/>
+                                          </p:val>
+                                        </p:tav>
+                                      </p:tavLst>
+                                    </p:anim>
+                                  </p:childTnLst>
+                                </p:cTn>
+                              </p:par>
+                            </p:childTnLst>
+                          </p:cTn>
+                        </p:par>
+                      </p:childTnLst>
+                    </p:cTn>
+                  </p:par>
+                  <p:par>
+                    <p:cTn id="50" fill="hold">
+                      <p:stCondLst>
+                        <p:cond delay="indefinite"/>
+                      </p:stCondLst>
+                      <p:childTnLst>
+                        <p:par>
+                          <p:cTn id="51" fill="hold">
+                            <p:stCondLst>
+                              <p:cond delay="0"/>
+                            </p:stCondLst>
+                            <p:childTnLst>
+                              <p:par>
+                                <p:cTn id="52" presetID="42" presetClass="entr" presetSubtype="0" fill="hold" nodeType="clickEffect">
+                                  <p:stCondLst>
+                                    <p:cond delay="0"/>
+                                  </p:stCondLst>
+                                  <p:childTnLst>
+                                    <p:set>
+                                      <p:cBhvr>
+                                        <p:cTn id="53" dur="1" fill="hold">
+                                          <p:stCondLst>
+                                            <p:cond delay="0"/>
+                                          </p:stCondLst>
+                                        </p:cTn>
+                                        <p:tgtEl>
+                                          <p:spTgt spid="4">
+                                            <p:txEl>
+                                              <p:pRg st="9" end="9"/>
+                                            </p:txEl>
+                                          </p:spTgt>
+                                        </p:tgtEl>
+                                        <p:attrNameLst>
+                                          <p:attrName>style.visibility</p:attrName>
+                                        </p:attrNameLst>
+                                      </p:cBhvr>
+                                      <p:to>
+                                        <p:strVal val="visible"/>
+                                      </p:to>
+                                    </p:set>
+                                    <p:animEffect transition="in" filter="fade">
+                                      <p:cBhvr>
+                                        <p:cTn id="54" dur="1000"/>
+                                        <p:tgtEl>
+                                          <p:spTgt spid="4">
+                                            <p:txEl>
+                                              <p:pRg st="9" end="9"/>
+                                            </p:txEl>
+                                          </p:spTgt>
+                                        </p:tgtEl>
+                                      </p:cBhvr>
+                                    </p:animEffect>
+                                    <p:anim calcmode="lin" valueType="num">
+                                      <p:cBhvr>
+                                        <p:cTn id="55" dur="1000" fill="hold"/>
+                                        <p:tgtEl>
+                                          <p:spTgt spid="4">
+                                            <p:txEl>
+                                              <p:pRg st="9" end="9"/>
+                                            </p:txEl>
+                                          </p:spTgt>
+                                        </p:tgtEl>
+                                        <p:attrNameLst>
+                                          <p:attrName>ppt_x</p:attrName>
+                                        </p:attrNameLst>
+                                      </p:cBhvr>
+                                      <p:tavLst>
+                                        <p:tav tm="0">
+                                          <p:val>
+                                            <p:strVal val="#ppt_x"/>
+                                          </p:val>
+                                        </p:tav>
+                                        <p:tav tm="100000">
+                                          <p:val>
+                                            <p:strVal val="#ppt_x"/>
+                                          </p:val>
+                                        </p:tav>
+                                      </p:tavLst>
+                                    </p:anim>
+                                    <p:anim calcmode="lin" valueType="num">
+                                      <p:cBhvr>
+                                        <p:cTn id="56" dur="1000" fill="hold"/>
+                                        <p:tgtEl>
+                                          <p:spTgt spid="4">
+                                            <p:txEl>
+                                              <p:pRg st="9" end="9"/>
+                                            </p:txEl>
+                                          </p:spTgt>
+                                        </p:tgtEl>
+                                        <p:attrNameLst>
+                                          <p:attrName>ppt_y</p:attrName>
+                                        </p:attrNameLst>
+                                      </p:cBhvr>
+                                      <p:tavLst>
+                                        <p:tav tm="0">
+                                          <p:val>
+                                            <p:strVal val="#ppt_y+.1"/>
+                                          </p:val>
+                                        </p:tav>
+                                        <p:tav tm="100000">
+                                          <p:val>
+                                            <p:strVal val="#ppt_y"/>
+                                          </p:val>
+                                        </p:tav>
+                                      </p:tavLst>
+                                    </p:anim>
+                                  </p:childTnLst>
+                                </p:cTn>
+                              </p:par>
+                              <p:par>
+                                <p:cTn id="57" presetID="42" presetClass="entr" presetSubtype="0" fill="hold" nodeType="withEffect">
+                                  <p:stCondLst>
+                                    <p:cond delay="0"/>
+                                  </p:stCondLst>
+                                  <p:childTnLst>
+                                    <p:set>
+                                      <p:cBhvr>
+                                        <p:cTn id="58" dur="1" fill="hold">
+                                          <p:stCondLst>
+                                            <p:cond delay="0"/>
+                                          </p:stCondLst>
+                                        </p:cTn>
+                                        <p:tgtEl>
+                                          <p:spTgt spid="4">
+                                            <p:txEl>
+                                              <p:pRg st="10" end="10"/>
+                                            </p:txEl>
+                                          </p:spTgt>
+                                        </p:tgtEl>
+                                        <p:attrNameLst>
+                                          <p:attrName>style.visibility</p:attrName>
+                                        </p:attrNameLst>
+                                      </p:cBhvr>
+                                      <p:to>
+                                        <p:strVal val="visible"/>
+                                      </p:to>
+                                    </p:set>
+                                    <p:animEffect transition="in" filter="fade">
+                                      <p:cBhvr>
+                                        <p:cTn id="59" dur="1000"/>
+                                        <p:tgtEl>
+                                          <p:spTgt spid="4">
+                                            <p:txEl>
+                                              <p:pRg st="10" end="10"/>
+                                            </p:txEl>
+                                          </p:spTgt>
+                                        </p:tgtEl>
+                                      </p:cBhvr>
+                                    </p:animEffect>
+                                    <p:anim calcmode="lin" valueType="num">
+                                      <p:cBhvr>
+                                        <p:cTn id="60" dur="1000" fill="hold"/>
+                                        <p:tgtEl>
+                                          <p:spTgt spid="4">
+                                            <p:txEl>
+                                              <p:pRg st="10" end="10"/>
+                                            </p:txEl>
+                                          </p:spTgt>
+                                        </p:tgtEl>
+                                        <p:attrNameLst>
+                                          <p:attrName>ppt_x</p:attrName>
+                                        </p:attrNameLst>
+                                      </p:cBhvr>
+                                      <p:tavLst>
+                                        <p:tav tm="0">
+                                          <p:val>
+                                            <p:strVal val="#ppt_x"/>
+                                          </p:val>
+                                        </p:tav>
+                                        <p:tav tm="100000">
+                                          <p:val>
+                                            <p:strVal val="#ppt_x"/>
+                                          </p:val>
+                                        </p:tav>
+                                      </p:tavLst>
+                                    </p:anim>
+                                    <p:anim calcmode="lin" valueType="num">
+                                      <p:cBhvr>
+                                        <p:cTn id="61" dur="1000" fill="hold"/>
+                                        <p:tgtEl>
+                                          <p:spTgt spid="4">
+                                            <p:txEl>
+                                              <p:pRg st="10" end="10"/>
+                                            </p:txEl>
+                                          </p:spTgt>
+                                        </p:tgtEl>
+                                        <p:attrNameLst>
+                                          <p:attrName>ppt_y</p:attrName>
+                                        </p:attrNameLst>
+                                      </p:cBhvr>
+                                      <p:tavLst>
+                                        <p:tav tm="0">
+                                          <p:val>
+                                            <p:strVal val="#ppt_y+.1"/>
+                                          </p:val>
+                                        </p:tav>
+                                        <p:tav tm="100000">
+                                          <p:val>
+                                            <p:strVal val="#ppt_y"/>
+                                          </p:val>
+                                        </p:tav>
+                                      </p:tavLst>
+                                    </p:anim>
+                                  </p:childTnLst>
+                                </p:cTn>
+                              </p:par>
+                            </p:childTnLst>
+                          </p:cTn>
+                        </p:par>
+                      </p:childTnLst>
+                    </p:cTn>
+                  </p:par>
+                </p:childTnLst>
+              </p:cTn>
+              <p:prevCondLst>
+                <p:cond evt="onPrev" delay="0">
+                  <p:tgtEl>
+                    <p:sldTgt/>
+                  </p:tgtEl>
+                </p:cond>
+              </p:prevCondLst>
+              <p:nextCondLst>
+                <p:cond evt="onNext" delay="0">
+                  <p:tgtEl>
+                    <p:sldTgt/>
+                  </p:tgtEl>
+                </p:cond>
+              </p:nextCondLst>
+            </p:seq>
+          </p:childTnLst>
+        </p:cTn>
+      </p:par>
+    </p:tnLst>
+    <p:bldLst>
+      <p:bldP spid="7" grpId="0" animBg="1"/>
+      <p:bldP spid="8" grpId="0" animBg="1"/>
+    </p:bldLst>
+  </p:timing>
+</p:sld>
+</file>
+
+<file path=ppt/slides/slide12.xml><?xml version="1.0" encoding="utf-8"?>
 <p:sld xmlns:a="http://schemas.openxmlformats.org/drawingml/2006/main" xmlns:r="http://schemas.openxmlformats.org/officeDocument/2006/relationships" xmlns:p="http://schemas.openxmlformats.org/presentationml/2006/main">
   <p:cSld>
     <p:spTree>
@@ -5154,7 +7293,7 @@
 </p:sld>
 </file>
 
-<file path=ppt/slides/slide11.xml><?xml version="1.0" encoding="utf-8"?>
+<file path=ppt/slides/slide13.xml><?xml version="1.0" encoding="utf-8"?>
 <p:sld xmlns:a="http://schemas.openxmlformats.org/drawingml/2006/main" xmlns:r="http://schemas.openxmlformats.org/officeDocument/2006/relationships" xmlns:p="http://schemas.openxmlformats.org/presentationml/2006/main">
   <p:cSld>
     <p:spTree>
@@ -7173,7 +9312,7 @@
 </p:sld>
 </file>
 
-<file path=ppt/slides/slide12.xml><?xml version="1.0" encoding="utf-8"?>
+<file path=ppt/slides/slide14.xml><?xml version="1.0" encoding="utf-8"?>
 <p:sld xmlns:a="http://schemas.openxmlformats.org/drawingml/2006/main" xmlns:r="http://schemas.openxmlformats.org/officeDocument/2006/relationships" xmlns:p="http://schemas.openxmlformats.org/presentationml/2006/main">
   <p:cSld>
     <p:spTree>
@@ -9310,7 +11449,141 @@
 </p:sld>
 </file>
 
-<file path=ppt/slides/slide13.xml><?xml version="1.0" encoding="utf-8"?>
+<file path=ppt/slides/slide15.xml><?xml version="1.0" encoding="utf-8"?>
+<p:sld xmlns:a="http://schemas.openxmlformats.org/drawingml/2006/main" xmlns:r="http://schemas.openxmlformats.org/officeDocument/2006/relationships" xmlns:p="http://schemas.openxmlformats.org/presentationml/2006/main">
+  <p:cSld>
+    <p:spTree>
+      <p:nvGrpSpPr>
+        <p:cNvPr id="1" name=""/>
+        <p:cNvGrpSpPr/>
+        <p:nvPr/>
+      </p:nvGrpSpPr>
+      <p:grpSpPr>
+        <a:xfrm>
+          <a:off x="0" y="0"/>
+          <a:ext cx="0" cy="0"/>
+          <a:chOff x="0" y="0"/>
+          <a:chExt cx="0" cy="0"/>
+        </a:xfrm>
+      </p:grpSpPr>
+      <p:sp>
+        <p:nvSpPr>
+          <p:cNvPr id="2" name="Title 1">
+            <a:extLst>
+              <a:ext uri="{FF2B5EF4-FFF2-40B4-BE49-F238E27FC236}">
+                <a16:creationId xmlns:a16="http://schemas.microsoft.com/office/drawing/2014/main" id="{EE94FE56-DA85-4DDB-8A5B-C8A020431C32}"/>
+              </a:ext>
+            </a:extLst>
+          </p:cNvPr>
+          <p:cNvSpPr>
+            <a:spLocks noGrp="1"/>
+          </p:cNvSpPr>
+          <p:nvPr>
+            <p:ph type="title"/>
+          </p:nvPr>
+        </p:nvSpPr>
+        <p:spPr>
+          <a:xfrm>
+            <a:off x="1371600" y="392837"/>
+            <a:ext cx="9601200" cy="867792"/>
+          </a:xfrm>
+        </p:spPr>
+        <p:txBody>
+          <a:bodyPr/>
+          <a:lstStyle/>
+          <a:p>
+            <a:r>
+              <a:rPr lang="en-US" dirty="0"/>
+              <a:t>Frequency Distribution: (Before)</a:t>
+            </a:r>
+          </a:p>
+        </p:txBody>
+      </p:sp>
+      <p:pic>
+        <p:nvPicPr>
+          <p:cNvPr id="5" name="Content Placeholder 4">
+            <a:extLst>
+              <a:ext uri="{FF2B5EF4-FFF2-40B4-BE49-F238E27FC236}">
+                <a16:creationId xmlns:a16="http://schemas.microsoft.com/office/drawing/2014/main" id="{98956A63-6AB7-4FE0-BF8B-4D6AC8D9D0BC}"/>
+              </a:ext>
+            </a:extLst>
+          </p:cNvPr>
+          <p:cNvPicPr>
+            <a:picLocks noGrp="1" noChangeAspect="1"/>
+          </p:cNvPicPr>
+          <p:nvPr>
+            <p:ph idx="1"/>
+          </p:nvPr>
+        </p:nvPicPr>
+        <p:blipFill rotWithShape="1">
+          <a:blip r:embed="rId2"/>
+          <a:srcRect r="4665"/>
+          <a:stretch/>
+        </p:blipFill>
+        <p:spPr>
+          <a:xfrm>
+            <a:off x="1007616" y="1371600"/>
+            <a:ext cx="6849122" cy="4789504"/>
+          </a:xfrm>
+        </p:spPr>
+      </p:pic>
+      <p:sp>
+        <p:nvSpPr>
+          <p:cNvPr id="6" name="TextBox 5">
+            <a:extLst>
+              <a:ext uri="{FF2B5EF4-FFF2-40B4-BE49-F238E27FC236}">
+                <a16:creationId xmlns:a16="http://schemas.microsoft.com/office/drawing/2014/main" id="{A3974468-B270-439A-94F4-42A72695DBC3}"/>
+              </a:ext>
+            </a:extLst>
+          </p:cNvPr>
+          <p:cNvSpPr txBox="1"/>
+          <p:nvPr/>
+        </p:nvSpPr>
+        <p:spPr>
+          <a:xfrm>
+            <a:off x="8034291" y="1519583"/>
+            <a:ext cx="4030462" cy="2246769"/>
+          </a:xfrm>
+          <a:prstGeom prst="rect">
+            <a:avLst/>
+          </a:prstGeom>
+          <a:noFill/>
+        </p:spPr>
+        <p:txBody>
+          <a:bodyPr wrap="square" rtlCol="0">
+            <a:spAutoFit/>
+          </a:bodyPr>
+          <a:lstStyle/>
+          <a:p>
+            <a:r>
+              <a:rPr lang="en-US" sz="2800" dirty="0"/>
+              <a:t>Data is extreme skewed to the left, which identifies the outliners in the data for Population </a:t>
+            </a:r>
+            <a:r>
+              <a:rPr lang="en-US" sz="2800" dirty="0" err="1"/>
+              <a:t>FastFood</a:t>
+            </a:r>
+            <a:r>
+              <a:rPr lang="en-US" sz="2800" dirty="0"/>
+              <a:t> Ratio.</a:t>
+            </a:r>
+          </a:p>
+        </p:txBody>
+      </p:sp>
+    </p:spTree>
+    <p:extLst>
+      <p:ext uri="{BB962C8B-B14F-4D97-AF65-F5344CB8AC3E}">
+        <p14:creationId xmlns:p14="http://schemas.microsoft.com/office/powerpoint/2010/main" val="2506100133"/>
+      </p:ext>
+    </p:extLst>
+  </p:cSld>
+  <p:clrMapOvr>
+    <a:masterClrMapping/>
+  </p:clrMapOvr>
+</p:sld>
+</file>
+
+<file path=ppt/slides/slide16.xml><?xml version="1.0" encoding="utf-8"?>
 <p:sld xmlns:a="http://schemas.openxmlformats.org/drawingml/2006/main" xmlns:r="http://schemas.openxmlformats.org/officeDocument/2006/relationships" xmlns:p="http://schemas.openxmlformats.org/presentationml/2006/main">
   <p:cSld>
     <p:spTree>
@@ -9393,14 +11666,14 @@
             <p:ph idx="1"/>
             <p:extLst>
               <p:ext uri="{D42A27DB-BD31-4B8C-83A1-F6EECF244321}">
-                <p14:modId xmlns:p14="http://schemas.microsoft.com/office/powerpoint/2010/main" val="1108265643"/>
+                <p14:modId xmlns:p14="http://schemas.microsoft.com/office/powerpoint/2010/main" val="3724039457"/>
               </p:ext>
             </p:extLst>
           </p:nvPr>
         </p:nvGraphicFramePr>
         <p:xfrm>
-          <a:off x="1371599" y="1797626"/>
-          <a:ext cx="10380520" cy="4678691"/>
+          <a:off x="1371599" y="1571348"/>
+          <a:ext cx="10380520" cy="4904969"/>
         </p:xfrm>
         <a:graphic>
           <a:graphicData uri="http://schemas.openxmlformats.org/drawingml/2006/table">
@@ -9443,7 +11716,7 @@
                   </a:extLst>
                 </a:gridCol>
               </a:tblGrid>
-              <a:tr h="839763">
+              <a:tr h="880377">
                 <a:tc>
                   <a:txBody>
                     <a:bodyPr/>
@@ -9592,7 +11865,7 @@
                   </a:ext>
                 </a:extLst>
               </a:tr>
-              <a:tr h="479866">
+              <a:tr h="503074">
                 <a:tc>
                   <a:txBody>
                     <a:bodyPr/>
@@ -9759,7 +12032,7 @@
                   </a:ext>
                 </a:extLst>
               </a:tr>
-              <a:tr h="479866">
+              <a:tr h="503074">
                 <a:tc>
                   <a:txBody>
                     <a:bodyPr/>
@@ -9911,7 +12184,7 @@
                   </a:ext>
                 </a:extLst>
               </a:tr>
-              <a:tr h="479866">
+              <a:tr h="503074">
                 <a:tc>
                   <a:txBody>
                     <a:bodyPr/>
@@ -10078,7 +12351,7 @@
                   </a:ext>
                 </a:extLst>
               </a:tr>
-              <a:tr h="479866">
+              <a:tr h="503074">
                 <a:tc>
                   <a:txBody>
                     <a:bodyPr/>
@@ -10230,7 +12503,7 @@
                   </a:ext>
                 </a:extLst>
               </a:tr>
-              <a:tr h="479866">
+              <a:tr h="503074">
                 <a:tc>
                   <a:txBody>
                     <a:bodyPr/>
@@ -10382,7 +12655,7 @@
                   </a:ext>
                 </a:extLst>
               </a:tr>
-              <a:tr h="479866">
+              <a:tr h="503074">
                 <a:tc>
                   <a:txBody>
                     <a:bodyPr/>
@@ -10534,7 +12807,7 @@
                   </a:ext>
                 </a:extLst>
               </a:tr>
-              <a:tr h="479866">
+              <a:tr h="503074">
                 <a:tc>
                   <a:txBody>
                     <a:bodyPr/>
@@ -10701,7 +12974,7 @@
                   </a:ext>
                 </a:extLst>
               </a:tr>
-              <a:tr h="479866">
+              <a:tr h="503074">
                 <a:tc>
                   <a:txBody>
                     <a:bodyPr/>
@@ -10871,7 +13144,7 @@
         </p:nvSpPr>
         <p:spPr>
           <a:xfrm>
-            <a:off x="9765437" y="2598030"/>
+            <a:off x="9774314" y="2447109"/>
             <a:ext cx="2139518" cy="550415"/>
           </a:xfrm>
           <a:prstGeom prst="rect">
@@ -10922,7 +13195,7 @@
         </p:nvSpPr>
         <p:spPr>
           <a:xfrm>
-            <a:off x="9765437" y="3159142"/>
+            <a:off x="9774314" y="2937914"/>
             <a:ext cx="2139518" cy="491086"/>
           </a:xfrm>
           <a:prstGeom prst="rect">
@@ -11452,7 +13725,7 @@
 </p:sld>
 </file>
 
-<file path=ppt/slides/slide14.xml><?xml version="1.0" encoding="utf-8"?>
+<file path=ppt/slides/slide17.xml><?xml version="1.0" encoding="utf-8"?>
 <p:sld xmlns:a="http://schemas.openxmlformats.org/drawingml/2006/main" xmlns:r="http://schemas.openxmlformats.org/officeDocument/2006/relationships" xmlns:p="http://schemas.openxmlformats.org/presentationml/2006/main">
   <p:cSld>
     <p:spTree>
@@ -11497,140 +13770,6 @@
           <a:p>
             <a:r>
               <a:rPr lang="en-US" dirty="0"/>
-              <a:t>Frequency Distribution: (Before)</a:t>
-            </a:r>
-          </a:p>
-        </p:txBody>
-      </p:sp>
-      <p:pic>
-        <p:nvPicPr>
-          <p:cNvPr id="5" name="Content Placeholder 4">
-            <a:extLst>
-              <a:ext uri="{FF2B5EF4-FFF2-40B4-BE49-F238E27FC236}">
-                <a16:creationId xmlns:a16="http://schemas.microsoft.com/office/drawing/2014/main" id="{98956A63-6AB7-4FE0-BF8B-4D6AC8D9D0BC}"/>
-              </a:ext>
-            </a:extLst>
-          </p:cNvPr>
-          <p:cNvPicPr>
-            <a:picLocks noGrp="1" noChangeAspect="1"/>
-          </p:cNvPicPr>
-          <p:nvPr>
-            <p:ph idx="1"/>
-          </p:nvPr>
-        </p:nvPicPr>
-        <p:blipFill rotWithShape="1">
-          <a:blip r:embed="rId2"/>
-          <a:srcRect r="4665"/>
-          <a:stretch/>
-        </p:blipFill>
-        <p:spPr>
-          <a:xfrm>
-            <a:off x="1371600" y="1371600"/>
-            <a:ext cx="6849122" cy="4789504"/>
-          </a:xfrm>
-        </p:spPr>
-      </p:pic>
-      <p:sp>
-        <p:nvSpPr>
-          <p:cNvPr id="6" name="TextBox 5">
-            <a:extLst>
-              <a:ext uri="{FF2B5EF4-FFF2-40B4-BE49-F238E27FC236}">
-                <a16:creationId xmlns:a16="http://schemas.microsoft.com/office/drawing/2014/main" id="{A3974468-B270-439A-94F4-42A72695DBC3}"/>
-              </a:ext>
-            </a:extLst>
-          </p:cNvPr>
-          <p:cNvSpPr txBox="1"/>
-          <p:nvPr/>
-        </p:nvSpPr>
-        <p:spPr>
-          <a:xfrm>
-            <a:off x="8362765" y="1371600"/>
-            <a:ext cx="3506679" cy="2677656"/>
-          </a:xfrm>
-          <a:prstGeom prst="rect">
-            <a:avLst/>
-          </a:prstGeom>
-          <a:noFill/>
-        </p:spPr>
-        <p:txBody>
-          <a:bodyPr wrap="square" rtlCol="0">
-            <a:spAutoFit/>
-          </a:bodyPr>
-          <a:lstStyle/>
-          <a:p>
-            <a:r>
-              <a:rPr lang="en-US" sz="2800" dirty="0"/>
-              <a:t>Data is extreme skewed to the left, which identifies the outliners in the data for Population </a:t>
-            </a:r>
-            <a:r>
-              <a:rPr lang="en-US" sz="2800" dirty="0" err="1"/>
-              <a:t>FastFood</a:t>
-            </a:r>
-            <a:r>
-              <a:rPr lang="en-US" sz="2800" dirty="0"/>
-              <a:t> Ratio.</a:t>
-            </a:r>
-          </a:p>
-        </p:txBody>
-      </p:sp>
-    </p:spTree>
-    <p:extLst>
-      <p:ext uri="{BB962C8B-B14F-4D97-AF65-F5344CB8AC3E}">
-        <p14:creationId xmlns:p14="http://schemas.microsoft.com/office/powerpoint/2010/main" val="491545136"/>
-      </p:ext>
-    </p:extLst>
-  </p:cSld>
-  <p:clrMapOvr>
-    <a:masterClrMapping/>
-  </p:clrMapOvr>
-</p:sld>
-</file>
-
-<file path=ppt/slides/slide15.xml><?xml version="1.0" encoding="utf-8"?>
-<p:sld xmlns:a="http://schemas.openxmlformats.org/drawingml/2006/main" xmlns:r="http://schemas.openxmlformats.org/officeDocument/2006/relationships" xmlns:p="http://schemas.openxmlformats.org/presentationml/2006/main">
-  <p:cSld>
-    <p:spTree>
-      <p:nvGrpSpPr>
-        <p:cNvPr id="1" name=""/>
-        <p:cNvGrpSpPr/>
-        <p:nvPr/>
-      </p:nvGrpSpPr>
-      <p:grpSpPr>
-        <a:xfrm>
-          <a:off x="0" y="0"/>
-          <a:ext cx="0" cy="0"/>
-          <a:chOff x="0" y="0"/>
-          <a:chExt cx="0" cy="0"/>
-        </a:xfrm>
-      </p:grpSpPr>
-      <p:sp>
-        <p:nvSpPr>
-          <p:cNvPr id="2" name="Title 1">
-            <a:extLst>
-              <a:ext uri="{FF2B5EF4-FFF2-40B4-BE49-F238E27FC236}">
-                <a16:creationId xmlns:a16="http://schemas.microsoft.com/office/drawing/2014/main" id="{EE94FE56-DA85-4DDB-8A5B-C8A020431C32}"/>
-              </a:ext>
-            </a:extLst>
-          </p:cNvPr>
-          <p:cNvSpPr>
-            <a:spLocks noGrp="1"/>
-          </p:cNvSpPr>
-          <p:nvPr>
-            <p:ph type="title"/>
-          </p:nvPr>
-        </p:nvSpPr>
-        <p:spPr>
-          <a:xfrm>
-            <a:off x="1371600" y="392837"/>
-            <a:ext cx="9601200" cy="867792"/>
-          </a:xfrm>
-        </p:spPr>
-        <p:txBody>
-          <a:bodyPr/>
-          <a:lstStyle/>
-          <a:p>
-            <a:r>
-              <a:rPr lang="en-US" dirty="0"/>
               <a:t>Frequency Distribution: (After)</a:t>
             </a:r>
           </a:p>
@@ -11650,8 +13789,8 @@
         </p:nvSpPr>
         <p:spPr>
           <a:xfrm>
-            <a:off x="8478174" y="1371600"/>
-            <a:ext cx="3506679" cy="3539430"/>
+            <a:off x="8105311" y="1558031"/>
+            <a:ext cx="3906175" cy="2677656"/>
           </a:xfrm>
           <a:prstGeom prst="rect">
             <a:avLst/>
@@ -11666,7 +13805,7 @@
           <a:p>
             <a:r>
               <a:rPr lang="en-US" sz="2800" dirty="0"/>
-              <a:t>The data is more spread out after cleaning the data.  The study will focus on the counties that has population </a:t>
+              <a:t>The data is more spread out after cleaning.  The study will focus on the counties that has population </a:t>
             </a:r>
             <a:r>
               <a:rPr lang="en-US" sz="2800" dirty="0" err="1"/>
@@ -11702,7 +13841,7 @@
         </p:blipFill>
         <p:spPr>
           <a:xfrm>
-            <a:off x="1371600" y="1371600"/>
+            <a:off x="980982" y="1389355"/>
             <a:ext cx="6991165" cy="4878280"/>
           </a:xfrm>
         </p:spPr>
@@ -11720,7 +13859,7 @@
 </p:sld>
 </file>
 
-<file path=ppt/slides/slide16.xml><?xml version="1.0" encoding="utf-8"?>
+<file path=ppt/slides/slide18.xml><?xml version="1.0" encoding="utf-8"?>
 <p:sld xmlns:a="http://schemas.openxmlformats.org/drawingml/2006/main" xmlns:r="http://schemas.openxmlformats.org/officeDocument/2006/relationships" xmlns:p="http://schemas.openxmlformats.org/presentationml/2006/main">
   <p:cSld>
     <p:spTree>
@@ -12005,7 +14144,7 @@
 </p:sld>
 </file>
 
-<file path=ppt/slides/slide17.xml><?xml version="1.0" encoding="utf-8"?>
+<file path=ppt/slides/slide19.xml><?xml version="1.0" encoding="utf-8"?>
 <p:sld xmlns:a="http://schemas.openxmlformats.org/drawingml/2006/main" xmlns:r="http://schemas.openxmlformats.org/officeDocument/2006/relationships" xmlns:p="http://schemas.openxmlformats.org/presentationml/2006/main">
   <p:cSld>
     <p:spTree>
@@ -12098,200 +14237,6 @@
     <p:extLst>
       <p:ext uri="{BB962C8B-B14F-4D97-AF65-F5344CB8AC3E}">
         <p14:creationId xmlns:p14="http://schemas.microsoft.com/office/powerpoint/2010/main" val="3234342363"/>
-      </p:ext>
-    </p:extLst>
-  </p:cSld>
-  <p:clrMapOvr>
-    <a:masterClrMapping/>
-  </p:clrMapOvr>
-</p:sld>
-</file>
-
-<file path=ppt/slides/slide18.xml><?xml version="1.0" encoding="utf-8"?>
-<p:sld xmlns:a="http://schemas.openxmlformats.org/drawingml/2006/main" xmlns:r="http://schemas.openxmlformats.org/officeDocument/2006/relationships" xmlns:p="http://schemas.openxmlformats.org/presentationml/2006/main">
-  <p:cSld>
-    <p:spTree>
-      <p:nvGrpSpPr>
-        <p:cNvPr id="1" name=""/>
-        <p:cNvGrpSpPr/>
-        <p:nvPr/>
-      </p:nvGrpSpPr>
-      <p:grpSpPr>
-        <a:xfrm>
-          <a:off x="0" y="0"/>
-          <a:ext cx="0" cy="0"/>
-          <a:chOff x="0" y="0"/>
-          <a:chExt cx="0" cy="0"/>
-        </a:xfrm>
-      </p:grpSpPr>
-      <p:sp>
-        <p:nvSpPr>
-          <p:cNvPr id="2" name="Title 1">
-            <a:extLst>
-              <a:ext uri="{FF2B5EF4-FFF2-40B4-BE49-F238E27FC236}">
-                <a16:creationId xmlns:a16="http://schemas.microsoft.com/office/drawing/2014/main" id="{EE94FE56-DA85-4DDB-8A5B-C8A020431C32}"/>
-              </a:ext>
-            </a:extLst>
-          </p:cNvPr>
-          <p:cNvSpPr>
-            <a:spLocks noGrp="1"/>
-          </p:cNvSpPr>
-          <p:nvPr>
-            <p:ph type="title"/>
-          </p:nvPr>
-        </p:nvSpPr>
-        <p:spPr>
-          <a:xfrm>
-            <a:off x="1371600" y="392837"/>
-            <a:ext cx="10258148" cy="867792"/>
-          </a:xfrm>
-        </p:spPr>
-        <p:txBody>
-          <a:bodyPr>
-            <a:normAutofit fontScale="90000"/>
-          </a:bodyPr>
-          <a:lstStyle/>
-          <a:p>
-            <a:r>
-              <a:rPr lang="en-US" dirty="0"/>
-              <a:t>Diabetes vs Population </a:t>
-            </a:r>
-            <a:r>
-              <a:rPr lang="en-US" dirty="0" err="1"/>
-              <a:t>FastFood</a:t>
-            </a:r>
-            <a:r>
-              <a:rPr lang="en-US" dirty="0"/>
-              <a:t> Ratio: (After)</a:t>
-            </a:r>
-          </a:p>
-        </p:txBody>
-      </p:sp>
-      <p:pic>
-        <p:nvPicPr>
-          <p:cNvPr id="6" name="Content Placeholder 5">
-            <a:extLst>
-              <a:ext uri="{FF2B5EF4-FFF2-40B4-BE49-F238E27FC236}">
-                <a16:creationId xmlns:a16="http://schemas.microsoft.com/office/drawing/2014/main" id="{DF849CDB-EBD6-41A4-9140-BD18703429BC}"/>
-              </a:ext>
-            </a:extLst>
-          </p:cNvPr>
-          <p:cNvPicPr>
-            <a:picLocks noGrp="1" noChangeAspect="1"/>
-          </p:cNvPicPr>
-          <p:nvPr>
-            <p:ph idx="1"/>
-          </p:nvPr>
-        </p:nvPicPr>
-        <p:blipFill>
-          <a:blip r:embed="rId2"/>
-          <a:stretch>
-            <a:fillRect/>
-          </a:stretch>
-        </p:blipFill>
-        <p:spPr>
-          <a:xfrm>
-            <a:off x="1371600" y="1189608"/>
-            <a:ext cx="8251794" cy="5501196"/>
-          </a:xfrm>
-        </p:spPr>
-      </p:pic>
-    </p:spTree>
-    <p:extLst>
-      <p:ext uri="{BB962C8B-B14F-4D97-AF65-F5344CB8AC3E}">
-        <p14:creationId xmlns:p14="http://schemas.microsoft.com/office/powerpoint/2010/main" val="4151551627"/>
-      </p:ext>
-    </p:extLst>
-  </p:cSld>
-  <p:clrMapOvr>
-    <a:masterClrMapping/>
-  </p:clrMapOvr>
-</p:sld>
-</file>
-
-<file path=ppt/slides/slide19.xml><?xml version="1.0" encoding="utf-8"?>
-<p:sld xmlns:a="http://schemas.openxmlformats.org/drawingml/2006/main" xmlns:r="http://schemas.openxmlformats.org/officeDocument/2006/relationships" xmlns:p="http://schemas.openxmlformats.org/presentationml/2006/main">
-  <p:cSld>
-    <p:spTree>
-      <p:nvGrpSpPr>
-        <p:cNvPr id="1" name=""/>
-        <p:cNvGrpSpPr/>
-        <p:nvPr/>
-      </p:nvGrpSpPr>
-      <p:grpSpPr>
-        <a:xfrm>
-          <a:off x="0" y="0"/>
-          <a:ext cx="0" cy="0"/>
-          <a:chOff x="0" y="0"/>
-          <a:chExt cx="0" cy="0"/>
-        </a:xfrm>
-      </p:grpSpPr>
-      <p:sp>
-        <p:nvSpPr>
-          <p:cNvPr id="2" name="Title 1">
-            <a:extLst>
-              <a:ext uri="{FF2B5EF4-FFF2-40B4-BE49-F238E27FC236}">
-                <a16:creationId xmlns:a16="http://schemas.microsoft.com/office/drawing/2014/main" id="{35E54702-1C34-485B-9D7F-23564EC7D4D4}"/>
-              </a:ext>
-            </a:extLst>
-          </p:cNvPr>
-          <p:cNvSpPr>
-            <a:spLocks noGrp="1"/>
-          </p:cNvSpPr>
-          <p:nvPr>
-            <p:ph type="title"/>
-          </p:nvPr>
-        </p:nvSpPr>
-        <p:spPr>
-          <a:xfrm>
-            <a:off x="1295400" y="332873"/>
-            <a:ext cx="9601200" cy="934453"/>
-          </a:xfrm>
-        </p:spPr>
-        <p:txBody>
-          <a:bodyPr/>
-          <a:lstStyle/>
-          <a:p>
-            <a:r>
-              <a:rPr lang="en-US" dirty="0"/>
-              <a:t>Obesity Rate &amp; Diabetes Rate:</a:t>
-            </a:r>
-          </a:p>
-        </p:txBody>
-      </p:sp>
-      <p:pic>
-        <p:nvPicPr>
-          <p:cNvPr id="5" name="Content Placeholder 4">
-            <a:extLst>
-              <a:ext uri="{FF2B5EF4-FFF2-40B4-BE49-F238E27FC236}">
-                <a16:creationId xmlns:a16="http://schemas.microsoft.com/office/drawing/2014/main" id="{B889D9F4-7EB7-4861-A555-BCE85B39B4E7}"/>
-              </a:ext>
-            </a:extLst>
-          </p:cNvPr>
-          <p:cNvPicPr>
-            <a:picLocks noGrp="1" noChangeAspect="1"/>
-          </p:cNvPicPr>
-          <p:nvPr>
-            <p:ph idx="1"/>
-          </p:nvPr>
-        </p:nvPicPr>
-        <p:blipFill>
-          <a:blip r:embed="rId2"/>
-          <a:stretch>
-            <a:fillRect/>
-          </a:stretch>
-        </p:blipFill>
-        <p:spPr>
-          <a:xfrm>
-            <a:off x="1295400" y="1267326"/>
-            <a:ext cx="8105274" cy="5403516"/>
-          </a:xfrm>
-        </p:spPr>
-      </p:pic>
-    </p:spTree>
-    <p:extLst>
-      <p:ext uri="{BB962C8B-B14F-4D97-AF65-F5344CB8AC3E}">
-        <p14:creationId xmlns:p14="http://schemas.microsoft.com/office/powerpoint/2010/main" val="597438883"/>
       </p:ext>
     </p:extLst>
   </p:cSld>
@@ -12337,7 +14282,7 @@
         <p:spPr>
           <a:xfrm>
             <a:off x="1371600" y="445168"/>
-            <a:ext cx="9601200" cy="1485900"/>
+            <a:ext cx="9601200" cy="872621"/>
           </a:xfrm>
         </p:spPr>
         <p:txBody>
@@ -12369,7 +14314,7 @@
         </p:nvSpPr>
         <p:spPr>
           <a:xfrm>
-            <a:off x="1371600" y="1459832"/>
+            <a:off x="1371600" y="1317789"/>
             <a:ext cx="10483516" cy="5285873"/>
           </a:xfrm>
         </p:spPr>
@@ -12391,7 +14336,7 @@
             <a:pPr marL="0" indent="0">
               <a:buNone/>
             </a:pPr>
-            <a:endParaRPr lang="en-US" dirty="0"/>
+            <a:endParaRPr lang="en-US" sz="1200" dirty="0"/>
           </a:p>
           <a:p>
             <a:pPr marL="0" indent="0">
@@ -12426,14 +14371,19 @@
             </a:pPr>
             <a:r>
               <a:rPr lang="en-US" sz="2800" dirty="0"/>
-              <a:t>There are many factors contribute to the problems.</a:t>
+              <a:t>There are many factors contribute to </a:t>
             </a:r>
+            <a:r>
+              <a:rPr lang="en-US" sz="2800"/>
+              <a:t>the problem.</a:t>
+            </a:r>
+            <a:endParaRPr lang="en-US" sz="2800" dirty="0"/>
           </a:p>
           <a:p>
             <a:pPr marL="0" indent="0">
               <a:buNone/>
             </a:pPr>
-            <a:endParaRPr lang="en-US" dirty="0"/>
+            <a:endParaRPr lang="en-US" sz="1200" dirty="0"/>
           </a:p>
           <a:p>
             <a:pPr marL="0" indent="0" algn="ctr">
@@ -12468,36 +14418,6 @@
           </a:p>
         </p:txBody>
       </p:sp>
-      <p:pic>
-        <p:nvPicPr>
-          <p:cNvPr id="4" name="Picture 3">
-            <a:extLst>
-              <a:ext uri="{FF2B5EF4-FFF2-40B4-BE49-F238E27FC236}">
-                <a16:creationId xmlns:a16="http://schemas.microsoft.com/office/drawing/2014/main" id="{2E3F907D-0445-483F-8406-3E7D98647429}"/>
-              </a:ext>
-            </a:extLst>
-          </p:cNvPr>
-          <p:cNvPicPr>
-            <a:picLocks noChangeAspect="1"/>
-          </p:cNvPicPr>
-          <p:nvPr/>
-        </p:nvPicPr>
-        <p:blipFill>
-          <a:blip r:embed="rId3"/>
-          <a:stretch>
-            <a:fillRect/>
-          </a:stretch>
-        </p:blipFill>
-        <p:spPr>
-          <a:xfrm>
-            <a:off x="1219200" y="266599"/>
-            <a:ext cx="10357282" cy="6324802"/>
-          </a:xfrm>
-          <a:prstGeom prst="rect">
-            <a:avLst/>
-          </a:prstGeom>
-        </p:spPr>
-      </p:pic>
     </p:spTree>
     <p:extLst>
       <p:ext uri="{BB962C8B-B14F-4D97-AF65-F5344CB8AC3E}">
@@ -12542,7 +14462,11 @@
                                           </p:stCondLst>
                                         </p:cTn>
                                         <p:tgtEl>
-                                          <p:spTgt spid="4"/>
+                                          <p:spTgt spid="3">
+                                            <p:txEl>
+                                              <p:pRg st="7" end="7"/>
+                                            </p:txEl>
+                                          </p:spTgt>
                                         </p:tgtEl>
                                         <p:attrNameLst>
                                           <p:attrName>style.visibility</p:attrName>
@@ -12556,7 +14480,11 @@
                                       <p:cBhvr>
                                         <p:cTn id="7" dur="1000"/>
                                         <p:tgtEl>
-                                          <p:spTgt spid="4"/>
+                                          <p:spTgt spid="3">
+                                            <p:txEl>
+                                              <p:pRg st="7" end="7"/>
+                                            </p:txEl>
+                                          </p:spTgt>
                                         </p:tgtEl>
                                       </p:cBhvr>
                                     </p:animEffect>
@@ -12564,7 +14492,11 @@
                                       <p:cBhvr>
                                         <p:cTn id="8" dur="1000" fill="hold"/>
                                         <p:tgtEl>
-                                          <p:spTgt spid="4"/>
+                                          <p:spTgt spid="3">
+                                            <p:txEl>
+                                              <p:pRg st="7" end="7"/>
+                                            </p:txEl>
+                                          </p:spTgt>
                                         </p:tgtEl>
                                         <p:attrNameLst>
                                           <p:attrName>ppt_x</p:attrName>
@@ -12587,7 +14519,11 @@
                                       <p:cBhvr>
                                         <p:cTn id="9" dur="1000" fill="hold"/>
                                         <p:tgtEl>
-                                          <p:spTgt spid="4"/>
+                                          <p:spTgt spid="3">
+                                            <p:txEl>
+                                              <p:pRg st="7" end="7"/>
+                                            </p:txEl>
+                                          </p:spTgt>
                                         </p:tgtEl>
                                         <p:attrNameLst>
                                           <p:attrName>ppt_y</p:attrName>
@@ -12662,6 +14598,200 @@
           <p:cNvPr id="2" name="Title 1">
             <a:extLst>
               <a:ext uri="{FF2B5EF4-FFF2-40B4-BE49-F238E27FC236}">
+                <a16:creationId xmlns:a16="http://schemas.microsoft.com/office/drawing/2014/main" id="{EE94FE56-DA85-4DDB-8A5B-C8A020431C32}"/>
+              </a:ext>
+            </a:extLst>
+          </p:cNvPr>
+          <p:cNvSpPr>
+            <a:spLocks noGrp="1"/>
+          </p:cNvSpPr>
+          <p:nvPr>
+            <p:ph type="title"/>
+          </p:nvPr>
+        </p:nvSpPr>
+        <p:spPr>
+          <a:xfrm>
+            <a:off x="1371600" y="392837"/>
+            <a:ext cx="10258148" cy="867792"/>
+          </a:xfrm>
+        </p:spPr>
+        <p:txBody>
+          <a:bodyPr>
+            <a:normAutofit fontScale="90000"/>
+          </a:bodyPr>
+          <a:lstStyle/>
+          <a:p>
+            <a:r>
+              <a:rPr lang="en-US" dirty="0"/>
+              <a:t>Diabetes vs Population </a:t>
+            </a:r>
+            <a:r>
+              <a:rPr lang="en-US" dirty="0" err="1"/>
+              <a:t>FastFood</a:t>
+            </a:r>
+            <a:r>
+              <a:rPr lang="en-US" dirty="0"/>
+              <a:t> Ratio: (After)</a:t>
+            </a:r>
+          </a:p>
+        </p:txBody>
+      </p:sp>
+      <p:pic>
+        <p:nvPicPr>
+          <p:cNvPr id="6" name="Content Placeholder 5">
+            <a:extLst>
+              <a:ext uri="{FF2B5EF4-FFF2-40B4-BE49-F238E27FC236}">
+                <a16:creationId xmlns:a16="http://schemas.microsoft.com/office/drawing/2014/main" id="{DF849CDB-EBD6-41A4-9140-BD18703429BC}"/>
+              </a:ext>
+            </a:extLst>
+          </p:cNvPr>
+          <p:cNvPicPr>
+            <a:picLocks noGrp="1" noChangeAspect="1"/>
+          </p:cNvPicPr>
+          <p:nvPr>
+            <p:ph idx="1"/>
+          </p:nvPr>
+        </p:nvPicPr>
+        <p:blipFill>
+          <a:blip r:embed="rId2"/>
+          <a:stretch>
+            <a:fillRect/>
+          </a:stretch>
+        </p:blipFill>
+        <p:spPr>
+          <a:xfrm>
+            <a:off x="1371600" y="1189608"/>
+            <a:ext cx="8251794" cy="5501196"/>
+          </a:xfrm>
+        </p:spPr>
+      </p:pic>
+    </p:spTree>
+    <p:extLst>
+      <p:ext uri="{BB962C8B-B14F-4D97-AF65-F5344CB8AC3E}">
+        <p14:creationId xmlns:p14="http://schemas.microsoft.com/office/powerpoint/2010/main" val="4151551627"/>
+      </p:ext>
+    </p:extLst>
+  </p:cSld>
+  <p:clrMapOvr>
+    <a:masterClrMapping/>
+  </p:clrMapOvr>
+</p:sld>
+</file>
+
+<file path=ppt/slides/slide21.xml><?xml version="1.0" encoding="utf-8"?>
+<p:sld xmlns:a="http://schemas.openxmlformats.org/drawingml/2006/main" xmlns:r="http://schemas.openxmlformats.org/officeDocument/2006/relationships" xmlns:p="http://schemas.openxmlformats.org/presentationml/2006/main">
+  <p:cSld>
+    <p:spTree>
+      <p:nvGrpSpPr>
+        <p:cNvPr id="1" name=""/>
+        <p:cNvGrpSpPr/>
+        <p:nvPr/>
+      </p:nvGrpSpPr>
+      <p:grpSpPr>
+        <a:xfrm>
+          <a:off x="0" y="0"/>
+          <a:ext cx="0" cy="0"/>
+          <a:chOff x="0" y="0"/>
+          <a:chExt cx="0" cy="0"/>
+        </a:xfrm>
+      </p:grpSpPr>
+      <p:sp>
+        <p:nvSpPr>
+          <p:cNvPr id="2" name="Title 1">
+            <a:extLst>
+              <a:ext uri="{FF2B5EF4-FFF2-40B4-BE49-F238E27FC236}">
+                <a16:creationId xmlns:a16="http://schemas.microsoft.com/office/drawing/2014/main" id="{35E54702-1C34-485B-9D7F-23564EC7D4D4}"/>
+              </a:ext>
+            </a:extLst>
+          </p:cNvPr>
+          <p:cNvSpPr>
+            <a:spLocks noGrp="1"/>
+          </p:cNvSpPr>
+          <p:nvPr>
+            <p:ph type="title"/>
+          </p:nvPr>
+        </p:nvSpPr>
+        <p:spPr>
+          <a:xfrm>
+            <a:off x="1295400" y="332873"/>
+            <a:ext cx="9601200" cy="934453"/>
+          </a:xfrm>
+        </p:spPr>
+        <p:txBody>
+          <a:bodyPr/>
+          <a:lstStyle/>
+          <a:p>
+            <a:r>
+              <a:rPr lang="en-US" dirty="0"/>
+              <a:t>Obesity Rate &amp; Diabetes Rate:</a:t>
+            </a:r>
+          </a:p>
+        </p:txBody>
+      </p:sp>
+      <p:pic>
+        <p:nvPicPr>
+          <p:cNvPr id="5" name="Content Placeholder 4">
+            <a:extLst>
+              <a:ext uri="{FF2B5EF4-FFF2-40B4-BE49-F238E27FC236}">
+                <a16:creationId xmlns:a16="http://schemas.microsoft.com/office/drawing/2014/main" id="{B889D9F4-7EB7-4861-A555-BCE85B39B4E7}"/>
+              </a:ext>
+            </a:extLst>
+          </p:cNvPr>
+          <p:cNvPicPr>
+            <a:picLocks noGrp="1" noChangeAspect="1"/>
+          </p:cNvPicPr>
+          <p:nvPr>
+            <p:ph idx="1"/>
+          </p:nvPr>
+        </p:nvPicPr>
+        <p:blipFill>
+          <a:blip r:embed="rId2"/>
+          <a:stretch>
+            <a:fillRect/>
+          </a:stretch>
+        </p:blipFill>
+        <p:spPr>
+          <a:xfrm>
+            <a:off x="1927564" y="1148437"/>
+            <a:ext cx="8336872" cy="5557915"/>
+          </a:xfrm>
+        </p:spPr>
+      </p:pic>
+    </p:spTree>
+    <p:extLst>
+      <p:ext uri="{BB962C8B-B14F-4D97-AF65-F5344CB8AC3E}">
+        <p14:creationId xmlns:p14="http://schemas.microsoft.com/office/powerpoint/2010/main" val="597438883"/>
+      </p:ext>
+    </p:extLst>
+  </p:cSld>
+  <p:clrMapOvr>
+    <a:masterClrMapping/>
+  </p:clrMapOvr>
+</p:sld>
+</file>
+
+<file path=ppt/slides/slide22.xml><?xml version="1.0" encoding="utf-8"?>
+<p:sld xmlns:a="http://schemas.openxmlformats.org/drawingml/2006/main" xmlns:r="http://schemas.openxmlformats.org/officeDocument/2006/relationships" xmlns:p="http://schemas.openxmlformats.org/presentationml/2006/main">
+  <p:cSld>
+    <p:spTree>
+      <p:nvGrpSpPr>
+        <p:cNvPr id="1" name=""/>
+        <p:cNvGrpSpPr/>
+        <p:nvPr/>
+      </p:nvGrpSpPr>
+      <p:grpSpPr>
+        <a:xfrm>
+          <a:off x="0" y="0"/>
+          <a:ext cx="0" cy="0"/>
+          <a:chOff x="0" y="0"/>
+          <a:chExt cx="0" cy="0"/>
+        </a:xfrm>
+      </p:grpSpPr>
+      <p:sp>
+        <p:nvSpPr>
+          <p:cNvPr id="2" name="Title 1">
+            <a:extLst>
+              <a:ext uri="{FF2B5EF4-FFF2-40B4-BE49-F238E27FC236}">
                 <a16:creationId xmlns:a16="http://schemas.microsoft.com/office/drawing/2014/main" id="{0E4E695A-A001-4AD7-8C57-C4EAA75694D4}"/>
               </a:ext>
             </a:extLst>
@@ -12862,7 +14992,7 @@
 </p:sld>
 </file>
 
-<file path=ppt/slides/slide21.xml><?xml version="1.0" encoding="utf-8"?>
+<file path=ppt/slides/slide23.xml><?xml version="1.0" encoding="utf-8"?>
 <p:sld xmlns:a="http://schemas.openxmlformats.org/drawingml/2006/main" xmlns:r="http://schemas.openxmlformats.org/officeDocument/2006/relationships" xmlns:p="http://schemas.openxmlformats.org/presentationml/2006/main">
   <p:cSld>
     <p:spTree>
@@ -12957,7 +15087,7 @@
 </p:sld>
 </file>
 
-<file path=ppt/slides/slide22.xml><?xml version="1.0" encoding="utf-8"?>
+<file path=ppt/slides/slide24.xml><?xml version="1.0" encoding="utf-8"?>
 <p:sld xmlns:a="http://schemas.openxmlformats.org/drawingml/2006/main" xmlns:r="http://schemas.openxmlformats.org/officeDocument/2006/relationships" xmlns:p="http://schemas.openxmlformats.org/presentationml/2006/main">
   <p:cSld>
     <p:spTree>
@@ -13051,7 +15181,7 @@
 </p:sld>
 </file>
 
-<file path=ppt/slides/slide23.xml><?xml version="1.0" encoding="utf-8"?>
+<file path=ppt/slides/slide25.xml><?xml version="1.0" encoding="utf-8"?>
 <p:sld xmlns:a="http://schemas.openxmlformats.org/drawingml/2006/main" xmlns:r="http://schemas.openxmlformats.org/officeDocument/2006/relationships" xmlns:p="http://schemas.openxmlformats.org/presentationml/2006/main">
   <p:cSld>
     <p:spTree>
@@ -13143,7 +15273,7 @@
 </p:sld>
 </file>
 
-<file path=ppt/slides/slide24.xml><?xml version="1.0" encoding="utf-8"?>
+<file path=ppt/slides/slide26.xml><?xml version="1.0" encoding="utf-8"?>
 <p:sld xmlns:a="http://schemas.openxmlformats.org/drawingml/2006/main" xmlns:r="http://schemas.openxmlformats.org/officeDocument/2006/relationships" xmlns:p="http://schemas.openxmlformats.org/presentationml/2006/main">
   <p:cSld>
     <p:spTree>
@@ -14046,7 +16176,7 @@
 </p:sld>
 </file>
 
-<file path=ppt/slides/slide25.xml><?xml version="1.0" encoding="utf-8"?>
+<file path=ppt/slides/slide27.xml><?xml version="1.0" encoding="utf-8"?>
 <p:sld xmlns:a="http://schemas.openxmlformats.org/drawingml/2006/main" xmlns:r="http://schemas.openxmlformats.org/officeDocument/2006/relationships" xmlns:p="http://schemas.openxmlformats.org/presentationml/2006/main">
   <p:cSld>
     <p:spTree>
@@ -15099,7 +17229,7 @@
 </p:sld>
 </file>
 
-<file path=ppt/slides/slide26.xml><?xml version="1.0" encoding="utf-8"?>
+<file path=ppt/slides/slide28.xml><?xml version="1.0" encoding="utf-8"?>
 <p:sld xmlns:a="http://schemas.openxmlformats.org/drawingml/2006/main" xmlns:r="http://schemas.openxmlformats.org/officeDocument/2006/relationships" xmlns:p="http://schemas.openxmlformats.org/presentationml/2006/main">
   <p:cSld>
     <p:spTree>
@@ -16721,7 +18851,7 @@
 </p:sld>
 </file>
 
-<file path=ppt/slides/slide27.xml><?xml version="1.0" encoding="utf-8"?>
+<file path=ppt/slides/slide29.xml><?xml version="1.0" encoding="utf-8"?>
 <p:sld xmlns:a="http://schemas.openxmlformats.org/drawingml/2006/main" xmlns:r="http://schemas.openxmlformats.org/officeDocument/2006/relationships" xmlns:p="http://schemas.openxmlformats.org/presentationml/2006/main">
   <p:cSld>
     <p:spTree>
@@ -16813,7 +18943,117 @@
 </p:sld>
 </file>
 
-<file path=ppt/slides/slide28.xml><?xml version="1.0" encoding="utf-8"?>
+<file path=ppt/slides/slide3.xml><?xml version="1.0" encoding="utf-8"?>
+<p:sld xmlns:a="http://schemas.openxmlformats.org/drawingml/2006/main" xmlns:r="http://schemas.openxmlformats.org/officeDocument/2006/relationships" xmlns:p="http://schemas.openxmlformats.org/presentationml/2006/main">
+  <p:cSld>
+    <p:spTree>
+      <p:nvGrpSpPr>
+        <p:cNvPr id="1" name=""/>
+        <p:cNvGrpSpPr/>
+        <p:nvPr/>
+      </p:nvGrpSpPr>
+      <p:grpSpPr>
+        <a:xfrm>
+          <a:off x="0" y="0"/>
+          <a:ext cx="0" cy="0"/>
+          <a:chOff x="0" y="0"/>
+          <a:chExt cx="0" cy="0"/>
+        </a:xfrm>
+      </p:grpSpPr>
+      <p:sp>
+        <p:nvSpPr>
+          <p:cNvPr id="2" name="Title 1">
+            <a:extLst>
+              <a:ext uri="{FF2B5EF4-FFF2-40B4-BE49-F238E27FC236}">
+                <a16:creationId xmlns:a16="http://schemas.microsoft.com/office/drawing/2014/main" id="{2245E7F4-1BDD-45DC-80C0-4F163E254981}"/>
+              </a:ext>
+            </a:extLst>
+          </p:cNvPr>
+          <p:cNvSpPr>
+            <a:spLocks noGrp="1"/>
+          </p:cNvSpPr>
+          <p:nvPr>
+            <p:ph type="title"/>
+          </p:nvPr>
+        </p:nvSpPr>
+        <p:spPr>
+          <a:xfrm>
+            <a:off x="1371600" y="366204"/>
+            <a:ext cx="9601200" cy="1054223"/>
+          </a:xfrm>
+        </p:spPr>
+        <p:txBody>
+          <a:bodyPr>
+            <a:normAutofit fontScale="90000"/>
+          </a:bodyPr>
+          <a:lstStyle/>
+          <a:p>
+            <a:r>
+              <a:rPr lang="en-US" dirty="0"/>
+              <a:t>Obesity Trend in the US</a:t>
+            </a:r>
+            <a:br>
+              <a:rPr lang="en-US" dirty="0"/>
+            </a:br>
+            <a:r>
+              <a:rPr lang="en-US" sz="1800" dirty="0">
+                <a:hlinkClick r:id="rId2"/>
+              </a:rPr>
+              <a:t>https://www.cdc.gov/obesity/data/prevalence-maps.html</a:t>
+            </a:r>
+            <a:br>
+              <a:rPr lang="en-US" sz="1800" dirty="0"/>
+            </a:br>
+            <a:endParaRPr lang="en-US" sz="1800" dirty="0"/>
+          </a:p>
+        </p:txBody>
+      </p:sp>
+      <p:pic>
+        <p:nvPicPr>
+          <p:cNvPr id="4" name="Content Placeholder 3">
+            <a:extLst>
+              <a:ext uri="{FF2B5EF4-FFF2-40B4-BE49-F238E27FC236}">
+                <a16:creationId xmlns:a16="http://schemas.microsoft.com/office/drawing/2014/main" id="{32068AA1-EFFC-4AAC-B3F0-FC7ABDC42F95}"/>
+              </a:ext>
+            </a:extLst>
+          </p:cNvPr>
+          <p:cNvPicPr>
+            <a:picLocks noGrp="1" noChangeAspect="1"/>
+          </p:cNvPicPr>
+          <p:nvPr>
+            <p:ph idx="1"/>
+          </p:nvPr>
+        </p:nvPicPr>
+        <p:blipFill>
+          <a:blip r:embed="rId3"/>
+          <a:stretch>
+            <a:fillRect/>
+          </a:stretch>
+        </p:blipFill>
+        <p:spPr>
+          <a:xfrm>
+            <a:off x="1913138" y="1420427"/>
+            <a:ext cx="8518124" cy="5199114"/>
+          </a:xfrm>
+          <a:prstGeom prst="rect">
+            <a:avLst/>
+          </a:prstGeom>
+        </p:spPr>
+      </p:pic>
+    </p:spTree>
+    <p:extLst>
+      <p:ext uri="{BB962C8B-B14F-4D97-AF65-F5344CB8AC3E}">
+        <p14:creationId xmlns:p14="http://schemas.microsoft.com/office/powerpoint/2010/main" val="3037787213"/>
+      </p:ext>
+    </p:extLst>
+  </p:cSld>
+  <p:clrMapOvr>
+    <a:masterClrMapping/>
+  </p:clrMapOvr>
+</p:sld>
+</file>
+
+<file path=ppt/slides/slide30.xml><?xml version="1.0" encoding="utf-8"?>
 <p:sld xmlns:a="http://schemas.openxmlformats.org/drawingml/2006/main" xmlns:r="http://schemas.openxmlformats.org/officeDocument/2006/relationships" xmlns:p="http://schemas.openxmlformats.org/presentationml/2006/main">
   <p:cSld>
     <p:spTree>
@@ -16905,7 +19145,7 @@
 </p:sld>
 </file>
 
-<file path=ppt/slides/slide29.xml><?xml version="1.0" encoding="utf-8"?>
+<file path=ppt/slides/slide31.xml><?xml version="1.0" encoding="utf-8"?>
 <p:sld xmlns:a="http://schemas.openxmlformats.org/drawingml/2006/main" xmlns:r="http://schemas.openxmlformats.org/officeDocument/2006/relationships" xmlns:p="http://schemas.openxmlformats.org/presentationml/2006/main">
   <p:cSld>
     <p:spTree>
@@ -17154,116 +19394,563 @@
   <p:clrMapOvr>
     <a:masterClrMapping/>
   </p:clrMapOvr>
+  <p:timing>
+    <p:tnLst>
+      <p:par>
+        <p:cTn id="1" dur="indefinite" restart="never" nodeType="tmRoot">
+          <p:childTnLst>
+            <p:seq concurrent="1" nextAc="seek">
+              <p:cTn id="2" dur="indefinite" nodeType="mainSeq">
+                <p:childTnLst>
+                  <p:par>
+                    <p:cTn id="3" fill="hold">
+                      <p:stCondLst>
+                        <p:cond delay="indefinite"/>
+                      </p:stCondLst>
+                      <p:childTnLst>
+                        <p:par>
+                          <p:cTn id="4" fill="hold">
+                            <p:stCondLst>
+                              <p:cond delay="0"/>
+                            </p:stCondLst>
+                            <p:childTnLst>
+                              <p:par>
+                                <p:cTn id="5" presetID="42" presetClass="entr" presetSubtype="0" fill="hold" nodeType="clickEffect">
+                                  <p:stCondLst>
+                                    <p:cond delay="0"/>
+                                  </p:stCondLst>
+                                  <p:childTnLst>
+                                    <p:set>
+                                      <p:cBhvr>
+                                        <p:cTn id="6" dur="1" fill="hold">
+                                          <p:stCondLst>
+                                            <p:cond delay="0"/>
+                                          </p:stCondLst>
+                                        </p:cTn>
+                                        <p:tgtEl>
+                                          <p:spTgt spid="3">
+                                            <p:txEl>
+                                              <p:pRg st="3" end="3"/>
+                                            </p:txEl>
+                                          </p:spTgt>
+                                        </p:tgtEl>
+                                        <p:attrNameLst>
+                                          <p:attrName>style.visibility</p:attrName>
+                                        </p:attrNameLst>
+                                      </p:cBhvr>
+                                      <p:to>
+                                        <p:strVal val="visible"/>
+                                      </p:to>
+                                    </p:set>
+                                    <p:animEffect transition="in" filter="fade">
+                                      <p:cBhvr>
+                                        <p:cTn id="7" dur="1000"/>
+                                        <p:tgtEl>
+                                          <p:spTgt spid="3">
+                                            <p:txEl>
+                                              <p:pRg st="3" end="3"/>
+                                            </p:txEl>
+                                          </p:spTgt>
+                                        </p:tgtEl>
+                                      </p:cBhvr>
+                                    </p:animEffect>
+                                    <p:anim calcmode="lin" valueType="num">
+                                      <p:cBhvr>
+                                        <p:cTn id="8" dur="1000" fill="hold"/>
+                                        <p:tgtEl>
+                                          <p:spTgt spid="3">
+                                            <p:txEl>
+                                              <p:pRg st="3" end="3"/>
+                                            </p:txEl>
+                                          </p:spTgt>
+                                        </p:tgtEl>
+                                        <p:attrNameLst>
+                                          <p:attrName>ppt_x</p:attrName>
+                                        </p:attrNameLst>
+                                      </p:cBhvr>
+                                      <p:tavLst>
+                                        <p:tav tm="0">
+                                          <p:val>
+                                            <p:strVal val="#ppt_x"/>
+                                          </p:val>
+                                        </p:tav>
+                                        <p:tav tm="100000">
+                                          <p:val>
+                                            <p:strVal val="#ppt_x"/>
+                                          </p:val>
+                                        </p:tav>
+                                      </p:tavLst>
+                                    </p:anim>
+                                    <p:anim calcmode="lin" valueType="num">
+                                      <p:cBhvr>
+                                        <p:cTn id="9" dur="1000" fill="hold"/>
+                                        <p:tgtEl>
+                                          <p:spTgt spid="3">
+                                            <p:txEl>
+                                              <p:pRg st="3" end="3"/>
+                                            </p:txEl>
+                                          </p:spTgt>
+                                        </p:tgtEl>
+                                        <p:attrNameLst>
+                                          <p:attrName>ppt_y</p:attrName>
+                                        </p:attrNameLst>
+                                      </p:cBhvr>
+                                      <p:tavLst>
+                                        <p:tav tm="0">
+                                          <p:val>
+                                            <p:strVal val="#ppt_y+.1"/>
+                                          </p:val>
+                                        </p:tav>
+                                        <p:tav tm="100000">
+                                          <p:val>
+                                            <p:strVal val="#ppt_y"/>
+                                          </p:val>
+                                        </p:tav>
+                                      </p:tavLst>
+                                    </p:anim>
+                                  </p:childTnLst>
+                                </p:cTn>
+                              </p:par>
+                              <p:par>
+                                <p:cTn id="10" presetID="42" presetClass="entr" presetSubtype="0" fill="hold" nodeType="withEffect">
+                                  <p:stCondLst>
+                                    <p:cond delay="0"/>
+                                  </p:stCondLst>
+                                  <p:childTnLst>
+                                    <p:set>
+                                      <p:cBhvr>
+                                        <p:cTn id="11" dur="1" fill="hold">
+                                          <p:stCondLst>
+                                            <p:cond delay="0"/>
+                                          </p:stCondLst>
+                                        </p:cTn>
+                                        <p:tgtEl>
+                                          <p:spTgt spid="3">
+                                            <p:txEl>
+                                              <p:pRg st="4" end="4"/>
+                                            </p:txEl>
+                                          </p:spTgt>
+                                        </p:tgtEl>
+                                        <p:attrNameLst>
+                                          <p:attrName>style.visibility</p:attrName>
+                                        </p:attrNameLst>
+                                      </p:cBhvr>
+                                      <p:to>
+                                        <p:strVal val="visible"/>
+                                      </p:to>
+                                    </p:set>
+                                    <p:animEffect transition="in" filter="fade">
+                                      <p:cBhvr>
+                                        <p:cTn id="12" dur="1000"/>
+                                        <p:tgtEl>
+                                          <p:spTgt spid="3">
+                                            <p:txEl>
+                                              <p:pRg st="4" end="4"/>
+                                            </p:txEl>
+                                          </p:spTgt>
+                                        </p:tgtEl>
+                                      </p:cBhvr>
+                                    </p:animEffect>
+                                    <p:anim calcmode="lin" valueType="num">
+                                      <p:cBhvr>
+                                        <p:cTn id="13" dur="1000" fill="hold"/>
+                                        <p:tgtEl>
+                                          <p:spTgt spid="3">
+                                            <p:txEl>
+                                              <p:pRg st="4" end="4"/>
+                                            </p:txEl>
+                                          </p:spTgt>
+                                        </p:tgtEl>
+                                        <p:attrNameLst>
+                                          <p:attrName>ppt_x</p:attrName>
+                                        </p:attrNameLst>
+                                      </p:cBhvr>
+                                      <p:tavLst>
+                                        <p:tav tm="0">
+                                          <p:val>
+                                            <p:strVal val="#ppt_x"/>
+                                          </p:val>
+                                        </p:tav>
+                                        <p:tav tm="100000">
+                                          <p:val>
+                                            <p:strVal val="#ppt_x"/>
+                                          </p:val>
+                                        </p:tav>
+                                      </p:tavLst>
+                                    </p:anim>
+                                    <p:anim calcmode="lin" valueType="num">
+                                      <p:cBhvr>
+                                        <p:cTn id="14" dur="1000" fill="hold"/>
+                                        <p:tgtEl>
+                                          <p:spTgt spid="3">
+                                            <p:txEl>
+                                              <p:pRg st="4" end="4"/>
+                                            </p:txEl>
+                                          </p:spTgt>
+                                        </p:tgtEl>
+                                        <p:attrNameLst>
+                                          <p:attrName>ppt_y</p:attrName>
+                                        </p:attrNameLst>
+                                      </p:cBhvr>
+                                      <p:tavLst>
+                                        <p:tav tm="0">
+                                          <p:val>
+                                            <p:strVal val="#ppt_y+.1"/>
+                                          </p:val>
+                                        </p:tav>
+                                        <p:tav tm="100000">
+                                          <p:val>
+                                            <p:strVal val="#ppt_y"/>
+                                          </p:val>
+                                        </p:tav>
+                                      </p:tavLst>
+                                    </p:anim>
+                                  </p:childTnLst>
+                                </p:cTn>
+                              </p:par>
+                            </p:childTnLst>
+                          </p:cTn>
+                        </p:par>
+                      </p:childTnLst>
+                    </p:cTn>
+                  </p:par>
+                  <p:par>
+                    <p:cTn id="15" fill="hold">
+                      <p:stCondLst>
+                        <p:cond delay="indefinite"/>
+                      </p:stCondLst>
+                      <p:childTnLst>
+                        <p:par>
+                          <p:cTn id="16" fill="hold">
+                            <p:stCondLst>
+                              <p:cond delay="0"/>
+                            </p:stCondLst>
+                            <p:childTnLst>
+                              <p:par>
+                                <p:cTn id="17" presetID="42" presetClass="entr" presetSubtype="0" fill="hold" nodeType="clickEffect">
+                                  <p:stCondLst>
+                                    <p:cond delay="0"/>
+                                  </p:stCondLst>
+                                  <p:childTnLst>
+                                    <p:set>
+                                      <p:cBhvr>
+                                        <p:cTn id="18" dur="1" fill="hold">
+                                          <p:stCondLst>
+                                            <p:cond delay="0"/>
+                                          </p:stCondLst>
+                                        </p:cTn>
+                                        <p:tgtEl>
+                                          <p:spTgt spid="3">
+                                            <p:txEl>
+                                              <p:pRg st="6" end="6"/>
+                                            </p:txEl>
+                                          </p:spTgt>
+                                        </p:tgtEl>
+                                        <p:attrNameLst>
+                                          <p:attrName>style.visibility</p:attrName>
+                                        </p:attrNameLst>
+                                      </p:cBhvr>
+                                      <p:to>
+                                        <p:strVal val="visible"/>
+                                      </p:to>
+                                    </p:set>
+                                    <p:animEffect transition="in" filter="fade">
+                                      <p:cBhvr>
+                                        <p:cTn id="19" dur="1000"/>
+                                        <p:tgtEl>
+                                          <p:spTgt spid="3">
+                                            <p:txEl>
+                                              <p:pRg st="6" end="6"/>
+                                            </p:txEl>
+                                          </p:spTgt>
+                                        </p:tgtEl>
+                                      </p:cBhvr>
+                                    </p:animEffect>
+                                    <p:anim calcmode="lin" valueType="num">
+                                      <p:cBhvr>
+                                        <p:cTn id="20" dur="1000" fill="hold"/>
+                                        <p:tgtEl>
+                                          <p:spTgt spid="3">
+                                            <p:txEl>
+                                              <p:pRg st="6" end="6"/>
+                                            </p:txEl>
+                                          </p:spTgt>
+                                        </p:tgtEl>
+                                        <p:attrNameLst>
+                                          <p:attrName>ppt_x</p:attrName>
+                                        </p:attrNameLst>
+                                      </p:cBhvr>
+                                      <p:tavLst>
+                                        <p:tav tm="0">
+                                          <p:val>
+                                            <p:strVal val="#ppt_x"/>
+                                          </p:val>
+                                        </p:tav>
+                                        <p:tav tm="100000">
+                                          <p:val>
+                                            <p:strVal val="#ppt_x"/>
+                                          </p:val>
+                                        </p:tav>
+                                      </p:tavLst>
+                                    </p:anim>
+                                    <p:anim calcmode="lin" valueType="num">
+                                      <p:cBhvr>
+                                        <p:cTn id="21" dur="1000" fill="hold"/>
+                                        <p:tgtEl>
+                                          <p:spTgt spid="3">
+                                            <p:txEl>
+                                              <p:pRg st="6" end="6"/>
+                                            </p:txEl>
+                                          </p:spTgt>
+                                        </p:tgtEl>
+                                        <p:attrNameLst>
+                                          <p:attrName>ppt_y</p:attrName>
+                                        </p:attrNameLst>
+                                      </p:cBhvr>
+                                      <p:tavLst>
+                                        <p:tav tm="0">
+                                          <p:val>
+                                            <p:strVal val="#ppt_y+.1"/>
+                                          </p:val>
+                                        </p:tav>
+                                        <p:tav tm="100000">
+                                          <p:val>
+                                            <p:strVal val="#ppt_y"/>
+                                          </p:val>
+                                        </p:tav>
+                                      </p:tavLst>
+                                    </p:anim>
+                                  </p:childTnLst>
+                                </p:cTn>
+                              </p:par>
+                              <p:par>
+                                <p:cTn id="22" presetID="42" presetClass="entr" presetSubtype="0" fill="hold" nodeType="withEffect">
+                                  <p:stCondLst>
+                                    <p:cond delay="0"/>
+                                  </p:stCondLst>
+                                  <p:childTnLst>
+                                    <p:set>
+                                      <p:cBhvr>
+                                        <p:cTn id="23" dur="1" fill="hold">
+                                          <p:stCondLst>
+                                            <p:cond delay="0"/>
+                                          </p:stCondLst>
+                                        </p:cTn>
+                                        <p:tgtEl>
+                                          <p:spTgt spid="3">
+                                            <p:txEl>
+                                              <p:pRg st="7" end="7"/>
+                                            </p:txEl>
+                                          </p:spTgt>
+                                        </p:tgtEl>
+                                        <p:attrNameLst>
+                                          <p:attrName>style.visibility</p:attrName>
+                                        </p:attrNameLst>
+                                      </p:cBhvr>
+                                      <p:to>
+                                        <p:strVal val="visible"/>
+                                      </p:to>
+                                    </p:set>
+                                    <p:animEffect transition="in" filter="fade">
+                                      <p:cBhvr>
+                                        <p:cTn id="24" dur="1000"/>
+                                        <p:tgtEl>
+                                          <p:spTgt spid="3">
+                                            <p:txEl>
+                                              <p:pRg st="7" end="7"/>
+                                            </p:txEl>
+                                          </p:spTgt>
+                                        </p:tgtEl>
+                                      </p:cBhvr>
+                                    </p:animEffect>
+                                    <p:anim calcmode="lin" valueType="num">
+                                      <p:cBhvr>
+                                        <p:cTn id="25" dur="1000" fill="hold"/>
+                                        <p:tgtEl>
+                                          <p:spTgt spid="3">
+                                            <p:txEl>
+                                              <p:pRg st="7" end="7"/>
+                                            </p:txEl>
+                                          </p:spTgt>
+                                        </p:tgtEl>
+                                        <p:attrNameLst>
+                                          <p:attrName>ppt_x</p:attrName>
+                                        </p:attrNameLst>
+                                      </p:cBhvr>
+                                      <p:tavLst>
+                                        <p:tav tm="0">
+                                          <p:val>
+                                            <p:strVal val="#ppt_x"/>
+                                          </p:val>
+                                        </p:tav>
+                                        <p:tav tm="100000">
+                                          <p:val>
+                                            <p:strVal val="#ppt_x"/>
+                                          </p:val>
+                                        </p:tav>
+                                      </p:tavLst>
+                                    </p:anim>
+                                    <p:anim calcmode="lin" valueType="num">
+                                      <p:cBhvr>
+                                        <p:cTn id="26" dur="1000" fill="hold"/>
+                                        <p:tgtEl>
+                                          <p:spTgt spid="3">
+                                            <p:txEl>
+                                              <p:pRg st="7" end="7"/>
+                                            </p:txEl>
+                                          </p:spTgt>
+                                        </p:tgtEl>
+                                        <p:attrNameLst>
+                                          <p:attrName>ppt_y</p:attrName>
+                                        </p:attrNameLst>
+                                      </p:cBhvr>
+                                      <p:tavLst>
+                                        <p:tav tm="0">
+                                          <p:val>
+                                            <p:strVal val="#ppt_y+.1"/>
+                                          </p:val>
+                                        </p:tav>
+                                        <p:tav tm="100000">
+                                          <p:val>
+                                            <p:strVal val="#ppt_y"/>
+                                          </p:val>
+                                        </p:tav>
+                                      </p:tavLst>
+                                    </p:anim>
+                                  </p:childTnLst>
+                                </p:cTn>
+                              </p:par>
+                            </p:childTnLst>
+                          </p:cTn>
+                        </p:par>
+                      </p:childTnLst>
+                    </p:cTn>
+                  </p:par>
+                  <p:par>
+                    <p:cTn id="27" fill="hold">
+                      <p:stCondLst>
+                        <p:cond delay="indefinite"/>
+                      </p:stCondLst>
+                      <p:childTnLst>
+                        <p:par>
+                          <p:cTn id="28" fill="hold">
+                            <p:stCondLst>
+                              <p:cond delay="0"/>
+                            </p:stCondLst>
+                            <p:childTnLst>
+                              <p:par>
+                                <p:cTn id="29" presetID="42" presetClass="entr" presetSubtype="0" fill="hold" nodeType="clickEffect">
+                                  <p:stCondLst>
+                                    <p:cond delay="0"/>
+                                  </p:stCondLst>
+                                  <p:childTnLst>
+                                    <p:set>
+                                      <p:cBhvr>
+                                        <p:cTn id="30" dur="1" fill="hold">
+                                          <p:stCondLst>
+                                            <p:cond delay="0"/>
+                                          </p:stCondLst>
+                                        </p:cTn>
+                                        <p:tgtEl>
+                                          <p:spTgt spid="1028"/>
+                                        </p:tgtEl>
+                                        <p:attrNameLst>
+                                          <p:attrName>style.visibility</p:attrName>
+                                        </p:attrNameLst>
+                                      </p:cBhvr>
+                                      <p:to>
+                                        <p:strVal val="visible"/>
+                                      </p:to>
+                                    </p:set>
+                                    <p:animEffect transition="in" filter="fade">
+                                      <p:cBhvr>
+                                        <p:cTn id="31" dur="1000"/>
+                                        <p:tgtEl>
+                                          <p:spTgt spid="1028"/>
+                                        </p:tgtEl>
+                                      </p:cBhvr>
+                                    </p:animEffect>
+                                    <p:anim calcmode="lin" valueType="num">
+                                      <p:cBhvr>
+                                        <p:cTn id="32" dur="1000" fill="hold"/>
+                                        <p:tgtEl>
+                                          <p:spTgt spid="1028"/>
+                                        </p:tgtEl>
+                                        <p:attrNameLst>
+                                          <p:attrName>ppt_x</p:attrName>
+                                        </p:attrNameLst>
+                                      </p:cBhvr>
+                                      <p:tavLst>
+                                        <p:tav tm="0">
+                                          <p:val>
+                                            <p:strVal val="#ppt_x"/>
+                                          </p:val>
+                                        </p:tav>
+                                        <p:tav tm="100000">
+                                          <p:val>
+                                            <p:strVal val="#ppt_x"/>
+                                          </p:val>
+                                        </p:tav>
+                                      </p:tavLst>
+                                    </p:anim>
+                                    <p:anim calcmode="lin" valueType="num">
+                                      <p:cBhvr>
+                                        <p:cTn id="33" dur="1000" fill="hold"/>
+                                        <p:tgtEl>
+                                          <p:spTgt spid="1028"/>
+                                        </p:tgtEl>
+                                        <p:attrNameLst>
+                                          <p:attrName>ppt_y</p:attrName>
+                                        </p:attrNameLst>
+                                      </p:cBhvr>
+                                      <p:tavLst>
+                                        <p:tav tm="0">
+                                          <p:val>
+                                            <p:strVal val="#ppt_y+.1"/>
+                                          </p:val>
+                                        </p:tav>
+                                        <p:tav tm="100000">
+                                          <p:val>
+                                            <p:strVal val="#ppt_y"/>
+                                          </p:val>
+                                        </p:tav>
+                                      </p:tavLst>
+                                    </p:anim>
+                                  </p:childTnLst>
+                                </p:cTn>
+                              </p:par>
+                            </p:childTnLst>
+                          </p:cTn>
+                        </p:par>
+                      </p:childTnLst>
+                    </p:cTn>
+                  </p:par>
+                </p:childTnLst>
+              </p:cTn>
+              <p:prevCondLst>
+                <p:cond evt="onPrev" delay="0">
+                  <p:tgtEl>
+                    <p:sldTgt/>
+                  </p:tgtEl>
+                </p:cond>
+              </p:prevCondLst>
+              <p:nextCondLst>
+                <p:cond evt="onNext" delay="0">
+                  <p:tgtEl>
+                    <p:sldTgt/>
+                  </p:tgtEl>
+                </p:cond>
+              </p:nextCondLst>
+            </p:seq>
+          </p:childTnLst>
+        </p:cTn>
+      </p:par>
+    </p:tnLst>
+  </p:timing>
 </p:sld>
 </file>
 
-<file path=ppt/slides/slide3.xml><?xml version="1.0" encoding="utf-8"?>
-<p:sld xmlns:a="http://schemas.openxmlformats.org/drawingml/2006/main" xmlns:r="http://schemas.openxmlformats.org/officeDocument/2006/relationships" xmlns:p="http://schemas.openxmlformats.org/presentationml/2006/main">
-  <p:cSld>
-    <p:spTree>
-      <p:nvGrpSpPr>
-        <p:cNvPr id="1" name=""/>
-        <p:cNvGrpSpPr/>
-        <p:nvPr/>
-      </p:nvGrpSpPr>
-      <p:grpSpPr>
-        <a:xfrm>
-          <a:off x="0" y="0"/>
-          <a:ext cx="0" cy="0"/>
-          <a:chOff x="0" y="0"/>
-          <a:chExt cx="0" cy="0"/>
-        </a:xfrm>
-      </p:grpSpPr>
-      <p:sp>
-        <p:nvSpPr>
-          <p:cNvPr id="2" name="Title 1">
-            <a:extLst>
-              <a:ext uri="{FF2B5EF4-FFF2-40B4-BE49-F238E27FC236}">
-                <a16:creationId xmlns:a16="http://schemas.microsoft.com/office/drawing/2014/main" id="{FA20549F-B536-483C-ACCB-1A5E4B43F385}"/>
-              </a:ext>
-            </a:extLst>
-          </p:cNvPr>
-          <p:cNvSpPr>
-            <a:spLocks noGrp="1"/>
-          </p:cNvSpPr>
-          <p:nvPr>
-            <p:ph type="title"/>
-          </p:nvPr>
-        </p:nvSpPr>
-        <p:spPr>
-          <a:xfrm>
-            <a:off x="1371600" y="381000"/>
-            <a:ext cx="9601200" cy="998621"/>
-          </a:xfrm>
-        </p:spPr>
-        <p:txBody>
-          <a:bodyPr>
-            <a:normAutofit/>
-          </a:bodyPr>
-          <a:lstStyle/>
-          <a:p>
-            <a:r>
-              <a:rPr lang="en-US" dirty="0"/>
-              <a:t>Obesity Prevalence in the U.S. (2017)</a:t>
-            </a:r>
-            <a:br>
-              <a:rPr lang="en-US" dirty="0"/>
-            </a:br>
-            <a:r>
-              <a:rPr lang="en-US" sz="1600" dirty="0">
-                <a:hlinkClick r:id="rId2"/>
-              </a:rPr>
-              <a:t>https://www.cdc.gov/obesity/data/prevalence-maps.html</a:t>
-            </a:r>
-            <a:endParaRPr lang="en-US" sz="1600" dirty="0"/>
-          </a:p>
-        </p:txBody>
-      </p:sp>
-      <p:pic>
-        <p:nvPicPr>
-          <p:cNvPr id="4" name="Content Placeholder 3">
-            <a:extLst>
-              <a:ext uri="{FF2B5EF4-FFF2-40B4-BE49-F238E27FC236}">
-                <a16:creationId xmlns:a16="http://schemas.microsoft.com/office/drawing/2014/main" id="{0DF77438-A8AA-4DB8-8E94-0BDD9DB543E2}"/>
-              </a:ext>
-            </a:extLst>
-          </p:cNvPr>
-          <p:cNvPicPr>
-            <a:picLocks noGrp="1" noChangeAspect="1"/>
-          </p:cNvPicPr>
-          <p:nvPr>
-            <p:ph idx="1"/>
-          </p:nvPr>
-        </p:nvPicPr>
-        <p:blipFill rotWithShape="1">
-          <a:blip r:embed="rId3"/>
-          <a:srcRect l="29655" t="11869" r="5088" b="10639"/>
-          <a:stretch/>
-        </p:blipFill>
-        <p:spPr>
-          <a:xfrm>
-            <a:off x="1371600" y="1403266"/>
-            <a:ext cx="7868653" cy="5255896"/>
-          </a:xfrm>
-          <a:prstGeom prst="rect">
-            <a:avLst/>
-          </a:prstGeom>
-        </p:spPr>
-      </p:pic>
-    </p:spTree>
-    <p:extLst>
-      <p:ext uri="{BB962C8B-B14F-4D97-AF65-F5344CB8AC3E}">
-        <p14:creationId xmlns:p14="http://schemas.microsoft.com/office/powerpoint/2010/main" val="3996062539"/>
-      </p:ext>
-    </p:extLst>
-  </p:cSld>
-  <p:clrMapOvr>
-    <a:masterClrMapping/>
-  </p:clrMapOvr>
-</p:sld>
-</file>
-
-<file path=ppt/slides/slide30.xml><?xml version="1.0" encoding="utf-8"?>
+<file path=ppt/slides/slide32.xml><?xml version="1.0" encoding="utf-8"?>
 <p:sld xmlns:a="http://schemas.openxmlformats.org/drawingml/2006/main" xmlns:r="http://schemas.openxmlformats.org/officeDocument/2006/relationships" xmlns:p="http://schemas.openxmlformats.org/presentationml/2006/main">
   <p:cSld>
     <p:spTree>
@@ -17336,7 +20023,9 @@
           </a:xfrm>
         </p:spPr>
         <p:txBody>
-          <a:bodyPr/>
+          <a:bodyPr>
+            <a:normAutofit lnSpcReduction="10000"/>
+          </a:bodyPr>
           <a:lstStyle/>
           <a:p>
             <a:pPr marL="0" indent="0">
@@ -17463,7 +20152,7 @@
             </a:pPr>
             <a:r>
               <a:rPr lang="en-US" sz="2400" dirty="0"/>
-              <a:t>According to the CDC report, at least we know which part of the country is most prevalence regions in the country and focus on studying the causes of the high prevalence rate.</a:t>
+              <a:t>According to the CDC report, at least we know which part of the country is the most prevalence regions in the country, so that we focus our study in those counties.</a:t>
             </a:r>
           </a:p>
           <a:p>
@@ -17476,6 +20165,27 @@
             <a:pPr marL="0" indent="0">
               <a:buNone/>
             </a:pPr>
+            <a:r>
+              <a:rPr lang="en-US" sz="2400" dirty="0"/>
+              <a:t>Obesity Epidemic is a very complex social issue in the U.S., just like problems we due with everyday.  Using the big data will help us understand the problem.  However, isn’t this problem just as simple as caloric intake and output?</a:t>
+            </a:r>
+          </a:p>
+          <a:p>
+            <a:pPr marL="0" indent="0">
+              <a:buNone/>
+            </a:pPr>
+            <a:r>
+              <a:rPr lang="en-US" sz="2400" dirty="0"/>
+              <a:t>My Final suggestion to you all is to </a:t>
+            </a:r>
+            <a:r>
+              <a:rPr lang="en-US" sz="2400" b="1" u="sng" dirty="0"/>
+              <a:t>eat healthily and exercise more</a:t>
+            </a:r>
+            <a:r>
+              <a:rPr lang="en-US" sz="2400" dirty="0"/>
+              <a:t>!  </a:t>
+            </a:r>
             <a:endParaRPr lang="en-US" dirty="0"/>
           </a:p>
         </p:txBody>
@@ -17490,10 +20200,252 @@
   <p:clrMapOvr>
     <a:masterClrMapping/>
   </p:clrMapOvr>
+  <p:timing>
+    <p:tnLst>
+      <p:par>
+        <p:cTn id="1" dur="indefinite" restart="never" nodeType="tmRoot">
+          <p:childTnLst>
+            <p:seq concurrent="1" nextAc="seek">
+              <p:cTn id="2" dur="indefinite" nodeType="mainSeq">
+                <p:childTnLst>
+                  <p:par>
+                    <p:cTn id="3" fill="hold">
+                      <p:stCondLst>
+                        <p:cond delay="indefinite"/>
+                      </p:stCondLst>
+                      <p:childTnLst>
+                        <p:par>
+                          <p:cTn id="4" fill="hold">
+                            <p:stCondLst>
+                              <p:cond delay="0"/>
+                            </p:stCondLst>
+                            <p:childTnLst>
+                              <p:par>
+                                <p:cTn id="5" presetID="42" presetClass="entr" presetSubtype="0" fill="hold" nodeType="clickEffect">
+                                  <p:stCondLst>
+                                    <p:cond delay="0"/>
+                                  </p:stCondLst>
+                                  <p:childTnLst>
+                                    <p:set>
+                                      <p:cBhvr>
+                                        <p:cTn id="6" dur="1" fill="hold">
+                                          <p:stCondLst>
+                                            <p:cond delay="0"/>
+                                          </p:stCondLst>
+                                        </p:cTn>
+                                        <p:tgtEl>
+                                          <p:spTgt spid="3">
+                                            <p:txEl>
+                                              <p:pRg st="4" end="4"/>
+                                            </p:txEl>
+                                          </p:spTgt>
+                                        </p:tgtEl>
+                                        <p:attrNameLst>
+                                          <p:attrName>style.visibility</p:attrName>
+                                        </p:attrNameLst>
+                                      </p:cBhvr>
+                                      <p:to>
+                                        <p:strVal val="visible"/>
+                                      </p:to>
+                                    </p:set>
+                                    <p:animEffect transition="in" filter="fade">
+                                      <p:cBhvr>
+                                        <p:cTn id="7" dur="1000"/>
+                                        <p:tgtEl>
+                                          <p:spTgt spid="3">
+                                            <p:txEl>
+                                              <p:pRg st="4" end="4"/>
+                                            </p:txEl>
+                                          </p:spTgt>
+                                        </p:tgtEl>
+                                      </p:cBhvr>
+                                    </p:animEffect>
+                                    <p:anim calcmode="lin" valueType="num">
+                                      <p:cBhvr>
+                                        <p:cTn id="8" dur="1000" fill="hold"/>
+                                        <p:tgtEl>
+                                          <p:spTgt spid="3">
+                                            <p:txEl>
+                                              <p:pRg st="4" end="4"/>
+                                            </p:txEl>
+                                          </p:spTgt>
+                                        </p:tgtEl>
+                                        <p:attrNameLst>
+                                          <p:attrName>ppt_x</p:attrName>
+                                        </p:attrNameLst>
+                                      </p:cBhvr>
+                                      <p:tavLst>
+                                        <p:tav tm="0">
+                                          <p:val>
+                                            <p:strVal val="#ppt_x"/>
+                                          </p:val>
+                                        </p:tav>
+                                        <p:tav tm="100000">
+                                          <p:val>
+                                            <p:strVal val="#ppt_x"/>
+                                          </p:val>
+                                        </p:tav>
+                                      </p:tavLst>
+                                    </p:anim>
+                                    <p:anim calcmode="lin" valueType="num">
+                                      <p:cBhvr>
+                                        <p:cTn id="9" dur="1000" fill="hold"/>
+                                        <p:tgtEl>
+                                          <p:spTgt spid="3">
+                                            <p:txEl>
+                                              <p:pRg st="4" end="4"/>
+                                            </p:txEl>
+                                          </p:spTgt>
+                                        </p:tgtEl>
+                                        <p:attrNameLst>
+                                          <p:attrName>ppt_y</p:attrName>
+                                        </p:attrNameLst>
+                                      </p:cBhvr>
+                                      <p:tavLst>
+                                        <p:tav tm="0">
+                                          <p:val>
+                                            <p:strVal val="#ppt_y+.1"/>
+                                          </p:val>
+                                        </p:tav>
+                                        <p:tav tm="100000">
+                                          <p:val>
+                                            <p:strVal val="#ppt_y"/>
+                                          </p:val>
+                                        </p:tav>
+                                      </p:tavLst>
+                                    </p:anim>
+                                  </p:childTnLst>
+                                </p:cTn>
+                              </p:par>
+                              <p:par>
+                                <p:cTn id="10" presetID="42" presetClass="entr" presetSubtype="0" fill="hold" nodeType="withEffect">
+                                  <p:stCondLst>
+                                    <p:cond delay="0"/>
+                                  </p:stCondLst>
+                                  <p:childTnLst>
+                                    <p:set>
+                                      <p:cBhvr>
+                                        <p:cTn id="11" dur="1" fill="hold">
+                                          <p:stCondLst>
+                                            <p:cond delay="0"/>
+                                          </p:stCondLst>
+                                        </p:cTn>
+                                        <p:tgtEl>
+                                          <p:spTgt spid="3">
+                                            <p:txEl>
+                                              <p:pRg st="5" end="5"/>
+                                            </p:txEl>
+                                          </p:spTgt>
+                                        </p:tgtEl>
+                                        <p:attrNameLst>
+                                          <p:attrName>style.visibility</p:attrName>
+                                        </p:attrNameLst>
+                                      </p:cBhvr>
+                                      <p:to>
+                                        <p:strVal val="visible"/>
+                                      </p:to>
+                                    </p:set>
+                                    <p:animEffect transition="in" filter="fade">
+                                      <p:cBhvr>
+                                        <p:cTn id="12" dur="1000"/>
+                                        <p:tgtEl>
+                                          <p:spTgt spid="3">
+                                            <p:txEl>
+                                              <p:pRg st="5" end="5"/>
+                                            </p:txEl>
+                                          </p:spTgt>
+                                        </p:tgtEl>
+                                      </p:cBhvr>
+                                    </p:animEffect>
+                                    <p:anim calcmode="lin" valueType="num">
+                                      <p:cBhvr>
+                                        <p:cTn id="13" dur="1000" fill="hold"/>
+                                        <p:tgtEl>
+                                          <p:spTgt spid="3">
+                                            <p:txEl>
+                                              <p:pRg st="5" end="5"/>
+                                            </p:txEl>
+                                          </p:spTgt>
+                                        </p:tgtEl>
+                                        <p:attrNameLst>
+                                          <p:attrName>ppt_x</p:attrName>
+                                        </p:attrNameLst>
+                                      </p:cBhvr>
+                                      <p:tavLst>
+                                        <p:tav tm="0">
+                                          <p:val>
+                                            <p:strVal val="#ppt_x"/>
+                                          </p:val>
+                                        </p:tav>
+                                        <p:tav tm="100000">
+                                          <p:val>
+                                            <p:strVal val="#ppt_x"/>
+                                          </p:val>
+                                        </p:tav>
+                                      </p:tavLst>
+                                    </p:anim>
+                                    <p:anim calcmode="lin" valueType="num">
+                                      <p:cBhvr>
+                                        <p:cTn id="14" dur="1000" fill="hold"/>
+                                        <p:tgtEl>
+                                          <p:spTgt spid="3">
+                                            <p:txEl>
+                                              <p:pRg st="5" end="5"/>
+                                            </p:txEl>
+                                          </p:spTgt>
+                                        </p:tgtEl>
+                                        <p:attrNameLst>
+                                          <p:attrName>ppt_y</p:attrName>
+                                        </p:attrNameLst>
+                                      </p:cBhvr>
+                                      <p:tavLst>
+                                        <p:tav tm="0">
+                                          <p:val>
+                                            <p:strVal val="#ppt_y+.1"/>
+                                          </p:val>
+                                        </p:tav>
+                                        <p:tav tm="100000">
+                                          <p:val>
+                                            <p:strVal val="#ppt_y"/>
+                                          </p:val>
+                                        </p:tav>
+                                      </p:tavLst>
+                                    </p:anim>
+                                  </p:childTnLst>
+                                </p:cTn>
+                              </p:par>
+                            </p:childTnLst>
+                          </p:cTn>
+                        </p:par>
+                      </p:childTnLst>
+                    </p:cTn>
+                  </p:par>
+                </p:childTnLst>
+              </p:cTn>
+              <p:prevCondLst>
+                <p:cond evt="onPrev" delay="0">
+                  <p:tgtEl>
+                    <p:sldTgt/>
+                  </p:tgtEl>
+                </p:cond>
+              </p:prevCondLst>
+              <p:nextCondLst>
+                <p:cond evt="onNext" delay="0">
+                  <p:tgtEl>
+                    <p:sldTgt/>
+                  </p:tgtEl>
+                </p:cond>
+              </p:nextCondLst>
+            </p:seq>
+          </p:childTnLst>
+        </p:cTn>
+      </p:par>
+    </p:tnLst>
+  </p:timing>
 </p:sld>
 </file>
 
-<file path=ppt/slides/slide31.xml><?xml version="1.0" encoding="utf-8"?>
+<file path=ppt/slides/slide33.xml><?xml version="1.0" encoding="utf-8"?>
 <p:sld xmlns:a="http://schemas.openxmlformats.org/drawingml/2006/main" xmlns:r="http://schemas.openxmlformats.org/officeDocument/2006/relationships" xmlns:p="http://schemas.openxmlformats.org/presentationml/2006/main">
   <p:cSld>
     <p:spTree>
@@ -17757,6 +20709,112 @@
           <p:cNvPr id="2" name="Title 1">
             <a:extLst>
               <a:ext uri="{FF2B5EF4-FFF2-40B4-BE49-F238E27FC236}">
+                <a16:creationId xmlns:a16="http://schemas.microsoft.com/office/drawing/2014/main" id="{FA20549F-B536-483C-ACCB-1A5E4B43F385}"/>
+              </a:ext>
+            </a:extLst>
+          </p:cNvPr>
+          <p:cNvSpPr>
+            <a:spLocks noGrp="1"/>
+          </p:cNvSpPr>
+          <p:nvPr>
+            <p:ph type="title"/>
+          </p:nvPr>
+        </p:nvSpPr>
+        <p:spPr>
+          <a:xfrm>
+            <a:off x="1371600" y="381000"/>
+            <a:ext cx="9601200" cy="998621"/>
+          </a:xfrm>
+        </p:spPr>
+        <p:txBody>
+          <a:bodyPr>
+            <a:normAutofit/>
+          </a:bodyPr>
+          <a:lstStyle/>
+          <a:p>
+            <a:r>
+              <a:rPr lang="en-US" dirty="0"/>
+              <a:t>Obesity Prevalence in the U.S. (2017)</a:t>
+            </a:r>
+            <a:br>
+              <a:rPr lang="en-US" dirty="0"/>
+            </a:br>
+            <a:r>
+              <a:rPr lang="en-US" sz="1600" dirty="0">
+                <a:hlinkClick r:id="rId2"/>
+              </a:rPr>
+              <a:t>https://www.cdc.gov/obesity/data/prevalence-maps.html</a:t>
+            </a:r>
+            <a:endParaRPr lang="en-US" sz="1600" dirty="0"/>
+          </a:p>
+        </p:txBody>
+      </p:sp>
+      <p:pic>
+        <p:nvPicPr>
+          <p:cNvPr id="4" name="Content Placeholder 3">
+            <a:extLst>
+              <a:ext uri="{FF2B5EF4-FFF2-40B4-BE49-F238E27FC236}">
+                <a16:creationId xmlns:a16="http://schemas.microsoft.com/office/drawing/2014/main" id="{0DF77438-A8AA-4DB8-8E94-0BDD9DB543E2}"/>
+              </a:ext>
+            </a:extLst>
+          </p:cNvPr>
+          <p:cNvPicPr>
+            <a:picLocks noGrp="1" noChangeAspect="1"/>
+          </p:cNvPicPr>
+          <p:nvPr>
+            <p:ph idx="1"/>
+          </p:nvPr>
+        </p:nvPicPr>
+        <p:blipFill rotWithShape="1">
+          <a:blip r:embed="rId3"/>
+          <a:srcRect l="29655" t="11869" r="5088" b="10639"/>
+          <a:stretch/>
+        </p:blipFill>
+        <p:spPr>
+          <a:xfrm>
+            <a:off x="2237873" y="1379621"/>
+            <a:ext cx="7868653" cy="5255896"/>
+          </a:xfrm>
+          <a:prstGeom prst="rect">
+            <a:avLst/>
+          </a:prstGeom>
+        </p:spPr>
+      </p:pic>
+    </p:spTree>
+    <p:extLst>
+      <p:ext uri="{BB962C8B-B14F-4D97-AF65-F5344CB8AC3E}">
+        <p14:creationId xmlns:p14="http://schemas.microsoft.com/office/powerpoint/2010/main" val="3996062539"/>
+      </p:ext>
+    </p:extLst>
+  </p:cSld>
+  <p:clrMapOvr>
+    <a:masterClrMapping/>
+  </p:clrMapOvr>
+</p:sld>
+</file>
+
+<file path=ppt/slides/slide5.xml><?xml version="1.0" encoding="utf-8"?>
+<p:sld xmlns:a="http://schemas.openxmlformats.org/drawingml/2006/main" xmlns:r="http://schemas.openxmlformats.org/officeDocument/2006/relationships" xmlns:p="http://schemas.openxmlformats.org/presentationml/2006/main">
+  <p:cSld>
+    <p:spTree>
+      <p:nvGrpSpPr>
+        <p:cNvPr id="1" name=""/>
+        <p:cNvGrpSpPr/>
+        <p:nvPr/>
+      </p:nvGrpSpPr>
+      <p:grpSpPr>
+        <a:xfrm>
+          <a:off x="0" y="0"/>
+          <a:ext cx="0" cy="0"/>
+          <a:chOff x="0" y="0"/>
+          <a:chExt cx="0" cy="0"/>
+        </a:xfrm>
+      </p:grpSpPr>
+      <p:sp>
+        <p:nvSpPr>
+          <p:cNvPr id="2" name="Title 1">
+            <a:extLst>
+              <a:ext uri="{FF2B5EF4-FFF2-40B4-BE49-F238E27FC236}">
                 <a16:creationId xmlns:a16="http://schemas.microsoft.com/office/drawing/2014/main" id="{35F4AC20-31EF-4522-B1B3-A0AA00F9C058}"/>
               </a:ext>
             </a:extLst>
@@ -17845,7 +20903,7 @@
 </p:sld>
 </file>
 
-<file path=ppt/slides/slide5.xml><?xml version="1.0" encoding="utf-8"?>
+<file path=ppt/slides/slide6.xml><?xml version="1.0" encoding="utf-8"?>
 <p:sld xmlns:a="http://schemas.openxmlformats.org/drawingml/2006/main" xmlns:r="http://schemas.openxmlformats.org/officeDocument/2006/relationships" xmlns:p="http://schemas.openxmlformats.org/presentationml/2006/main">
   <p:cSld>
     <p:spTree>
@@ -17914,14 +20972,105 @@
         <p:spPr>
           <a:xfrm>
             <a:off x="1371599" y="1274617"/>
-            <a:ext cx="10370127" cy="5157355"/>
+            <a:ext cx="10409069" cy="5157355"/>
           </a:xfrm>
         </p:spPr>
         <p:txBody>
-          <a:bodyPr/>
+          <a:bodyPr>
+            <a:normAutofit/>
+          </a:bodyPr>
           <a:lstStyle/>
           <a:p>
+            <a:pPr marL="0" indent="0">
+              <a:buNone/>
+            </a:pPr>
+            <a:r>
+              <a:rPr lang="en-US" dirty="0"/>
+              <a:t>Examining the relationship between the food environment and adult diabetes prevalence by county economic and racial composition:  an ecological study  </a:t>
+            </a:r>
+          </a:p>
+          <a:p>
+            <a:pPr marL="0" indent="0">
+              <a:buNone/>
+            </a:pPr>
+            <a:r>
+              <a:rPr lang="en-US" sz="1200" dirty="0"/>
+              <a:t>(Haynes-Maslow &amp; Leone, Aug 09, 2017)</a:t>
+            </a:r>
+          </a:p>
+          <a:p>
+            <a:pPr marL="0" indent="0">
+              <a:buNone/>
+            </a:pPr>
+            <a:r>
+              <a:rPr lang="en-US" sz="1200" dirty="0"/>
+              <a:t>Link: </a:t>
+            </a:r>
+            <a:r>
+              <a:rPr lang="en-US" sz="1200" dirty="0">
+                <a:hlinkClick r:id="rId2"/>
+              </a:rPr>
+              <a:t>https://www.ncbi.nlm.nih.gov/pmc/articles/Pmc5551001/</a:t>
+            </a:r>
+            <a:endParaRPr lang="en-US" sz="1200" dirty="0"/>
+          </a:p>
+          <a:p>
+            <a:pPr marL="0" indent="0">
+              <a:buNone/>
+            </a:pPr>
+            <a:r>
+              <a:rPr lang="en-US" dirty="0"/>
+              <a:t>Conclusion: The paper failed to find any statistically significant relationship between the density of fast food restaurants with obesity and diabetes rate, except for the low income counties.</a:t>
+            </a:r>
+          </a:p>
+          <a:p>
+            <a:pPr marL="0" indent="0">
+              <a:buNone/>
+            </a:pPr>
             <a:endParaRPr lang="en-US" dirty="0"/>
+          </a:p>
+          <a:p>
+            <a:pPr marL="0" indent="0">
+              <a:buNone/>
+            </a:pPr>
+            <a:r>
+              <a:rPr lang="en-US" dirty="0"/>
+              <a:t>The Epidemiology of Obesity: A Big Picture</a:t>
+            </a:r>
+          </a:p>
+          <a:p>
+            <a:pPr marL="0" indent="0">
+              <a:buNone/>
+            </a:pPr>
+            <a:r>
+              <a:rPr lang="en-US" sz="1200" dirty="0"/>
+              <a:t>(Hruby &amp; Hu, Jul 01, 2016)</a:t>
+            </a:r>
+          </a:p>
+          <a:p>
+            <a:pPr marL="0" indent="0">
+              <a:buNone/>
+            </a:pPr>
+            <a:r>
+              <a:rPr lang="en-US" sz="1200" dirty="0"/>
+              <a:t>Link: </a:t>
+            </a:r>
+            <a:r>
+              <a:rPr lang="en-US" sz="1200" dirty="0">
+                <a:hlinkClick r:id="rId3"/>
+              </a:rPr>
+              <a:t>https://www.ncbi.nlm.nih.gov/pmc/articles/PMC4859313/</a:t>
+            </a:r>
+            <a:endParaRPr lang="en-US" sz="1200" dirty="0"/>
+          </a:p>
+          <a:p>
+            <a:pPr marL="0" indent="0">
+              <a:buNone/>
+            </a:pPr>
+            <a:r>
+              <a:rPr lang="en-US" dirty="0"/>
+              <a:t>Conclusion: The socioeconomic and sociocultural milieus have been shown to affect risk of obesity.  Such factors include genetics, psychological condition, food consumption preference, education attainment, income, physical activity, and family environment. </a:t>
+            </a:r>
           </a:p>
         </p:txBody>
       </p:sp>
@@ -17935,10 +21084,446 @@
   <p:clrMapOvr>
     <a:masterClrMapping/>
   </p:clrMapOvr>
+  <p:timing>
+    <p:tnLst>
+      <p:par>
+        <p:cTn id="1" dur="indefinite" restart="never" nodeType="tmRoot">
+          <p:childTnLst>
+            <p:seq concurrent="1" nextAc="seek">
+              <p:cTn id="2" dur="indefinite" nodeType="mainSeq">
+                <p:childTnLst>
+                  <p:par>
+                    <p:cTn id="3" fill="hold">
+                      <p:stCondLst>
+                        <p:cond delay="indefinite"/>
+                      </p:stCondLst>
+                      <p:childTnLst>
+                        <p:par>
+                          <p:cTn id="4" fill="hold">
+                            <p:stCondLst>
+                              <p:cond delay="0"/>
+                            </p:stCondLst>
+                            <p:childTnLst>
+                              <p:par>
+                                <p:cTn id="5" presetID="42" presetClass="entr" presetSubtype="0" fill="hold" nodeType="clickEffect">
+                                  <p:stCondLst>
+                                    <p:cond delay="0"/>
+                                  </p:stCondLst>
+                                  <p:childTnLst>
+                                    <p:set>
+                                      <p:cBhvr>
+                                        <p:cTn id="6" dur="1" fill="hold">
+                                          <p:stCondLst>
+                                            <p:cond delay="0"/>
+                                          </p:stCondLst>
+                                        </p:cTn>
+                                        <p:tgtEl>
+                                          <p:spTgt spid="3">
+                                            <p:txEl>
+                                              <p:pRg st="5" end="5"/>
+                                            </p:txEl>
+                                          </p:spTgt>
+                                        </p:tgtEl>
+                                        <p:attrNameLst>
+                                          <p:attrName>style.visibility</p:attrName>
+                                        </p:attrNameLst>
+                                      </p:cBhvr>
+                                      <p:to>
+                                        <p:strVal val="visible"/>
+                                      </p:to>
+                                    </p:set>
+                                    <p:animEffect transition="in" filter="fade">
+                                      <p:cBhvr>
+                                        <p:cTn id="7" dur="1000"/>
+                                        <p:tgtEl>
+                                          <p:spTgt spid="3">
+                                            <p:txEl>
+                                              <p:pRg st="5" end="5"/>
+                                            </p:txEl>
+                                          </p:spTgt>
+                                        </p:tgtEl>
+                                      </p:cBhvr>
+                                    </p:animEffect>
+                                    <p:anim calcmode="lin" valueType="num">
+                                      <p:cBhvr>
+                                        <p:cTn id="8" dur="1000" fill="hold"/>
+                                        <p:tgtEl>
+                                          <p:spTgt spid="3">
+                                            <p:txEl>
+                                              <p:pRg st="5" end="5"/>
+                                            </p:txEl>
+                                          </p:spTgt>
+                                        </p:tgtEl>
+                                        <p:attrNameLst>
+                                          <p:attrName>ppt_x</p:attrName>
+                                        </p:attrNameLst>
+                                      </p:cBhvr>
+                                      <p:tavLst>
+                                        <p:tav tm="0">
+                                          <p:val>
+                                            <p:strVal val="#ppt_x"/>
+                                          </p:val>
+                                        </p:tav>
+                                        <p:tav tm="100000">
+                                          <p:val>
+                                            <p:strVal val="#ppt_x"/>
+                                          </p:val>
+                                        </p:tav>
+                                      </p:tavLst>
+                                    </p:anim>
+                                    <p:anim calcmode="lin" valueType="num">
+                                      <p:cBhvr>
+                                        <p:cTn id="9" dur="1000" fill="hold"/>
+                                        <p:tgtEl>
+                                          <p:spTgt spid="3">
+                                            <p:txEl>
+                                              <p:pRg st="5" end="5"/>
+                                            </p:txEl>
+                                          </p:spTgt>
+                                        </p:tgtEl>
+                                        <p:attrNameLst>
+                                          <p:attrName>ppt_y</p:attrName>
+                                        </p:attrNameLst>
+                                      </p:cBhvr>
+                                      <p:tavLst>
+                                        <p:tav tm="0">
+                                          <p:val>
+                                            <p:strVal val="#ppt_y+.1"/>
+                                          </p:val>
+                                        </p:tav>
+                                        <p:tav tm="100000">
+                                          <p:val>
+                                            <p:strVal val="#ppt_y"/>
+                                          </p:val>
+                                        </p:tav>
+                                      </p:tavLst>
+                                    </p:anim>
+                                  </p:childTnLst>
+                                </p:cTn>
+                              </p:par>
+                              <p:par>
+                                <p:cTn id="10" presetID="42" presetClass="entr" presetSubtype="0" fill="hold" nodeType="withEffect">
+                                  <p:stCondLst>
+                                    <p:cond delay="0"/>
+                                  </p:stCondLst>
+                                  <p:childTnLst>
+                                    <p:set>
+                                      <p:cBhvr>
+                                        <p:cTn id="11" dur="1" fill="hold">
+                                          <p:stCondLst>
+                                            <p:cond delay="0"/>
+                                          </p:stCondLst>
+                                        </p:cTn>
+                                        <p:tgtEl>
+                                          <p:spTgt spid="3">
+                                            <p:txEl>
+                                              <p:pRg st="6" end="6"/>
+                                            </p:txEl>
+                                          </p:spTgt>
+                                        </p:tgtEl>
+                                        <p:attrNameLst>
+                                          <p:attrName>style.visibility</p:attrName>
+                                        </p:attrNameLst>
+                                      </p:cBhvr>
+                                      <p:to>
+                                        <p:strVal val="visible"/>
+                                      </p:to>
+                                    </p:set>
+                                    <p:animEffect transition="in" filter="fade">
+                                      <p:cBhvr>
+                                        <p:cTn id="12" dur="1000"/>
+                                        <p:tgtEl>
+                                          <p:spTgt spid="3">
+                                            <p:txEl>
+                                              <p:pRg st="6" end="6"/>
+                                            </p:txEl>
+                                          </p:spTgt>
+                                        </p:tgtEl>
+                                      </p:cBhvr>
+                                    </p:animEffect>
+                                    <p:anim calcmode="lin" valueType="num">
+                                      <p:cBhvr>
+                                        <p:cTn id="13" dur="1000" fill="hold"/>
+                                        <p:tgtEl>
+                                          <p:spTgt spid="3">
+                                            <p:txEl>
+                                              <p:pRg st="6" end="6"/>
+                                            </p:txEl>
+                                          </p:spTgt>
+                                        </p:tgtEl>
+                                        <p:attrNameLst>
+                                          <p:attrName>ppt_x</p:attrName>
+                                        </p:attrNameLst>
+                                      </p:cBhvr>
+                                      <p:tavLst>
+                                        <p:tav tm="0">
+                                          <p:val>
+                                            <p:strVal val="#ppt_x"/>
+                                          </p:val>
+                                        </p:tav>
+                                        <p:tav tm="100000">
+                                          <p:val>
+                                            <p:strVal val="#ppt_x"/>
+                                          </p:val>
+                                        </p:tav>
+                                      </p:tavLst>
+                                    </p:anim>
+                                    <p:anim calcmode="lin" valueType="num">
+                                      <p:cBhvr>
+                                        <p:cTn id="14" dur="1000" fill="hold"/>
+                                        <p:tgtEl>
+                                          <p:spTgt spid="3">
+                                            <p:txEl>
+                                              <p:pRg st="6" end="6"/>
+                                            </p:txEl>
+                                          </p:spTgt>
+                                        </p:tgtEl>
+                                        <p:attrNameLst>
+                                          <p:attrName>ppt_y</p:attrName>
+                                        </p:attrNameLst>
+                                      </p:cBhvr>
+                                      <p:tavLst>
+                                        <p:tav tm="0">
+                                          <p:val>
+                                            <p:strVal val="#ppt_y+.1"/>
+                                          </p:val>
+                                        </p:tav>
+                                        <p:tav tm="100000">
+                                          <p:val>
+                                            <p:strVal val="#ppt_y"/>
+                                          </p:val>
+                                        </p:tav>
+                                      </p:tavLst>
+                                    </p:anim>
+                                  </p:childTnLst>
+                                </p:cTn>
+                              </p:par>
+                              <p:par>
+                                <p:cTn id="15" presetID="42" presetClass="entr" presetSubtype="0" fill="hold" nodeType="withEffect">
+                                  <p:stCondLst>
+                                    <p:cond delay="0"/>
+                                  </p:stCondLst>
+                                  <p:childTnLst>
+                                    <p:set>
+                                      <p:cBhvr>
+                                        <p:cTn id="16" dur="1" fill="hold">
+                                          <p:stCondLst>
+                                            <p:cond delay="0"/>
+                                          </p:stCondLst>
+                                        </p:cTn>
+                                        <p:tgtEl>
+                                          <p:spTgt spid="3">
+                                            <p:txEl>
+                                              <p:pRg st="7" end="7"/>
+                                            </p:txEl>
+                                          </p:spTgt>
+                                        </p:tgtEl>
+                                        <p:attrNameLst>
+                                          <p:attrName>style.visibility</p:attrName>
+                                        </p:attrNameLst>
+                                      </p:cBhvr>
+                                      <p:to>
+                                        <p:strVal val="visible"/>
+                                      </p:to>
+                                    </p:set>
+                                    <p:animEffect transition="in" filter="fade">
+                                      <p:cBhvr>
+                                        <p:cTn id="17" dur="1000"/>
+                                        <p:tgtEl>
+                                          <p:spTgt spid="3">
+                                            <p:txEl>
+                                              <p:pRg st="7" end="7"/>
+                                            </p:txEl>
+                                          </p:spTgt>
+                                        </p:tgtEl>
+                                      </p:cBhvr>
+                                    </p:animEffect>
+                                    <p:anim calcmode="lin" valueType="num">
+                                      <p:cBhvr>
+                                        <p:cTn id="18" dur="1000" fill="hold"/>
+                                        <p:tgtEl>
+                                          <p:spTgt spid="3">
+                                            <p:txEl>
+                                              <p:pRg st="7" end="7"/>
+                                            </p:txEl>
+                                          </p:spTgt>
+                                        </p:tgtEl>
+                                        <p:attrNameLst>
+                                          <p:attrName>ppt_x</p:attrName>
+                                        </p:attrNameLst>
+                                      </p:cBhvr>
+                                      <p:tavLst>
+                                        <p:tav tm="0">
+                                          <p:val>
+                                            <p:strVal val="#ppt_x"/>
+                                          </p:val>
+                                        </p:tav>
+                                        <p:tav tm="100000">
+                                          <p:val>
+                                            <p:strVal val="#ppt_x"/>
+                                          </p:val>
+                                        </p:tav>
+                                      </p:tavLst>
+                                    </p:anim>
+                                    <p:anim calcmode="lin" valueType="num">
+                                      <p:cBhvr>
+                                        <p:cTn id="19" dur="1000" fill="hold"/>
+                                        <p:tgtEl>
+                                          <p:spTgt spid="3">
+                                            <p:txEl>
+                                              <p:pRg st="7" end="7"/>
+                                            </p:txEl>
+                                          </p:spTgt>
+                                        </p:tgtEl>
+                                        <p:attrNameLst>
+                                          <p:attrName>ppt_y</p:attrName>
+                                        </p:attrNameLst>
+                                      </p:cBhvr>
+                                      <p:tavLst>
+                                        <p:tav tm="0">
+                                          <p:val>
+                                            <p:strVal val="#ppt_y+.1"/>
+                                          </p:val>
+                                        </p:tav>
+                                        <p:tav tm="100000">
+                                          <p:val>
+                                            <p:strVal val="#ppt_y"/>
+                                          </p:val>
+                                        </p:tav>
+                                      </p:tavLst>
+                                    </p:anim>
+                                  </p:childTnLst>
+                                </p:cTn>
+                              </p:par>
+                              <p:par>
+                                <p:cTn id="20" presetID="42" presetClass="entr" presetSubtype="0" fill="hold" nodeType="withEffect">
+                                  <p:stCondLst>
+                                    <p:cond delay="0"/>
+                                  </p:stCondLst>
+                                  <p:childTnLst>
+                                    <p:set>
+                                      <p:cBhvr>
+                                        <p:cTn id="21" dur="1" fill="hold">
+                                          <p:stCondLst>
+                                            <p:cond delay="0"/>
+                                          </p:stCondLst>
+                                        </p:cTn>
+                                        <p:tgtEl>
+                                          <p:spTgt spid="3">
+                                            <p:txEl>
+                                              <p:pRg st="8" end="8"/>
+                                            </p:txEl>
+                                          </p:spTgt>
+                                        </p:tgtEl>
+                                        <p:attrNameLst>
+                                          <p:attrName>style.visibility</p:attrName>
+                                        </p:attrNameLst>
+                                      </p:cBhvr>
+                                      <p:to>
+                                        <p:strVal val="visible"/>
+                                      </p:to>
+                                    </p:set>
+                                    <p:animEffect transition="in" filter="fade">
+                                      <p:cBhvr>
+                                        <p:cTn id="22" dur="1000"/>
+                                        <p:tgtEl>
+                                          <p:spTgt spid="3">
+                                            <p:txEl>
+                                              <p:pRg st="8" end="8"/>
+                                            </p:txEl>
+                                          </p:spTgt>
+                                        </p:tgtEl>
+                                      </p:cBhvr>
+                                    </p:animEffect>
+                                    <p:anim calcmode="lin" valueType="num">
+                                      <p:cBhvr>
+                                        <p:cTn id="23" dur="1000" fill="hold"/>
+                                        <p:tgtEl>
+                                          <p:spTgt spid="3">
+                                            <p:txEl>
+                                              <p:pRg st="8" end="8"/>
+                                            </p:txEl>
+                                          </p:spTgt>
+                                        </p:tgtEl>
+                                        <p:attrNameLst>
+                                          <p:attrName>ppt_x</p:attrName>
+                                        </p:attrNameLst>
+                                      </p:cBhvr>
+                                      <p:tavLst>
+                                        <p:tav tm="0">
+                                          <p:val>
+                                            <p:strVal val="#ppt_x"/>
+                                          </p:val>
+                                        </p:tav>
+                                        <p:tav tm="100000">
+                                          <p:val>
+                                            <p:strVal val="#ppt_x"/>
+                                          </p:val>
+                                        </p:tav>
+                                      </p:tavLst>
+                                    </p:anim>
+                                    <p:anim calcmode="lin" valueType="num">
+                                      <p:cBhvr>
+                                        <p:cTn id="24" dur="1000" fill="hold"/>
+                                        <p:tgtEl>
+                                          <p:spTgt spid="3">
+                                            <p:txEl>
+                                              <p:pRg st="8" end="8"/>
+                                            </p:txEl>
+                                          </p:spTgt>
+                                        </p:tgtEl>
+                                        <p:attrNameLst>
+                                          <p:attrName>ppt_y</p:attrName>
+                                        </p:attrNameLst>
+                                      </p:cBhvr>
+                                      <p:tavLst>
+                                        <p:tav tm="0">
+                                          <p:val>
+                                            <p:strVal val="#ppt_y+.1"/>
+                                          </p:val>
+                                        </p:tav>
+                                        <p:tav tm="100000">
+                                          <p:val>
+                                            <p:strVal val="#ppt_y"/>
+                                          </p:val>
+                                        </p:tav>
+                                      </p:tavLst>
+                                    </p:anim>
+                                  </p:childTnLst>
+                                </p:cTn>
+                              </p:par>
+                            </p:childTnLst>
+                          </p:cTn>
+                        </p:par>
+                      </p:childTnLst>
+                    </p:cTn>
+                  </p:par>
+                </p:childTnLst>
+              </p:cTn>
+              <p:prevCondLst>
+                <p:cond evt="onPrev" delay="0">
+                  <p:tgtEl>
+                    <p:sldTgt/>
+                  </p:tgtEl>
+                </p:cond>
+              </p:prevCondLst>
+              <p:nextCondLst>
+                <p:cond evt="onNext" delay="0">
+                  <p:tgtEl>
+                    <p:sldTgt/>
+                  </p:tgtEl>
+                </p:cond>
+              </p:nextCondLst>
+            </p:seq>
+          </p:childTnLst>
+        </p:cTn>
+      </p:par>
+    </p:tnLst>
+  </p:timing>
 </p:sld>
 </file>
 
-<file path=ppt/slides/slide6.xml><?xml version="1.0" encoding="utf-8"?>
+<file path=ppt/slides/slide7.xml><?xml version="1.0" encoding="utf-8"?>
 <p:sld xmlns:a="http://schemas.openxmlformats.org/drawingml/2006/main" xmlns:r="http://schemas.openxmlformats.org/officeDocument/2006/relationships" xmlns:p="http://schemas.openxmlformats.org/presentationml/2006/main">
   <p:cSld>
     <p:spTree>
@@ -17960,7 +21545,7 @@
           <p:cNvPr id="2" name="Title 1">
             <a:extLst>
               <a:ext uri="{FF2B5EF4-FFF2-40B4-BE49-F238E27FC236}">
-                <a16:creationId xmlns:a16="http://schemas.microsoft.com/office/drawing/2014/main" id="{AD328EC7-0A25-4953-A046-DD88D5F56AC8}"/>
+                <a16:creationId xmlns:a16="http://schemas.microsoft.com/office/drawing/2014/main" id="{CBA0851E-B1BD-4E2E-9210-4A2FA2D52FA2}"/>
               </a:ext>
             </a:extLst>
           </p:cNvPr>
@@ -17973,8 +21558,8 @@
         </p:nvSpPr>
         <p:spPr>
           <a:xfrm>
-            <a:off x="1371600" y="429126"/>
-            <a:ext cx="9601200" cy="1485900"/>
+            <a:off x="1371600" y="392836"/>
+            <a:ext cx="9601200" cy="894426"/>
           </a:xfrm>
         </p:spPr>
         <p:txBody>
@@ -17983,7 +21568,7 @@
           <a:p>
             <a:r>
               <a:rPr lang="en-US" dirty="0"/>
-              <a:t>Methodology</a:t>
+              <a:t>Policy Question:</a:t>
             </a:r>
           </a:p>
         </p:txBody>
@@ -17993,7 +21578,7 @@
           <p:cNvPr id="3" name="Content Placeholder 2">
             <a:extLst>
               <a:ext uri="{FF2B5EF4-FFF2-40B4-BE49-F238E27FC236}">
-                <a16:creationId xmlns:a16="http://schemas.microsoft.com/office/drawing/2014/main" id="{09736A4F-48D3-4814-AA5D-6E750CD1FF31}"/>
+                <a16:creationId xmlns:a16="http://schemas.microsoft.com/office/drawing/2014/main" id="{9C3C6871-BC36-4582-AF13-AB0DBF243742}"/>
               </a:ext>
             </a:extLst>
           </p:cNvPr>
@@ -18006,13 +21591,13 @@
         </p:nvSpPr>
         <p:spPr>
           <a:xfrm>
-            <a:off x="1371600" y="1283369"/>
-            <a:ext cx="10563726" cy="5390148"/>
+            <a:off x="1371599" y="1287262"/>
+            <a:ext cx="10231515" cy="5177902"/>
           </a:xfrm>
         </p:spPr>
         <p:txBody>
           <a:bodyPr>
-            <a:noAutofit/>
+            <a:normAutofit/>
           </a:bodyPr>
           <a:lstStyle/>
           <a:p>
@@ -18021,8 +21606,14 @@
             </a:pPr>
             <a:r>
               <a:rPr lang="en-US" sz="2800" dirty="0"/>
-              <a:t>Level 1:  Independence T-Test</a:t>
+              <a:t>Is there any correlation we can find between density of fast food restaurants and obesity or diabetes rate at county level by using the API search on Yelp?</a:t>
             </a:r>
+          </a:p>
+          <a:p>
+            <a:pPr marL="0" indent="0">
+              <a:buNone/>
+            </a:pPr>
+            <a:endParaRPr lang="en-US" sz="2800" dirty="0"/>
           </a:p>
           <a:p>
             <a:pPr marL="0" indent="0">
@@ -18030,14 +21621,8 @@
             </a:pPr>
             <a:r>
               <a:rPr lang="en-US" sz="2800" dirty="0"/>
-              <a:t>Objective: Find any statistical significant difference between low density and high density counties.</a:t>
+              <a:t>Suggested improvement compare to the previous study:</a:t>
             </a:r>
-          </a:p>
-          <a:p>
-            <a:pPr marL="0" indent="0">
-              <a:buNone/>
-            </a:pPr>
-            <a:endParaRPr lang="en-US" dirty="0"/>
           </a:p>
           <a:p>
             <a:pPr marL="0" indent="0">
@@ -18045,40 +21630,7 @@
             </a:pPr>
             <a:r>
               <a:rPr lang="en-US" sz="2800" dirty="0"/>
-              <a:t>Level 2: ANOVA </a:t>
-            </a:r>
-          </a:p>
-          <a:p>
-            <a:pPr marL="0" indent="0">
-              <a:buNone/>
-            </a:pPr>
-            <a:r>
-              <a:rPr lang="en-US" sz="2800" dirty="0"/>
-              <a:t>Objective: Find any statistical significant difference between low, medium, and high density counties.</a:t>
-            </a:r>
-          </a:p>
-          <a:p>
-            <a:pPr marL="0" indent="0">
-              <a:buNone/>
-            </a:pPr>
-            <a:endParaRPr lang="en-US" dirty="0"/>
-          </a:p>
-          <a:p>
-            <a:pPr marL="0" indent="0">
-              <a:buNone/>
-            </a:pPr>
-            <a:r>
-              <a:rPr lang="en-US" sz="2800" dirty="0"/>
-              <a:t>Level 3: Single Variable Regression Model</a:t>
-            </a:r>
-          </a:p>
-          <a:p>
-            <a:pPr marL="0" indent="0">
-              <a:buNone/>
-            </a:pPr>
-            <a:r>
-              <a:rPr lang="en-US" sz="2800" dirty="0"/>
-              <a:t>Objective: Find any correlation between density and obesity rate or diabetes rate.</a:t>
+              <a:t>With the API search method, we can now be more accurate to measure the fast food restaurant density at the county level, instead of using the “U.S. Census Bureau’s County Business Patterns” .</a:t>
             </a:r>
           </a:p>
         </p:txBody>
@@ -18086,17 +21638,259 @@
     </p:spTree>
     <p:extLst>
       <p:ext uri="{BB962C8B-B14F-4D97-AF65-F5344CB8AC3E}">
-        <p14:creationId xmlns:p14="http://schemas.microsoft.com/office/powerpoint/2010/main" val="2818904413"/>
+        <p14:creationId xmlns:p14="http://schemas.microsoft.com/office/powerpoint/2010/main" val="496955836"/>
       </p:ext>
     </p:extLst>
   </p:cSld>
   <p:clrMapOvr>
     <a:masterClrMapping/>
   </p:clrMapOvr>
+  <p:timing>
+    <p:tnLst>
+      <p:par>
+        <p:cTn id="1" dur="indefinite" restart="never" nodeType="tmRoot">
+          <p:childTnLst>
+            <p:seq concurrent="1" nextAc="seek">
+              <p:cTn id="2" dur="indefinite" nodeType="mainSeq">
+                <p:childTnLst>
+                  <p:par>
+                    <p:cTn id="3" fill="hold">
+                      <p:stCondLst>
+                        <p:cond delay="indefinite"/>
+                      </p:stCondLst>
+                      <p:childTnLst>
+                        <p:par>
+                          <p:cTn id="4" fill="hold">
+                            <p:stCondLst>
+                              <p:cond delay="0"/>
+                            </p:stCondLst>
+                            <p:childTnLst>
+                              <p:par>
+                                <p:cTn id="5" presetID="42" presetClass="entr" presetSubtype="0" fill="hold" nodeType="clickEffect">
+                                  <p:stCondLst>
+                                    <p:cond delay="0"/>
+                                  </p:stCondLst>
+                                  <p:childTnLst>
+                                    <p:set>
+                                      <p:cBhvr>
+                                        <p:cTn id="6" dur="1" fill="hold">
+                                          <p:stCondLst>
+                                            <p:cond delay="0"/>
+                                          </p:stCondLst>
+                                        </p:cTn>
+                                        <p:tgtEl>
+                                          <p:spTgt spid="3">
+                                            <p:txEl>
+                                              <p:pRg st="2" end="2"/>
+                                            </p:txEl>
+                                          </p:spTgt>
+                                        </p:tgtEl>
+                                        <p:attrNameLst>
+                                          <p:attrName>style.visibility</p:attrName>
+                                        </p:attrNameLst>
+                                      </p:cBhvr>
+                                      <p:to>
+                                        <p:strVal val="visible"/>
+                                      </p:to>
+                                    </p:set>
+                                    <p:animEffect transition="in" filter="fade">
+                                      <p:cBhvr>
+                                        <p:cTn id="7" dur="1000"/>
+                                        <p:tgtEl>
+                                          <p:spTgt spid="3">
+                                            <p:txEl>
+                                              <p:pRg st="2" end="2"/>
+                                            </p:txEl>
+                                          </p:spTgt>
+                                        </p:tgtEl>
+                                      </p:cBhvr>
+                                    </p:animEffect>
+                                    <p:anim calcmode="lin" valueType="num">
+                                      <p:cBhvr>
+                                        <p:cTn id="8" dur="1000" fill="hold"/>
+                                        <p:tgtEl>
+                                          <p:spTgt spid="3">
+                                            <p:txEl>
+                                              <p:pRg st="2" end="2"/>
+                                            </p:txEl>
+                                          </p:spTgt>
+                                        </p:tgtEl>
+                                        <p:attrNameLst>
+                                          <p:attrName>ppt_x</p:attrName>
+                                        </p:attrNameLst>
+                                      </p:cBhvr>
+                                      <p:tavLst>
+                                        <p:tav tm="0">
+                                          <p:val>
+                                            <p:strVal val="#ppt_x"/>
+                                          </p:val>
+                                        </p:tav>
+                                        <p:tav tm="100000">
+                                          <p:val>
+                                            <p:strVal val="#ppt_x"/>
+                                          </p:val>
+                                        </p:tav>
+                                      </p:tavLst>
+                                    </p:anim>
+                                    <p:anim calcmode="lin" valueType="num">
+                                      <p:cBhvr>
+                                        <p:cTn id="9" dur="1000" fill="hold"/>
+                                        <p:tgtEl>
+                                          <p:spTgt spid="3">
+                                            <p:txEl>
+                                              <p:pRg st="2" end="2"/>
+                                            </p:txEl>
+                                          </p:spTgt>
+                                        </p:tgtEl>
+                                        <p:attrNameLst>
+                                          <p:attrName>ppt_y</p:attrName>
+                                        </p:attrNameLst>
+                                      </p:cBhvr>
+                                      <p:tavLst>
+                                        <p:tav tm="0">
+                                          <p:val>
+                                            <p:strVal val="#ppt_y+.1"/>
+                                          </p:val>
+                                        </p:tav>
+                                        <p:tav tm="100000">
+                                          <p:val>
+                                            <p:strVal val="#ppt_y"/>
+                                          </p:val>
+                                        </p:tav>
+                                      </p:tavLst>
+                                    </p:anim>
+                                  </p:childTnLst>
+                                </p:cTn>
+                              </p:par>
+                              <p:par>
+                                <p:cTn id="10" presetID="42" presetClass="entr" presetSubtype="0" fill="hold" nodeType="withEffect">
+                                  <p:stCondLst>
+                                    <p:cond delay="0"/>
+                                  </p:stCondLst>
+                                  <p:childTnLst>
+                                    <p:set>
+                                      <p:cBhvr>
+                                        <p:cTn id="11" dur="1" fill="hold">
+                                          <p:stCondLst>
+                                            <p:cond delay="0"/>
+                                          </p:stCondLst>
+                                        </p:cTn>
+                                        <p:tgtEl>
+                                          <p:spTgt spid="3">
+                                            <p:txEl>
+                                              <p:pRg st="3" end="3"/>
+                                            </p:txEl>
+                                          </p:spTgt>
+                                        </p:tgtEl>
+                                        <p:attrNameLst>
+                                          <p:attrName>style.visibility</p:attrName>
+                                        </p:attrNameLst>
+                                      </p:cBhvr>
+                                      <p:to>
+                                        <p:strVal val="visible"/>
+                                      </p:to>
+                                    </p:set>
+                                    <p:animEffect transition="in" filter="fade">
+                                      <p:cBhvr>
+                                        <p:cTn id="12" dur="1000"/>
+                                        <p:tgtEl>
+                                          <p:spTgt spid="3">
+                                            <p:txEl>
+                                              <p:pRg st="3" end="3"/>
+                                            </p:txEl>
+                                          </p:spTgt>
+                                        </p:tgtEl>
+                                      </p:cBhvr>
+                                    </p:animEffect>
+                                    <p:anim calcmode="lin" valueType="num">
+                                      <p:cBhvr>
+                                        <p:cTn id="13" dur="1000" fill="hold"/>
+                                        <p:tgtEl>
+                                          <p:spTgt spid="3">
+                                            <p:txEl>
+                                              <p:pRg st="3" end="3"/>
+                                            </p:txEl>
+                                          </p:spTgt>
+                                        </p:tgtEl>
+                                        <p:attrNameLst>
+                                          <p:attrName>ppt_x</p:attrName>
+                                        </p:attrNameLst>
+                                      </p:cBhvr>
+                                      <p:tavLst>
+                                        <p:tav tm="0">
+                                          <p:val>
+                                            <p:strVal val="#ppt_x"/>
+                                          </p:val>
+                                        </p:tav>
+                                        <p:tav tm="100000">
+                                          <p:val>
+                                            <p:strVal val="#ppt_x"/>
+                                          </p:val>
+                                        </p:tav>
+                                      </p:tavLst>
+                                    </p:anim>
+                                    <p:anim calcmode="lin" valueType="num">
+                                      <p:cBhvr>
+                                        <p:cTn id="14" dur="1000" fill="hold"/>
+                                        <p:tgtEl>
+                                          <p:spTgt spid="3">
+                                            <p:txEl>
+                                              <p:pRg st="3" end="3"/>
+                                            </p:txEl>
+                                          </p:spTgt>
+                                        </p:tgtEl>
+                                        <p:attrNameLst>
+                                          <p:attrName>ppt_y</p:attrName>
+                                        </p:attrNameLst>
+                                      </p:cBhvr>
+                                      <p:tavLst>
+                                        <p:tav tm="0">
+                                          <p:val>
+                                            <p:strVal val="#ppt_y+.1"/>
+                                          </p:val>
+                                        </p:tav>
+                                        <p:tav tm="100000">
+                                          <p:val>
+                                            <p:strVal val="#ppt_y"/>
+                                          </p:val>
+                                        </p:tav>
+                                      </p:tavLst>
+                                    </p:anim>
+                                  </p:childTnLst>
+                                </p:cTn>
+                              </p:par>
+                            </p:childTnLst>
+                          </p:cTn>
+                        </p:par>
+                      </p:childTnLst>
+                    </p:cTn>
+                  </p:par>
+                </p:childTnLst>
+              </p:cTn>
+              <p:prevCondLst>
+                <p:cond evt="onPrev" delay="0">
+                  <p:tgtEl>
+                    <p:sldTgt/>
+                  </p:tgtEl>
+                </p:cond>
+              </p:prevCondLst>
+              <p:nextCondLst>
+                <p:cond evt="onNext" delay="0">
+                  <p:tgtEl>
+                    <p:sldTgt/>
+                  </p:tgtEl>
+                </p:cond>
+              </p:nextCondLst>
+            </p:seq>
+          </p:childTnLst>
+        </p:cTn>
+      </p:par>
+    </p:tnLst>
+  </p:timing>
 </p:sld>
 </file>
 
-<file path=ppt/slides/slide7.xml><?xml version="1.0" encoding="utf-8"?>
+<file path=ppt/slides/slide8.xml><?xml version="1.0" encoding="utf-8"?>
 <p:sld xmlns:a="http://schemas.openxmlformats.org/drawingml/2006/main" xmlns:r="http://schemas.openxmlformats.org/officeDocument/2006/relationships" xmlns:p="http://schemas.openxmlformats.org/presentationml/2006/main">
   <p:cSld>
     <p:spTree>
@@ -18141,7 +21935,7 @@
           <a:p>
             <a:r>
               <a:rPr lang="en-US" dirty="0"/>
-              <a:t>Variables:  (County Level)</a:t>
+              <a:t>Variables:  (County Level, Year = 2013)</a:t>
             </a:r>
           </a:p>
         </p:txBody>
@@ -18431,869 +22225,6 @@
 </p:sld>
 </file>
 
-<file path=ppt/slides/slide8.xml><?xml version="1.0" encoding="utf-8"?>
-<p:sld xmlns:a="http://schemas.openxmlformats.org/drawingml/2006/main" xmlns:r="http://schemas.openxmlformats.org/officeDocument/2006/relationships" xmlns:p="http://schemas.openxmlformats.org/presentationml/2006/main">
-  <p:cSld>
-    <p:spTree>
-      <p:nvGrpSpPr>
-        <p:cNvPr id="1" name=""/>
-        <p:cNvGrpSpPr/>
-        <p:nvPr/>
-      </p:nvGrpSpPr>
-      <p:grpSpPr>
-        <a:xfrm>
-          <a:off x="0" y="0"/>
-          <a:ext cx="0" cy="0"/>
-          <a:chOff x="0" y="0"/>
-          <a:chExt cx="0" cy="0"/>
-        </a:xfrm>
-      </p:grpSpPr>
-      <p:sp>
-        <p:nvSpPr>
-          <p:cNvPr id="12" name="TextBox 11">
-            <a:extLst>
-              <a:ext uri="{FF2B5EF4-FFF2-40B4-BE49-F238E27FC236}">
-                <a16:creationId xmlns:a16="http://schemas.microsoft.com/office/drawing/2014/main" id="{12FF12D5-C8E7-41AA-ACB1-8AF04EC60C0B}"/>
-              </a:ext>
-            </a:extLst>
-          </p:cNvPr>
-          <p:cNvSpPr txBox="1"/>
-          <p:nvPr/>
-        </p:nvSpPr>
-        <p:spPr>
-          <a:xfrm>
-            <a:off x="1371597" y="927656"/>
-            <a:ext cx="10639427" cy="5355312"/>
-          </a:xfrm>
-          <a:prstGeom prst="rect">
-            <a:avLst/>
-          </a:prstGeom>
-          <a:noFill/>
-        </p:spPr>
-        <p:txBody>
-          <a:bodyPr wrap="square" rtlCol="0">
-            <a:spAutoFit/>
-          </a:bodyPr>
-          <a:lstStyle/>
-          <a:p>
-            <a:r>
-              <a:rPr lang="en-US" dirty="0"/>
-              <a:t>Diabetes Prevalence:</a:t>
-            </a:r>
-          </a:p>
-          <a:p>
-            <a:endParaRPr lang="en-US" dirty="0"/>
-          </a:p>
-          <a:p>
-            <a:endParaRPr lang="en-US" dirty="0"/>
-          </a:p>
-          <a:p>
-            <a:endParaRPr lang="en-US" dirty="0"/>
-          </a:p>
-          <a:p>
-            <a:endParaRPr lang="en-US" dirty="0"/>
-          </a:p>
-          <a:p>
-            <a:r>
-              <a:rPr lang="en-US" dirty="0"/>
-              <a:t>Obesity Prevalence:</a:t>
-            </a:r>
-          </a:p>
-          <a:p>
-            <a:endParaRPr lang="en-US" dirty="0"/>
-          </a:p>
-          <a:p>
-            <a:endParaRPr lang="en-US" dirty="0"/>
-          </a:p>
-          <a:p>
-            <a:endParaRPr lang="en-US" dirty="0"/>
-          </a:p>
-          <a:p>
-            <a:endParaRPr lang="en-US" dirty="0"/>
-          </a:p>
-          <a:p>
-            <a:r>
-              <a:rPr lang="en-US" dirty="0"/>
-              <a:t>Census County Population:</a:t>
-            </a:r>
-          </a:p>
-          <a:p>
-            <a:endParaRPr lang="en-US" dirty="0"/>
-          </a:p>
-          <a:p>
-            <a:endParaRPr lang="en-US" dirty="0"/>
-          </a:p>
-          <a:p>
-            <a:endParaRPr lang="en-US" dirty="0"/>
-          </a:p>
-          <a:p>
-            <a:endParaRPr lang="en-US" dirty="0"/>
-          </a:p>
-          <a:p>
-            <a:endParaRPr lang="en-US" dirty="0"/>
-          </a:p>
-          <a:p>
-            <a:r>
-              <a:rPr lang="en-US" dirty="0"/>
-              <a:t>City Location Data:</a:t>
-            </a:r>
-          </a:p>
-          <a:p>
-            <a:endParaRPr lang="en-US" dirty="0"/>
-          </a:p>
-          <a:p>
-            <a:endParaRPr lang="en-US" dirty="0"/>
-          </a:p>
-        </p:txBody>
-      </p:sp>
-      <p:sp>
-        <p:nvSpPr>
-          <p:cNvPr id="2" name="Title 1">
-            <a:extLst>
-              <a:ext uri="{FF2B5EF4-FFF2-40B4-BE49-F238E27FC236}">
-                <a16:creationId xmlns:a16="http://schemas.microsoft.com/office/drawing/2014/main" id="{A5BBC320-A836-4713-9101-516FBDF9E197}"/>
-              </a:ext>
-            </a:extLst>
-          </p:cNvPr>
-          <p:cNvSpPr>
-            <a:spLocks noGrp="1"/>
-          </p:cNvSpPr>
-          <p:nvPr>
-            <p:ph type="title"/>
-          </p:nvPr>
-        </p:nvSpPr>
-        <p:spPr>
-          <a:xfrm>
-            <a:off x="1371598" y="216338"/>
-            <a:ext cx="9601200" cy="743538"/>
-          </a:xfrm>
-        </p:spPr>
-        <p:txBody>
-          <a:bodyPr/>
-          <a:lstStyle/>
-          <a:p>
-            <a:r>
-              <a:rPr lang="en-US" dirty="0"/>
-              <a:t>Data: </a:t>
-            </a:r>
-          </a:p>
-        </p:txBody>
-      </p:sp>
-      <p:pic>
-        <p:nvPicPr>
-          <p:cNvPr id="13" name="Picture 12">
-            <a:extLst>
-              <a:ext uri="{FF2B5EF4-FFF2-40B4-BE49-F238E27FC236}">
-                <a16:creationId xmlns:a16="http://schemas.microsoft.com/office/drawing/2014/main" id="{91ECE685-0235-4B6B-9BFA-5FEF614D02BD}"/>
-              </a:ext>
-            </a:extLst>
-          </p:cNvPr>
-          <p:cNvPicPr>
-            <a:picLocks noChangeAspect="1"/>
-          </p:cNvPicPr>
-          <p:nvPr/>
-        </p:nvPicPr>
-        <p:blipFill>
-          <a:blip r:embed="rId2"/>
-          <a:stretch>
-            <a:fillRect/>
-          </a:stretch>
-        </p:blipFill>
-        <p:spPr>
-          <a:xfrm>
-            <a:off x="1371598" y="4058963"/>
-            <a:ext cx="10488969" cy="1133817"/>
-          </a:xfrm>
-          <a:prstGeom prst="rect">
-            <a:avLst/>
-          </a:prstGeom>
-        </p:spPr>
-      </p:pic>
-      <p:pic>
-        <p:nvPicPr>
-          <p:cNvPr id="14" name="Picture 13">
-            <a:extLst>
-              <a:ext uri="{FF2B5EF4-FFF2-40B4-BE49-F238E27FC236}">
-                <a16:creationId xmlns:a16="http://schemas.microsoft.com/office/drawing/2014/main" id="{DA8B8B79-6B71-4B6B-9A61-8C21F89AE29E}"/>
-              </a:ext>
-            </a:extLst>
-          </p:cNvPr>
-          <p:cNvPicPr>
-            <a:picLocks noChangeAspect="1"/>
-          </p:cNvPicPr>
-          <p:nvPr/>
-        </p:nvPicPr>
-        <p:blipFill>
-          <a:blip r:embed="rId3"/>
-          <a:stretch>
-            <a:fillRect/>
-          </a:stretch>
-        </p:blipFill>
-        <p:spPr>
-          <a:xfrm>
-            <a:off x="1371598" y="1289147"/>
-            <a:ext cx="7887812" cy="900143"/>
-          </a:xfrm>
-          <a:prstGeom prst="rect">
-            <a:avLst/>
-          </a:prstGeom>
-        </p:spPr>
-      </p:pic>
-      <p:pic>
-        <p:nvPicPr>
-          <p:cNvPr id="15" name="Picture 14">
-            <a:extLst>
-              <a:ext uri="{FF2B5EF4-FFF2-40B4-BE49-F238E27FC236}">
-                <a16:creationId xmlns:a16="http://schemas.microsoft.com/office/drawing/2014/main" id="{BCD3A5FF-7736-4025-8231-FC186ABBE6DE}"/>
-              </a:ext>
-            </a:extLst>
-          </p:cNvPr>
-          <p:cNvPicPr>
-            <a:picLocks noChangeAspect="1"/>
-          </p:cNvPicPr>
-          <p:nvPr/>
-        </p:nvPicPr>
-        <p:blipFill>
-          <a:blip r:embed="rId4"/>
-          <a:stretch>
-            <a:fillRect/>
-          </a:stretch>
-        </p:blipFill>
-        <p:spPr>
-          <a:xfrm>
-            <a:off x="1371598" y="2684331"/>
-            <a:ext cx="7887812" cy="879592"/>
-          </a:xfrm>
-          <a:prstGeom prst="rect">
-            <a:avLst/>
-          </a:prstGeom>
-        </p:spPr>
-      </p:pic>
-      <p:pic>
-        <p:nvPicPr>
-          <p:cNvPr id="16" name="Picture 15">
-            <a:extLst>
-              <a:ext uri="{FF2B5EF4-FFF2-40B4-BE49-F238E27FC236}">
-                <a16:creationId xmlns:a16="http://schemas.microsoft.com/office/drawing/2014/main" id="{475E21F7-F4A8-42AF-B9A9-B51B066F4F31}"/>
-              </a:ext>
-            </a:extLst>
-          </p:cNvPr>
-          <p:cNvPicPr>
-            <a:picLocks noChangeAspect="1"/>
-          </p:cNvPicPr>
-          <p:nvPr/>
-        </p:nvPicPr>
-        <p:blipFill>
-          <a:blip r:embed="rId5"/>
-          <a:stretch>
-            <a:fillRect/>
-          </a:stretch>
-        </p:blipFill>
-        <p:spPr>
-          <a:xfrm>
-            <a:off x="1371598" y="5681522"/>
-            <a:ext cx="9547106" cy="1013708"/>
-          </a:xfrm>
-          <a:prstGeom prst="rect">
-            <a:avLst/>
-          </a:prstGeom>
-        </p:spPr>
-      </p:pic>
-      <p:sp>
-        <p:nvSpPr>
-          <p:cNvPr id="17" name="Rectangle 16">
-            <a:extLst>
-              <a:ext uri="{FF2B5EF4-FFF2-40B4-BE49-F238E27FC236}">
-                <a16:creationId xmlns:a16="http://schemas.microsoft.com/office/drawing/2014/main" id="{C88007D4-F474-40B9-B441-BE25B959C19B}"/>
-              </a:ext>
-            </a:extLst>
-          </p:cNvPr>
-          <p:cNvSpPr/>
-          <p:nvPr/>
-        </p:nvSpPr>
-        <p:spPr>
-          <a:xfrm>
-            <a:off x="2104008" y="1289147"/>
-            <a:ext cx="828582" cy="900143"/>
-          </a:xfrm>
-          <a:prstGeom prst="rect">
-            <a:avLst/>
-          </a:prstGeom>
-          <a:solidFill>
-            <a:schemeClr val="accent2">
-              <a:alpha val="30000"/>
-            </a:schemeClr>
-          </a:solidFill>
-        </p:spPr>
-        <p:style>
-          <a:lnRef idx="2">
-            <a:schemeClr val="accent2">
-              <a:shade val="50000"/>
-            </a:schemeClr>
-          </a:lnRef>
-          <a:fillRef idx="1">
-            <a:schemeClr val="accent2"/>
-          </a:fillRef>
-          <a:effectRef idx="0">
-            <a:schemeClr val="accent2"/>
-          </a:effectRef>
-          <a:fontRef idx="minor">
-            <a:schemeClr val="lt1"/>
-          </a:fontRef>
-        </p:style>
-        <p:txBody>
-          <a:bodyPr rtlCol="0" anchor="ctr"/>
-          <a:lstStyle/>
-          <a:p>
-            <a:pPr algn="ctr"/>
-            <a:endParaRPr lang="en-US"/>
-          </a:p>
-        </p:txBody>
-      </p:sp>
-      <p:sp>
-        <p:nvSpPr>
-          <p:cNvPr id="18" name="Rectangle 17">
-            <a:extLst>
-              <a:ext uri="{FF2B5EF4-FFF2-40B4-BE49-F238E27FC236}">
-                <a16:creationId xmlns:a16="http://schemas.microsoft.com/office/drawing/2014/main" id="{2756D0BE-409C-49F7-9750-A98D92666EC5}"/>
-              </a:ext>
-            </a:extLst>
-          </p:cNvPr>
-          <p:cNvSpPr/>
-          <p:nvPr/>
-        </p:nvSpPr>
-        <p:spPr>
-          <a:xfrm>
-            <a:off x="2104008" y="2663780"/>
-            <a:ext cx="828582" cy="900143"/>
-          </a:xfrm>
-          <a:prstGeom prst="rect">
-            <a:avLst/>
-          </a:prstGeom>
-          <a:solidFill>
-            <a:schemeClr val="accent2">
-              <a:alpha val="30000"/>
-            </a:schemeClr>
-          </a:solidFill>
-        </p:spPr>
-        <p:style>
-          <a:lnRef idx="2">
-            <a:schemeClr val="accent2">
-              <a:shade val="50000"/>
-            </a:schemeClr>
-          </a:lnRef>
-          <a:fillRef idx="1">
-            <a:schemeClr val="accent2"/>
-          </a:fillRef>
-          <a:effectRef idx="0">
-            <a:schemeClr val="accent2"/>
-          </a:effectRef>
-          <a:fontRef idx="minor">
-            <a:schemeClr val="lt1"/>
-          </a:fontRef>
-        </p:style>
-        <p:txBody>
-          <a:bodyPr rtlCol="0" anchor="ctr"/>
-          <a:lstStyle/>
-          <a:p>
-            <a:pPr algn="ctr"/>
-            <a:endParaRPr lang="en-US"/>
-          </a:p>
-        </p:txBody>
-      </p:sp>
-      <p:sp>
-        <p:nvSpPr>
-          <p:cNvPr id="19" name="Rectangle 18">
-            <a:extLst>
-              <a:ext uri="{FF2B5EF4-FFF2-40B4-BE49-F238E27FC236}">
-                <a16:creationId xmlns:a16="http://schemas.microsoft.com/office/drawing/2014/main" id="{5BFB4582-3324-444A-B331-630D7C9D1851}"/>
-              </a:ext>
-            </a:extLst>
-          </p:cNvPr>
-          <p:cNvSpPr/>
-          <p:nvPr/>
-        </p:nvSpPr>
-        <p:spPr>
-          <a:xfrm>
-            <a:off x="3342258" y="4086937"/>
-            <a:ext cx="1248792" cy="1105843"/>
-          </a:xfrm>
-          <a:prstGeom prst="rect">
-            <a:avLst/>
-          </a:prstGeom>
-          <a:solidFill>
-            <a:schemeClr val="accent2">
-              <a:alpha val="30000"/>
-            </a:schemeClr>
-          </a:solidFill>
-        </p:spPr>
-        <p:style>
-          <a:lnRef idx="2">
-            <a:schemeClr val="accent2">
-              <a:shade val="50000"/>
-            </a:schemeClr>
-          </a:lnRef>
-          <a:fillRef idx="1">
-            <a:schemeClr val="accent2"/>
-          </a:fillRef>
-          <a:effectRef idx="0">
-            <a:schemeClr val="accent2"/>
-          </a:effectRef>
-          <a:fontRef idx="minor">
-            <a:schemeClr val="lt1"/>
-          </a:fontRef>
-        </p:style>
-        <p:txBody>
-          <a:bodyPr rtlCol="0" anchor="ctr"/>
-          <a:lstStyle/>
-          <a:p>
-            <a:pPr algn="ctr"/>
-            <a:endParaRPr lang="en-US"/>
-          </a:p>
-        </p:txBody>
-      </p:sp>
-      <p:sp>
-        <p:nvSpPr>
-          <p:cNvPr id="20" name="Rectangle 19">
-            <a:extLst>
-              <a:ext uri="{FF2B5EF4-FFF2-40B4-BE49-F238E27FC236}">
-                <a16:creationId xmlns:a16="http://schemas.microsoft.com/office/drawing/2014/main" id="{5E06DACD-5F3F-4B8E-9568-36F26EF1AEDF}"/>
-              </a:ext>
-            </a:extLst>
-          </p:cNvPr>
-          <p:cNvSpPr/>
-          <p:nvPr/>
-        </p:nvSpPr>
-        <p:spPr>
-          <a:xfrm>
-            <a:off x="4933950" y="5681522"/>
-            <a:ext cx="1028700" cy="985755"/>
-          </a:xfrm>
-          <a:prstGeom prst="rect">
-            <a:avLst/>
-          </a:prstGeom>
-          <a:solidFill>
-            <a:schemeClr val="accent2">
-              <a:alpha val="30000"/>
-            </a:schemeClr>
-          </a:solidFill>
-        </p:spPr>
-        <p:style>
-          <a:lnRef idx="2">
-            <a:schemeClr val="accent2">
-              <a:shade val="50000"/>
-            </a:schemeClr>
-          </a:lnRef>
-          <a:fillRef idx="1">
-            <a:schemeClr val="accent2"/>
-          </a:fillRef>
-          <a:effectRef idx="0">
-            <a:schemeClr val="accent2"/>
-          </a:effectRef>
-          <a:fontRef idx="minor">
-            <a:schemeClr val="lt1"/>
-          </a:fontRef>
-        </p:style>
-        <p:txBody>
-          <a:bodyPr rtlCol="0" anchor="ctr"/>
-          <a:lstStyle/>
-          <a:p>
-            <a:pPr algn="ctr"/>
-            <a:endParaRPr lang="en-US"/>
-          </a:p>
-        </p:txBody>
-      </p:sp>
-    </p:spTree>
-    <p:extLst>
-      <p:ext uri="{BB962C8B-B14F-4D97-AF65-F5344CB8AC3E}">
-        <p14:creationId xmlns:p14="http://schemas.microsoft.com/office/powerpoint/2010/main" val="2802458639"/>
-      </p:ext>
-    </p:extLst>
-  </p:cSld>
-  <p:clrMapOvr>
-    <a:masterClrMapping/>
-  </p:clrMapOvr>
-  <p:timing>
-    <p:tnLst>
-      <p:par>
-        <p:cTn id="1" dur="indefinite" restart="never" nodeType="tmRoot">
-          <p:childTnLst>
-            <p:seq concurrent="1" nextAc="seek">
-              <p:cTn id="2" dur="indefinite" nodeType="mainSeq">
-                <p:childTnLst>
-                  <p:par>
-                    <p:cTn id="3" fill="hold">
-                      <p:stCondLst>
-                        <p:cond delay="indefinite"/>
-                      </p:stCondLst>
-                      <p:childTnLst>
-                        <p:par>
-                          <p:cTn id="4" fill="hold">
-                            <p:stCondLst>
-                              <p:cond delay="0"/>
-                            </p:stCondLst>
-                            <p:childTnLst>
-                              <p:par>
-                                <p:cTn id="5" presetID="42" presetClass="entr" presetSubtype="0" fill="hold" grpId="0" nodeType="clickEffect">
-                                  <p:stCondLst>
-                                    <p:cond delay="0"/>
-                                  </p:stCondLst>
-                                  <p:childTnLst>
-                                    <p:set>
-                                      <p:cBhvr>
-                                        <p:cTn id="6" dur="1" fill="hold">
-                                          <p:stCondLst>
-                                            <p:cond delay="0"/>
-                                          </p:stCondLst>
-                                        </p:cTn>
-                                        <p:tgtEl>
-                                          <p:spTgt spid="17"/>
-                                        </p:tgtEl>
-                                        <p:attrNameLst>
-                                          <p:attrName>style.visibility</p:attrName>
-                                        </p:attrNameLst>
-                                      </p:cBhvr>
-                                      <p:to>
-                                        <p:strVal val="visible"/>
-                                      </p:to>
-                                    </p:set>
-                                    <p:animEffect transition="in" filter="fade">
-                                      <p:cBhvr>
-                                        <p:cTn id="7" dur="1000"/>
-                                        <p:tgtEl>
-                                          <p:spTgt spid="17"/>
-                                        </p:tgtEl>
-                                      </p:cBhvr>
-                                    </p:animEffect>
-                                    <p:anim calcmode="lin" valueType="num">
-                                      <p:cBhvr>
-                                        <p:cTn id="8" dur="1000" fill="hold"/>
-                                        <p:tgtEl>
-                                          <p:spTgt spid="17"/>
-                                        </p:tgtEl>
-                                        <p:attrNameLst>
-                                          <p:attrName>ppt_x</p:attrName>
-                                        </p:attrNameLst>
-                                      </p:cBhvr>
-                                      <p:tavLst>
-                                        <p:tav tm="0">
-                                          <p:val>
-                                            <p:strVal val="#ppt_x"/>
-                                          </p:val>
-                                        </p:tav>
-                                        <p:tav tm="100000">
-                                          <p:val>
-                                            <p:strVal val="#ppt_x"/>
-                                          </p:val>
-                                        </p:tav>
-                                      </p:tavLst>
-                                    </p:anim>
-                                    <p:anim calcmode="lin" valueType="num">
-                                      <p:cBhvr>
-                                        <p:cTn id="9" dur="1000" fill="hold"/>
-                                        <p:tgtEl>
-                                          <p:spTgt spid="17"/>
-                                        </p:tgtEl>
-                                        <p:attrNameLst>
-                                          <p:attrName>ppt_y</p:attrName>
-                                        </p:attrNameLst>
-                                      </p:cBhvr>
-                                      <p:tavLst>
-                                        <p:tav tm="0">
-                                          <p:val>
-                                            <p:strVal val="#ppt_y+.1"/>
-                                          </p:val>
-                                        </p:tav>
-                                        <p:tav tm="100000">
-                                          <p:val>
-                                            <p:strVal val="#ppt_y"/>
-                                          </p:val>
-                                        </p:tav>
-                                      </p:tavLst>
-                                    </p:anim>
-                                  </p:childTnLst>
-                                </p:cTn>
-                              </p:par>
-                              <p:par>
-                                <p:cTn id="10" presetID="42" presetClass="entr" presetSubtype="0" fill="hold" grpId="0" nodeType="withEffect">
-                                  <p:stCondLst>
-                                    <p:cond delay="0"/>
-                                  </p:stCondLst>
-                                  <p:childTnLst>
-                                    <p:set>
-                                      <p:cBhvr>
-                                        <p:cTn id="11" dur="1" fill="hold">
-                                          <p:stCondLst>
-                                            <p:cond delay="0"/>
-                                          </p:stCondLst>
-                                        </p:cTn>
-                                        <p:tgtEl>
-                                          <p:spTgt spid="18"/>
-                                        </p:tgtEl>
-                                        <p:attrNameLst>
-                                          <p:attrName>style.visibility</p:attrName>
-                                        </p:attrNameLst>
-                                      </p:cBhvr>
-                                      <p:to>
-                                        <p:strVal val="visible"/>
-                                      </p:to>
-                                    </p:set>
-                                    <p:animEffect transition="in" filter="fade">
-                                      <p:cBhvr>
-                                        <p:cTn id="12" dur="1000"/>
-                                        <p:tgtEl>
-                                          <p:spTgt spid="18"/>
-                                        </p:tgtEl>
-                                      </p:cBhvr>
-                                    </p:animEffect>
-                                    <p:anim calcmode="lin" valueType="num">
-                                      <p:cBhvr>
-                                        <p:cTn id="13" dur="1000" fill="hold"/>
-                                        <p:tgtEl>
-                                          <p:spTgt spid="18"/>
-                                        </p:tgtEl>
-                                        <p:attrNameLst>
-                                          <p:attrName>ppt_x</p:attrName>
-                                        </p:attrNameLst>
-                                      </p:cBhvr>
-                                      <p:tavLst>
-                                        <p:tav tm="0">
-                                          <p:val>
-                                            <p:strVal val="#ppt_x"/>
-                                          </p:val>
-                                        </p:tav>
-                                        <p:tav tm="100000">
-                                          <p:val>
-                                            <p:strVal val="#ppt_x"/>
-                                          </p:val>
-                                        </p:tav>
-                                      </p:tavLst>
-                                    </p:anim>
-                                    <p:anim calcmode="lin" valueType="num">
-                                      <p:cBhvr>
-                                        <p:cTn id="14" dur="1000" fill="hold"/>
-                                        <p:tgtEl>
-                                          <p:spTgt spid="18"/>
-                                        </p:tgtEl>
-                                        <p:attrNameLst>
-                                          <p:attrName>ppt_y</p:attrName>
-                                        </p:attrNameLst>
-                                      </p:cBhvr>
-                                      <p:tavLst>
-                                        <p:tav tm="0">
-                                          <p:val>
-                                            <p:strVal val="#ppt_y+.1"/>
-                                          </p:val>
-                                        </p:tav>
-                                        <p:tav tm="100000">
-                                          <p:val>
-                                            <p:strVal val="#ppt_y"/>
-                                          </p:val>
-                                        </p:tav>
-                                      </p:tavLst>
-                                    </p:anim>
-                                  </p:childTnLst>
-                                </p:cTn>
-                              </p:par>
-                              <p:par>
-                                <p:cTn id="15" presetID="42" presetClass="entr" presetSubtype="0" fill="hold" grpId="0" nodeType="withEffect">
-                                  <p:stCondLst>
-                                    <p:cond delay="0"/>
-                                  </p:stCondLst>
-                                  <p:childTnLst>
-                                    <p:set>
-                                      <p:cBhvr>
-                                        <p:cTn id="16" dur="1" fill="hold">
-                                          <p:stCondLst>
-                                            <p:cond delay="0"/>
-                                          </p:stCondLst>
-                                        </p:cTn>
-                                        <p:tgtEl>
-                                          <p:spTgt spid="19"/>
-                                        </p:tgtEl>
-                                        <p:attrNameLst>
-                                          <p:attrName>style.visibility</p:attrName>
-                                        </p:attrNameLst>
-                                      </p:cBhvr>
-                                      <p:to>
-                                        <p:strVal val="visible"/>
-                                      </p:to>
-                                    </p:set>
-                                    <p:animEffect transition="in" filter="fade">
-                                      <p:cBhvr>
-                                        <p:cTn id="17" dur="1000"/>
-                                        <p:tgtEl>
-                                          <p:spTgt spid="19"/>
-                                        </p:tgtEl>
-                                      </p:cBhvr>
-                                    </p:animEffect>
-                                    <p:anim calcmode="lin" valueType="num">
-                                      <p:cBhvr>
-                                        <p:cTn id="18" dur="1000" fill="hold"/>
-                                        <p:tgtEl>
-                                          <p:spTgt spid="19"/>
-                                        </p:tgtEl>
-                                        <p:attrNameLst>
-                                          <p:attrName>ppt_x</p:attrName>
-                                        </p:attrNameLst>
-                                      </p:cBhvr>
-                                      <p:tavLst>
-                                        <p:tav tm="0">
-                                          <p:val>
-                                            <p:strVal val="#ppt_x"/>
-                                          </p:val>
-                                        </p:tav>
-                                        <p:tav tm="100000">
-                                          <p:val>
-                                            <p:strVal val="#ppt_x"/>
-                                          </p:val>
-                                        </p:tav>
-                                      </p:tavLst>
-                                    </p:anim>
-                                    <p:anim calcmode="lin" valueType="num">
-                                      <p:cBhvr>
-                                        <p:cTn id="19" dur="1000" fill="hold"/>
-                                        <p:tgtEl>
-                                          <p:spTgt spid="19"/>
-                                        </p:tgtEl>
-                                        <p:attrNameLst>
-                                          <p:attrName>ppt_y</p:attrName>
-                                        </p:attrNameLst>
-                                      </p:cBhvr>
-                                      <p:tavLst>
-                                        <p:tav tm="0">
-                                          <p:val>
-                                            <p:strVal val="#ppt_y+.1"/>
-                                          </p:val>
-                                        </p:tav>
-                                        <p:tav tm="100000">
-                                          <p:val>
-                                            <p:strVal val="#ppt_y"/>
-                                          </p:val>
-                                        </p:tav>
-                                      </p:tavLst>
-                                    </p:anim>
-                                  </p:childTnLst>
-                                </p:cTn>
-                              </p:par>
-                              <p:par>
-                                <p:cTn id="20" presetID="42" presetClass="entr" presetSubtype="0" fill="hold" grpId="0" nodeType="withEffect">
-                                  <p:stCondLst>
-                                    <p:cond delay="0"/>
-                                  </p:stCondLst>
-                                  <p:childTnLst>
-                                    <p:set>
-                                      <p:cBhvr>
-                                        <p:cTn id="21" dur="1" fill="hold">
-                                          <p:stCondLst>
-                                            <p:cond delay="0"/>
-                                          </p:stCondLst>
-                                        </p:cTn>
-                                        <p:tgtEl>
-                                          <p:spTgt spid="20"/>
-                                        </p:tgtEl>
-                                        <p:attrNameLst>
-                                          <p:attrName>style.visibility</p:attrName>
-                                        </p:attrNameLst>
-                                      </p:cBhvr>
-                                      <p:to>
-                                        <p:strVal val="visible"/>
-                                      </p:to>
-                                    </p:set>
-                                    <p:animEffect transition="in" filter="fade">
-                                      <p:cBhvr>
-                                        <p:cTn id="22" dur="1000"/>
-                                        <p:tgtEl>
-                                          <p:spTgt spid="20"/>
-                                        </p:tgtEl>
-                                      </p:cBhvr>
-                                    </p:animEffect>
-                                    <p:anim calcmode="lin" valueType="num">
-                                      <p:cBhvr>
-                                        <p:cTn id="23" dur="1000" fill="hold"/>
-                                        <p:tgtEl>
-                                          <p:spTgt spid="20"/>
-                                        </p:tgtEl>
-                                        <p:attrNameLst>
-                                          <p:attrName>ppt_x</p:attrName>
-                                        </p:attrNameLst>
-                                      </p:cBhvr>
-                                      <p:tavLst>
-                                        <p:tav tm="0">
-                                          <p:val>
-                                            <p:strVal val="#ppt_x"/>
-                                          </p:val>
-                                        </p:tav>
-                                        <p:tav tm="100000">
-                                          <p:val>
-                                            <p:strVal val="#ppt_x"/>
-                                          </p:val>
-                                        </p:tav>
-                                      </p:tavLst>
-                                    </p:anim>
-                                    <p:anim calcmode="lin" valueType="num">
-                                      <p:cBhvr>
-                                        <p:cTn id="24" dur="1000" fill="hold"/>
-                                        <p:tgtEl>
-                                          <p:spTgt spid="20"/>
-                                        </p:tgtEl>
-                                        <p:attrNameLst>
-                                          <p:attrName>ppt_y</p:attrName>
-                                        </p:attrNameLst>
-                                      </p:cBhvr>
-                                      <p:tavLst>
-                                        <p:tav tm="0">
-                                          <p:val>
-                                            <p:strVal val="#ppt_y+.1"/>
-                                          </p:val>
-                                        </p:tav>
-                                        <p:tav tm="100000">
-                                          <p:val>
-                                            <p:strVal val="#ppt_y"/>
-                                          </p:val>
-                                        </p:tav>
-                                      </p:tavLst>
-                                    </p:anim>
-                                  </p:childTnLst>
-                                </p:cTn>
-                              </p:par>
-                            </p:childTnLst>
-                          </p:cTn>
-                        </p:par>
-                      </p:childTnLst>
-                    </p:cTn>
-                  </p:par>
-                </p:childTnLst>
-              </p:cTn>
-              <p:prevCondLst>
-                <p:cond evt="onPrev" delay="0">
-                  <p:tgtEl>
-                    <p:sldTgt/>
-                  </p:tgtEl>
-                </p:cond>
-              </p:prevCondLst>
-              <p:nextCondLst>
-                <p:cond evt="onNext" delay="0">
-                  <p:tgtEl>
-                    <p:sldTgt/>
-                  </p:tgtEl>
-                </p:cond>
-              </p:nextCondLst>
-            </p:seq>
-          </p:childTnLst>
-        </p:cTn>
-      </p:par>
-    </p:tnLst>
-    <p:bldLst>
-      <p:bldP spid="17" grpId="0" animBg="1"/>
-      <p:bldP spid="18" grpId="0" animBg="1"/>
-      <p:bldP spid="19" grpId="0" animBg="1"/>
-      <p:bldP spid="20" grpId="0" animBg="1"/>
-    </p:bldLst>
-  </p:timing>
-</p:sld>
-</file>
-
 <file path=ppt/slides/slide9.xml><?xml version="1.0" encoding="utf-8"?>
 <p:sld xmlns:a="http://schemas.openxmlformats.org/drawingml/2006/main" xmlns:r="http://schemas.openxmlformats.org/officeDocument/2006/relationships" xmlns:p="http://schemas.openxmlformats.org/presentationml/2006/main">
   <p:cSld>
@@ -19316,7 +22247,7 @@
           <p:cNvPr id="2" name="Title 1">
             <a:extLst>
               <a:ext uri="{FF2B5EF4-FFF2-40B4-BE49-F238E27FC236}">
-                <a16:creationId xmlns:a16="http://schemas.microsoft.com/office/drawing/2014/main" id="{989A08A7-D626-4AD3-96C6-A53C0231A6F9}"/>
+                <a16:creationId xmlns:a16="http://schemas.microsoft.com/office/drawing/2014/main" id="{AD328EC7-0A25-4953-A046-DD88D5F56AC8}"/>
               </a:ext>
             </a:extLst>
           </p:cNvPr>
@@ -19329,8 +22260,8 @@
         </p:nvSpPr>
         <p:spPr>
           <a:xfrm>
-            <a:off x="1371600" y="401714"/>
-            <a:ext cx="9601200" cy="876670"/>
+            <a:off x="1371600" y="429126"/>
+            <a:ext cx="9601200" cy="1485900"/>
           </a:xfrm>
         </p:spPr>
         <p:txBody>
@@ -19339,155 +22270,110 @@
           <a:p>
             <a:r>
               <a:rPr lang="en-US" dirty="0"/>
-              <a:t>Data Issues:</a:t>
+              <a:t>Methodology</a:t>
             </a:r>
           </a:p>
         </p:txBody>
       </p:sp>
       <p:sp>
         <p:nvSpPr>
-          <p:cNvPr id="4" name="TextBox 3">
+          <p:cNvPr id="3" name="Content Placeholder 2">
             <a:extLst>
               <a:ext uri="{FF2B5EF4-FFF2-40B4-BE49-F238E27FC236}">
-                <a16:creationId xmlns:a16="http://schemas.microsoft.com/office/drawing/2014/main" id="{BF51663C-56BE-448D-ADEC-56B02E9C2B4C}"/>
+                <a16:creationId xmlns:a16="http://schemas.microsoft.com/office/drawing/2014/main" id="{09736A4F-48D3-4814-AA5D-6E750CD1FF31}"/>
               </a:ext>
             </a:extLst>
           </p:cNvPr>
-          <p:cNvSpPr txBox="1"/>
-          <p:nvPr/>
+          <p:cNvSpPr>
+            <a:spLocks noGrp="1"/>
+          </p:cNvSpPr>
+          <p:nvPr>
+            <p:ph idx="1"/>
+          </p:nvPr>
         </p:nvSpPr>
         <p:spPr>
           <a:xfrm>
-            <a:off x="1371600" y="1278384"/>
-            <a:ext cx="10451432" cy="5262979"/>
+            <a:off x="1371600" y="1283369"/>
+            <a:ext cx="10563726" cy="5390148"/>
           </a:xfrm>
-          <a:prstGeom prst="rect">
-            <a:avLst/>
-          </a:prstGeom>
-          <a:noFill/>
         </p:spPr>
         <p:txBody>
-          <a:bodyPr wrap="square" rtlCol="0">
-            <a:spAutoFit/>
+          <a:bodyPr>
+            <a:noAutofit/>
           </a:bodyPr>
           <a:lstStyle/>
           <a:p>
-            <a:pPr marL="342900" indent="-342900">
-              <a:buAutoNum type="arabicPeriod"/>
+            <a:pPr marL="0" indent="0">
+              <a:buNone/>
             </a:pPr>
             <a:r>
               <a:rPr lang="en-US" sz="2800" dirty="0"/>
-              <a:t>Duplicated county names in the data. </a:t>
+              <a:t>Level 1:  Independence T-Test</a:t>
             </a:r>
           </a:p>
           <a:p>
+            <a:pPr marL="0" indent="0">
+              <a:buNone/>
+            </a:pPr>
             <a:r>
               <a:rPr lang="en-US" sz="2800" dirty="0"/>
-              <a:t>Solution: merge data sets by FIPS codes (unique)</a:t>
+              <a:t>Objective: Find any statistical significant difference between low density and high density counties.</a:t>
             </a:r>
           </a:p>
           <a:p>
-            <a:endParaRPr lang="en-US" sz="2800" dirty="0"/>
-          </a:p>
-          <a:p>
-            <a:endParaRPr lang="en-US" sz="2800" dirty="0"/>
-          </a:p>
-          <a:p>
-            <a:endParaRPr lang="en-US" sz="2800" dirty="0"/>
-          </a:p>
-          <a:p>
+            <a:pPr marL="0" indent="0">
+              <a:buNone/>
+            </a:pPr>
+            <a:endParaRPr lang="en-US" dirty="0"/>
+          </a:p>
+          <a:p>
+            <a:pPr marL="0" indent="0">
+              <a:buNone/>
+            </a:pPr>
             <a:r>
               <a:rPr lang="en-US" sz="2800" dirty="0"/>
-              <a:t>2. Some of the counties do not have the obesity or diabetes data. Solution: those counties need to be dropped (total 85 counties)</a:t>
+              <a:t>Level 2: ANOVA </a:t>
             </a:r>
           </a:p>
           <a:p>
-            <a:endParaRPr lang="en-US" sz="2800" dirty="0"/>
-          </a:p>
-          <a:p>
-            <a:endParaRPr lang="en-US" sz="2800" dirty="0"/>
-          </a:p>
-          <a:p>
-            <a:endParaRPr lang="en-US" sz="2800" dirty="0"/>
-          </a:p>
-          <a:p>
+            <a:pPr marL="0" indent="0">
+              <a:buNone/>
+            </a:pPr>
             <a:r>
               <a:rPr lang="en-US" sz="2800" dirty="0"/>
-              <a:t>3. The FIPS codes is not defined as integer. </a:t>
+              <a:t>Objective: Find any statistical significant difference between low, medium, and high density counties.</a:t>
             </a:r>
           </a:p>
           <a:p>
+            <a:pPr marL="0" indent="0">
+              <a:buNone/>
+            </a:pPr>
+            <a:endParaRPr lang="en-US" dirty="0"/>
+          </a:p>
+          <a:p>
+            <a:pPr marL="0" indent="0">
+              <a:buNone/>
+            </a:pPr>
             <a:r>
               <a:rPr lang="en-US" sz="2800" dirty="0"/>
-              <a:t>Solution: needs to convert all FIPS codes to integer before merging</a:t>
+              <a:t>Level 3: Single Variable Regression Model</a:t>
+            </a:r>
+          </a:p>
+          <a:p>
+            <a:pPr marL="0" indent="0">
+              <a:buNone/>
+            </a:pPr>
+            <a:r>
+              <a:rPr lang="en-US" sz="2800" dirty="0"/>
+              <a:t>Objective: Find any correlation between density and obesity rate or diabetes rate.</a:t>
             </a:r>
           </a:p>
         </p:txBody>
       </p:sp>
-      <p:pic>
-        <p:nvPicPr>
-          <p:cNvPr id="3" name="Picture 2">
-            <a:extLst>
-              <a:ext uri="{FF2B5EF4-FFF2-40B4-BE49-F238E27FC236}">
-                <a16:creationId xmlns:a16="http://schemas.microsoft.com/office/drawing/2014/main" id="{1CDE487A-D2B2-4541-BF73-607394500C19}"/>
-              </a:ext>
-            </a:extLst>
-          </p:cNvPr>
-          <p:cNvPicPr>
-            <a:picLocks noChangeAspect="1"/>
-          </p:cNvPicPr>
-          <p:nvPr/>
-        </p:nvPicPr>
-        <p:blipFill>
-          <a:blip r:embed="rId2"/>
-          <a:stretch>
-            <a:fillRect/>
-          </a:stretch>
-        </p:blipFill>
-        <p:spPr>
-          <a:xfrm>
-            <a:off x="1371600" y="2243190"/>
-            <a:ext cx="4185821" cy="1111122"/>
-          </a:xfrm>
-          <a:prstGeom prst="rect">
-            <a:avLst/>
-          </a:prstGeom>
-        </p:spPr>
-      </p:pic>
-      <p:pic>
-        <p:nvPicPr>
-          <p:cNvPr id="6" name="Picture 5">
-            <a:extLst>
-              <a:ext uri="{FF2B5EF4-FFF2-40B4-BE49-F238E27FC236}">
-                <a16:creationId xmlns:a16="http://schemas.microsoft.com/office/drawing/2014/main" id="{218A0EE4-4ECE-477C-805E-75A3FBF1C8CE}"/>
-              </a:ext>
-            </a:extLst>
-          </p:cNvPr>
-          <p:cNvPicPr>
-            <a:picLocks noChangeAspect="1"/>
-          </p:cNvPicPr>
-          <p:nvPr/>
-        </p:nvPicPr>
-        <p:blipFill>
-          <a:blip r:embed="rId3"/>
-          <a:stretch>
-            <a:fillRect/>
-          </a:stretch>
-        </p:blipFill>
-        <p:spPr>
-          <a:xfrm>
-            <a:off x="1371600" y="4370937"/>
-            <a:ext cx="7711920" cy="1111122"/>
-          </a:xfrm>
-          <a:prstGeom prst="rect">
-            <a:avLst/>
-          </a:prstGeom>
-        </p:spPr>
-      </p:pic>
     </p:spTree>
     <p:extLst>
       <p:ext uri="{BB962C8B-B14F-4D97-AF65-F5344CB8AC3E}">
-        <p14:creationId xmlns:p14="http://schemas.microsoft.com/office/powerpoint/2010/main" val="2232436208"/>
+        <p14:creationId xmlns:p14="http://schemas.microsoft.com/office/powerpoint/2010/main" val="2818904413"/>
       </p:ext>
     </p:extLst>
   </p:cSld>
@@ -19528,9 +22414,9 @@
                                           </p:stCondLst>
                                         </p:cTn>
                                         <p:tgtEl>
-                                          <p:spTgt spid="4">
+                                          <p:spTgt spid="3">
                                             <p:txEl>
-                                              <p:pRg st="0" end="0"/>
+                                              <p:pRg st="3" end="3"/>
                                             </p:txEl>
                                           </p:spTgt>
                                         </p:tgtEl>
@@ -19546,9 +22432,9 @@
                                       <p:cBhvr>
                                         <p:cTn id="7" dur="1000"/>
                                         <p:tgtEl>
-                                          <p:spTgt spid="4">
+                                          <p:spTgt spid="3">
                                             <p:txEl>
-                                              <p:pRg st="0" end="0"/>
+                                              <p:pRg st="3" end="3"/>
                                             </p:txEl>
                                           </p:spTgt>
                                         </p:tgtEl>
@@ -19558,9 +22444,9 @@
                                       <p:cBhvr>
                                         <p:cTn id="8" dur="1000" fill="hold"/>
                                         <p:tgtEl>
-                                          <p:spTgt spid="4">
+                                          <p:spTgt spid="3">
                                             <p:txEl>
-                                              <p:pRg st="0" end="0"/>
+                                              <p:pRg st="3" end="3"/>
                                             </p:txEl>
                                           </p:spTgt>
                                         </p:tgtEl>
@@ -19585,9 +22471,9 @@
                                       <p:cBhvr>
                                         <p:cTn id="9" dur="1000" fill="hold"/>
                                         <p:tgtEl>
-                                          <p:spTgt spid="4">
+                                          <p:spTgt spid="3">
                                             <p:txEl>
-                                              <p:pRg st="0" end="0"/>
+                                              <p:pRg st="3" end="3"/>
                                             </p:txEl>
                                           </p:spTgt>
                                         </p:tgtEl>
@@ -19625,9 +22511,9 @@
                                           </p:stCondLst>
                                         </p:cTn>
                                         <p:tgtEl>
-                                          <p:spTgt spid="4">
+                                          <p:spTgt spid="3">
                                             <p:txEl>
-                                              <p:pRg st="1" end="1"/>
+                                              <p:pRg st="4" end="4"/>
                                             </p:txEl>
                                           </p:spTgt>
                                         </p:tgtEl>
@@ -19643,9 +22529,9 @@
                                       <p:cBhvr>
                                         <p:cTn id="12" dur="1000"/>
                                         <p:tgtEl>
-                                          <p:spTgt spid="4">
+                                          <p:spTgt spid="3">
                                             <p:txEl>
-                                              <p:pRg st="1" end="1"/>
+                                              <p:pRg st="4" end="4"/>
                                             </p:txEl>
                                           </p:spTgt>
                                         </p:tgtEl>
@@ -19655,9 +22541,9 @@
                                       <p:cBhvr>
                                         <p:cTn id="13" dur="1000" fill="hold"/>
                                         <p:tgtEl>
-                                          <p:spTgt spid="4">
+                                          <p:spTgt spid="3">
                                             <p:txEl>
-                                              <p:pRg st="1" end="1"/>
+                                              <p:pRg st="4" end="4"/>
                                             </p:txEl>
                                           </p:spTgt>
                                         </p:tgtEl>
@@ -19682,9 +22568,9 @@
                                       <p:cBhvr>
                                         <p:cTn id="14" dur="1000" fill="hold"/>
                                         <p:tgtEl>
-                                          <p:spTgt spid="4">
+                                          <p:spTgt spid="3">
                                             <p:txEl>
-                                              <p:pRg st="1" end="1"/>
+                                              <p:pRg st="4" end="4"/>
                                             </p:txEl>
                                           </p:spTgt>
                                         </p:tgtEl>
@@ -19740,9 +22626,9 @@
                                           </p:stCondLst>
                                         </p:cTn>
                                         <p:tgtEl>
-                                          <p:spTgt spid="4">
+                                          <p:spTgt spid="3">
                                             <p:txEl>
-                                              <p:pRg st="5" end="5"/>
+                                              <p:pRg st="6" end="6"/>
                                             </p:txEl>
                                           </p:spTgt>
                                         </p:tgtEl>
@@ -19758,9 +22644,9 @@
                                       <p:cBhvr>
                                         <p:cTn id="19" dur="1000"/>
                                         <p:tgtEl>
-                                          <p:spTgt spid="4">
+                                          <p:spTgt spid="3">
                                             <p:txEl>
-                                              <p:pRg st="5" end="5"/>
+                                              <p:pRg st="6" end="6"/>
                                             </p:txEl>
                                           </p:spTgt>
                                         </p:tgtEl>
@@ -19770,9 +22656,9 @@
                                       <p:cBhvr>
                                         <p:cTn id="20" dur="1000" fill="hold"/>
                                         <p:tgtEl>
-                                          <p:spTgt spid="4">
+                                          <p:spTgt spid="3">
                                             <p:txEl>
-                                              <p:pRg st="5" end="5"/>
+                                              <p:pRg st="6" end="6"/>
                                             </p:txEl>
                                           </p:spTgt>
                                         </p:tgtEl>
@@ -19797,124 +22683,9 @@
                                       <p:cBhvr>
                                         <p:cTn id="21" dur="1000" fill="hold"/>
                                         <p:tgtEl>
-                                          <p:spTgt spid="4">
+                                          <p:spTgt spid="3">
                                             <p:txEl>
-                                              <p:pRg st="5" end="5"/>
-                                            </p:txEl>
-                                          </p:spTgt>
-                                        </p:tgtEl>
-                                        <p:attrNameLst>
-                                          <p:attrName>ppt_y</p:attrName>
-                                        </p:attrNameLst>
-                                      </p:cBhvr>
-                                      <p:tavLst>
-                                        <p:tav tm="0">
-                                          <p:val>
-                                            <p:strVal val="#ppt_y+.1"/>
-                                          </p:val>
-                                        </p:tav>
-                                        <p:tav tm="100000">
-                                          <p:val>
-                                            <p:strVal val="#ppt_y"/>
-                                          </p:val>
-                                        </p:tav>
-                                      </p:tavLst>
-                                    </p:anim>
-                                  </p:childTnLst>
-                                </p:cTn>
-                              </p:par>
-                            </p:childTnLst>
-                          </p:cTn>
-                        </p:par>
-                      </p:childTnLst>
-                    </p:cTn>
-                  </p:par>
-                  <p:par>
-                    <p:cTn id="22" fill="hold">
-                      <p:stCondLst>
-                        <p:cond delay="indefinite"/>
-                      </p:stCondLst>
-                      <p:childTnLst>
-                        <p:par>
-                          <p:cTn id="23" fill="hold">
-                            <p:stCondLst>
-                              <p:cond delay="0"/>
-                            </p:stCondLst>
-                            <p:childTnLst>
-                              <p:par>
-                                <p:cTn id="24" presetID="42" presetClass="entr" presetSubtype="0" fill="hold" nodeType="clickEffect">
-                                  <p:stCondLst>
-                                    <p:cond delay="0"/>
-                                  </p:stCondLst>
-                                  <p:childTnLst>
-                                    <p:set>
-                                      <p:cBhvr>
-                                        <p:cTn id="25" dur="1" fill="hold">
-                                          <p:stCondLst>
-                                            <p:cond delay="0"/>
-                                          </p:stCondLst>
-                                        </p:cTn>
-                                        <p:tgtEl>
-                                          <p:spTgt spid="4">
-                                            <p:txEl>
-                                              <p:pRg st="9" end="9"/>
-                                            </p:txEl>
-                                          </p:spTgt>
-                                        </p:tgtEl>
-                                        <p:attrNameLst>
-                                          <p:attrName>style.visibility</p:attrName>
-                                        </p:attrNameLst>
-                                      </p:cBhvr>
-                                      <p:to>
-                                        <p:strVal val="visible"/>
-                                      </p:to>
-                                    </p:set>
-                                    <p:animEffect transition="in" filter="fade">
-                                      <p:cBhvr>
-                                        <p:cTn id="26" dur="1000"/>
-                                        <p:tgtEl>
-                                          <p:spTgt spid="4">
-                                            <p:txEl>
-                                              <p:pRg st="9" end="9"/>
-                                            </p:txEl>
-                                          </p:spTgt>
-                                        </p:tgtEl>
-                                      </p:cBhvr>
-                                    </p:animEffect>
-                                    <p:anim calcmode="lin" valueType="num">
-                                      <p:cBhvr>
-                                        <p:cTn id="27" dur="1000" fill="hold"/>
-                                        <p:tgtEl>
-                                          <p:spTgt spid="4">
-                                            <p:txEl>
-                                              <p:pRg st="9" end="9"/>
-                                            </p:txEl>
-                                          </p:spTgt>
-                                        </p:tgtEl>
-                                        <p:attrNameLst>
-                                          <p:attrName>ppt_x</p:attrName>
-                                        </p:attrNameLst>
-                                      </p:cBhvr>
-                                      <p:tavLst>
-                                        <p:tav tm="0">
-                                          <p:val>
-                                            <p:strVal val="#ppt_x"/>
-                                          </p:val>
-                                        </p:tav>
-                                        <p:tav tm="100000">
-                                          <p:val>
-                                            <p:strVal val="#ppt_x"/>
-                                          </p:val>
-                                        </p:tav>
-                                      </p:tavLst>
-                                    </p:anim>
-                                    <p:anim calcmode="lin" valueType="num">
-                                      <p:cBhvr>
-                                        <p:cTn id="28" dur="1000" fill="hold"/>
-                                        <p:tgtEl>
-                                          <p:spTgt spid="4">
-                                            <p:txEl>
-                                              <p:pRg st="9" end="9"/>
+                                              <p:pRg st="6" end="6"/>
                                             </p:txEl>
                                           </p:spTgt>
                                         </p:tgtEl>
@@ -19939,22 +22710,22 @@
                                 </p:cTn>
                               </p:par>
                               <p:par>
-                                <p:cTn id="29" presetID="42" presetClass="entr" presetSubtype="0" fill="hold" nodeType="withEffect">
+                                <p:cTn id="22" presetID="42" presetClass="entr" presetSubtype="0" fill="hold" nodeType="withEffect">
                                   <p:stCondLst>
                                     <p:cond delay="0"/>
                                   </p:stCondLst>
                                   <p:childTnLst>
                                     <p:set>
                                       <p:cBhvr>
-                                        <p:cTn id="30" dur="1" fill="hold">
+                                        <p:cTn id="23" dur="1" fill="hold">
                                           <p:stCondLst>
                                             <p:cond delay="0"/>
                                           </p:stCondLst>
                                         </p:cTn>
                                         <p:tgtEl>
-                                          <p:spTgt spid="4">
+                                          <p:spTgt spid="3">
                                             <p:txEl>
-                                              <p:pRg st="10" end="10"/>
+                                              <p:pRg st="7" end="7"/>
                                             </p:txEl>
                                           </p:spTgt>
                                         </p:tgtEl>
@@ -19968,11 +22739,11 @@
                                     </p:set>
                                     <p:animEffect transition="in" filter="fade">
                                       <p:cBhvr>
-                                        <p:cTn id="31" dur="1000"/>
+                                        <p:cTn id="24" dur="1000"/>
                                         <p:tgtEl>
-                                          <p:spTgt spid="4">
+                                          <p:spTgt spid="3">
                                             <p:txEl>
-                                              <p:pRg st="10" end="10"/>
+                                              <p:pRg st="7" end="7"/>
                                             </p:txEl>
                                           </p:spTgt>
                                         </p:tgtEl>
@@ -19980,11 +22751,11 @@
                                     </p:animEffect>
                                     <p:anim calcmode="lin" valueType="num">
                                       <p:cBhvr>
-                                        <p:cTn id="32" dur="1000" fill="hold"/>
+                                        <p:cTn id="25" dur="1000" fill="hold"/>
                                         <p:tgtEl>
-                                          <p:spTgt spid="4">
+                                          <p:spTgt spid="3">
                                             <p:txEl>
-                                              <p:pRg st="10" end="10"/>
+                                              <p:pRg st="7" end="7"/>
                                             </p:txEl>
                                           </p:spTgt>
                                         </p:tgtEl>
@@ -20007,11 +22778,11 @@
                                     </p:anim>
                                     <p:anim calcmode="lin" valueType="num">
                                       <p:cBhvr>
-                                        <p:cTn id="33" dur="1000" fill="hold"/>
+                                        <p:cTn id="26" dur="1000" fill="hold"/>
                                         <p:tgtEl>
-                                          <p:spTgt spid="4">
+                                          <p:spTgt spid="3">
                                             <p:txEl>
-                                              <p:pRg st="10" end="10"/>
+                                              <p:pRg st="7" end="7"/>
                                             </p:txEl>
                                           </p:spTgt>
                                         </p:tgtEl>
